--- a/FunctionalProgrammingForJavaDevelopers/ppt/Functional Programming for Object-Oriented Developers.pptx
+++ b/FunctionalProgrammingForJavaDevelopers/ppt/Functional Programming for Object-Oriented Developers.pptx
@@ -17,8 +17,9 @@
     <p:sldId id="267" r:id="rId11"/>
     <p:sldId id="266" r:id="rId12"/>
     <p:sldId id="268" r:id="rId13"/>
-    <p:sldId id="257" r:id="rId14"/>
-    <p:sldId id="269" r:id="rId15"/>
+    <p:sldId id="270" r:id="rId14"/>
+    <p:sldId id="257" r:id="rId15"/>
+    <p:sldId id="269" r:id="rId16"/>
   </p:sldIdLst>
   <p:sldSz cx="12192000" cy="6858000"/>
   <p:notesSz cx="6858000" cy="9144000"/>
@@ -6492,7 +6493,7 @@
           <a:p>
             <a:r>
               <a:rPr lang="en-US" baseline="0" dirty="0" smtClean="0"/>
-              <a:t>Visitor pattern</a:t>
+              <a:t>Visitor/Iterator pattern</a:t>
             </a:r>
             <a:endParaRPr lang="en-US" dirty="0"/>
           </a:p>
@@ -6545,6 +6546,96 @@
           <a:p>
             <a:r>
               <a:rPr lang="en-US" dirty="0" smtClean="0"/>
+              <a:t>Separate data from functions</a:t>
+            </a:r>
+            <a:endParaRPr lang="en-US" dirty="0"/>
+          </a:p>
+        </p:txBody>
+      </p:sp>
+      <p:sp>
+        <p:nvSpPr>
+          <p:cNvPr id="3" name="Content Placeholder 2"/>
+          <p:cNvSpPr>
+            <a:spLocks noGrp="1"/>
+          </p:cNvSpPr>
+          <p:nvPr>
+            <p:ph idx="1"/>
+          </p:nvPr>
+        </p:nvSpPr>
+        <p:spPr/>
+        <p:txBody>
+          <a:bodyPr/>
+          <a:lstStyle/>
+          <a:p>
+            <a:r>
+              <a:rPr lang="en-US" dirty="0" smtClean="0"/>
+              <a:t>Forget “Objects</a:t>
+            </a:r>
+            <a:r>
+              <a:rPr lang="en-US" baseline="0" dirty="0" smtClean="0"/>
+              <a:t> should be able …”</a:t>
+            </a:r>
+          </a:p>
+          <a:p>
+            <a:r>
+              <a:rPr lang="en-US" dirty="0" smtClean="0"/>
+              <a:t>Use Strategy pattern to define algorithms outside</a:t>
+            </a:r>
+            <a:r>
+              <a:rPr lang="en-US" baseline="0" dirty="0" smtClean="0"/>
+              <a:t> the values they work on</a:t>
+            </a:r>
+            <a:endParaRPr lang="en-US" dirty="0"/>
+          </a:p>
+        </p:txBody>
+      </p:sp>
+    </p:spTree>
+    <p:extLst>
+      <p:ext uri="{BB962C8B-B14F-4D97-AF65-F5344CB8AC3E}">
+        <p14:creationId xmlns:p14="http://schemas.microsoft.com/office/powerpoint/2010/main" val="64466811"/>
+      </p:ext>
+    </p:extLst>
+  </p:cSld>
+  <p:clrMapOvr>
+    <a:masterClrMapping/>
+  </p:clrMapOvr>
+</p:sld>
+</file>
+
+<file path=ppt/slides/slide14.xml><?xml version="1.0" encoding="utf-8"?>
+<p:sld xmlns:a="http://schemas.openxmlformats.org/drawingml/2006/main" xmlns:r="http://schemas.openxmlformats.org/officeDocument/2006/relationships" xmlns:p="http://schemas.openxmlformats.org/presentationml/2006/main">
+  <p:cSld>
+    <p:spTree>
+      <p:nvGrpSpPr>
+        <p:cNvPr id="1" name=""/>
+        <p:cNvGrpSpPr/>
+        <p:nvPr/>
+      </p:nvGrpSpPr>
+      <p:grpSpPr>
+        <a:xfrm>
+          <a:off x="0" y="0"/>
+          <a:ext cx="0" cy="0"/>
+          <a:chOff x="0" y="0"/>
+          <a:chExt cx="0" cy="0"/>
+        </a:xfrm>
+      </p:grpSpPr>
+      <p:sp>
+        <p:nvSpPr>
+          <p:cNvPr id="2" name="Title 1"/>
+          <p:cNvSpPr>
+            <a:spLocks noGrp="1"/>
+          </p:cNvSpPr>
+          <p:nvPr>
+            <p:ph type="title"/>
+          </p:nvPr>
+        </p:nvSpPr>
+        <p:spPr/>
+        <p:txBody>
+          <a:bodyPr/>
+          <a:lstStyle/>
+          <a:p>
+            <a:r>
+              <a:rPr lang="en-US" dirty="0" smtClean="0"/>
               <a:t>Demo – </a:t>
             </a:r>
             <a:r>
@@ -6574,6 +6665,62 @@
               <a:rPr lang="en-US" dirty="0" smtClean="0"/>
               <a:t>Value</a:t>
             </a:r>
+          </a:p>
+          <a:p>
+            <a:r>
+              <a:rPr lang="en-US" dirty="0" smtClean="0"/>
+              <a:t>predicates</a:t>
+            </a:r>
+            <a:r>
+              <a:rPr lang="en-US" baseline="0" dirty="0" smtClean="0"/>
+              <a:t> – before, after – code to interface Comparable</a:t>
+            </a:r>
+          </a:p>
+          <a:p>
+            <a:pPr lvl="1"/>
+            <a:r>
+              <a:rPr lang="en-US" baseline="0" dirty="0" smtClean="0"/>
+              <a:t>Could be reused with all </a:t>
+            </a:r>
+            <a:r>
+              <a:rPr lang="en-US" baseline="0" dirty="0" err="1" smtClean="0"/>
+              <a:t>Comparables</a:t>
+            </a:r>
+            <a:endParaRPr lang="en-US" baseline="0" dirty="0" smtClean="0"/>
+          </a:p>
+          <a:p>
+            <a:r>
+              <a:rPr lang="en-US" dirty="0" smtClean="0"/>
+              <a:t>giving meaning -</a:t>
+            </a:r>
+            <a:r>
+              <a:rPr lang="en-US" baseline="0" dirty="0" smtClean="0"/>
+              <a:t> </a:t>
+            </a:r>
+            <a:r>
+              <a:rPr lang="en-US" dirty="0" smtClean="0"/>
+              <a:t>calendar – parse,</a:t>
+            </a:r>
+            <a:r>
+              <a:rPr lang="en-US" baseline="0" dirty="0" smtClean="0"/>
+              <a:t> format – strategy: value =&gt; value</a:t>
+            </a:r>
+          </a:p>
+          <a:p>
+            <a:pPr lvl="1"/>
+            <a:r>
+              <a:rPr lang="en-US" dirty="0" smtClean="0"/>
+              <a:t>Gregorian, Chinese, Hebrew, </a:t>
+            </a:r>
+            <a:r>
+              <a:rPr lang="en-US" dirty="0" err="1" smtClean="0"/>
+              <a:t>etc</a:t>
+            </a:r>
+            <a:endParaRPr lang="en-US" dirty="0" smtClean="0"/>
+          </a:p>
+          <a:p>
+            <a:pPr lvl="0"/>
+            <a:endParaRPr lang="en-US" dirty="0" smtClean="0"/>
           </a:p>
         </p:txBody>
       </p:sp>
@@ -6590,7 +6737,7 @@
 </p:sld>
 </file>
 
-<file path=ppt/slides/slide14.xml><?xml version="1.0" encoding="utf-8"?>
+<file path=ppt/slides/slide15.xml><?xml version="1.0" encoding="utf-8"?>
 <p:sld xmlns:a="http://schemas.openxmlformats.org/drawingml/2006/main" xmlns:r="http://schemas.openxmlformats.org/officeDocument/2006/relationships" xmlns:p="http://schemas.openxmlformats.org/presentationml/2006/main">
   <p:cSld>
     <p:spTree>
@@ -7790,6 +7937,12 @@
             <a:r>
               <a:rPr lang="en-US" baseline="0" dirty="0" smtClean="0"/>
               <a:t>Treating all inputs and outputs as values</a:t>
+            </a:r>
+          </a:p>
+          <a:p>
+            <a:r>
+              <a:rPr lang="en-US" baseline="0" dirty="0" smtClean="0"/>
+              <a:t>Separate data from functions</a:t>
             </a:r>
           </a:p>
         </p:txBody>

--- a/FunctionalProgrammingForJavaDevelopers/ppt/Functional Programming for Object-Oriented Developers.pptx
+++ b/FunctionalProgrammingForJavaDevelopers/ppt/Functional Programming for Object-Oriented Developers.pptx
@@ -4,22 +4,28 @@
   <p:sldMasterIdLst>
     <p:sldMasterId id="2147483648" r:id="rId1"/>
   </p:sldMasterIdLst>
+  <p:notesMasterIdLst>
+    <p:notesMasterId r:id="rId20"/>
+  </p:notesMasterIdLst>
   <p:sldIdLst>
     <p:sldId id="256" r:id="rId2"/>
     <p:sldId id="258" r:id="rId3"/>
-    <p:sldId id="259" r:id="rId4"/>
-    <p:sldId id="260" r:id="rId5"/>
-    <p:sldId id="261" r:id="rId6"/>
-    <p:sldId id="264" r:id="rId7"/>
-    <p:sldId id="265" r:id="rId8"/>
-    <p:sldId id="262" r:id="rId9"/>
-    <p:sldId id="263" r:id="rId10"/>
-    <p:sldId id="267" r:id="rId11"/>
-    <p:sldId id="266" r:id="rId12"/>
-    <p:sldId id="268" r:id="rId13"/>
-    <p:sldId id="270" r:id="rId14"/>
-    <p:sldId id="257" r:id="rId15"/>
-    <p:sldId id="269" r:id="rId16"/>
+    <p:sldId id="273" r:id="rId4"/>
+    <p:sldId id="259" r:id="rId5"/>
+    <p:sldId id="260" r:id="rId6"/>
+    <p:sldId id="261" r:id="rId7"/>
+    <p:sldId id="264" r:id="rId8"/>
+    <p:sldId id="265" r:id="rId9"/>
+    <p:sldId id="262" r:id="rId10"/>
+    <p:sldId id="263" r:id="rId11"/>
+    <p:sldId id="267" r:id="rId12"/>
+    <p:sldId id="266" r:id="rId13"/>
+    <p:sldId id="268" r:id="rId14"/>
+    <p:sldId id="270" r:id="rId15"/>
+    <p:sldId id="272" r:id="rId16"/>
+    <p:sldId id="271" r:id="rId17"/>
+    <p:sldId id="257" r:id="rId18"/>
+    <p:sldId id="269" r:id="rId19"/>
   </p:sldIdLst>
   <p:sldSz cx="12192000" cy="6858000"/>
   <p:notesSz cx="6858000" cy="9144000"/>
@@ -118,7 +124,450 @@
       </a:defRPr>
     </a:lvl9pPr>
   </p:defaultTextStyle>
+  <p:extLst>
+    <p:ext uri="{EFAFB233-063F-42B5-8137-9DF3F51BA10A}">
+      <p15:sldGuideLst xmlns:p15="http://schemas.microsoft.com/office/powerpoint/2012/main"/>
+    </p:ext>
+  </p:extLst>
 </p:presentation>
+</file>
+
+<file path=ppt/notesMasters/notesMaster1.xml><?xml version="1.0" encoding="utf-8"?>
+<p:notesMaster xmlns:a="http://schemas.openxmlformats.org/drawingml/2006/main" xmlns:r="http://schemas.openxmlformats.org/officeDocument/2006/relationships" xmlns:p="http://schemas.openxmlformats.org/presentationml/2006/main">
+  <p:cSld>
+    <p:bg>
+      <p:bgRef idx="1001">
+        <a:schemeClr val="bg1"/>
+      </p:bgRef>
+    </p:bg>
+    <p:spTree>
+      <p:nvGrpSpPr>
+        <p:cNvPr id="1" name=""/>
+        <p:cNvGrpSpPr/>
+        <p:nvPr/>
+      </p:nvGrpSpPr>
+      <p:grpSpPr>
+        <a:xfrm>
+          <a:off x="0" y="0"/>
+          <a:ext cx="0" cy="0"/>
+          <a:chOff x="0" y="0"/>
+          <a:chExt cx="0" cy="0"/>
+        </a:xfrm>
+      </p:grpSpPr>
+      <p:sp>
+        <p:nvSpPr>
+          <p:cNvPr id="2" name="Header Placeholder 1"/>
+          <p:cNvSpPr>
+            <a:spLocks noGrp="1"/>
+          </p:cNvSpPr>
+          <p:nvPr>
+            <p:ph type="hdr" sz="quarter"/>
+          </p:nvPr>
+        </p:nvSpPr>
+        <p:spPr>
+          <a:xfrm>
+            <a:off x="0" y="0"/>
+            <a:ext cx="2971800" cy="458788"/>
+          </a:xfrm>
+          <a:prstGeom prst="rect">
+            <a:avLst/>
+          </a:prstGeom>
+        </p:spPr>
+        <p:txBody>
+          <a:bodyPr vert="horz" lIns="91440" tIns="45720" rIns="91440" bIns="45720" rtlCol="0"/>
+          <a:lstStyle>
+            <a:lvl1pPr algn="l">
+              <a:defRPr sz="1200"/>
+            </a:lvl1pPr>
+          </a:lstStyle>
+          <a:p>
+            <a:endParaRPr lang="en-US"/>
+          </a:p>
+        </p:txBody>
+      </p:sp>
+      <p:sp>
+        <p:nvSpPr>
+          <p:cNvPr id="3" name="Date Placeholder 2"/>
+          <p:cNvSpPr>
+            <a:spLocks noGrp="1"/>
+          </p:cNvSpPr>
+          <p:nvPr>
+            <p:ph type="dt" idx="1"/>
+          </p:nvPr>
+        </p:nvSpPr>
+        <p:spPr>
+          <a:xfrm>
+            <a:off x="3884613" y="0"/>
+            <a:ext cx="2971800" cy="458788"/>
+          </a:xfrm>
+          <a:prstGeom prst="rect">
+            <a:avLst/>
+          </a:prstGeom>
+        </p:spPr>
+        <p:txBody>
+          <a:bodyPr vert="horz" lIns="91440" tIns="45720" rIns="91440" bIns="45720" rtlCol="0"/>
+          <a:lstStyle>
+            <a:lvl1pPr algn="r">
+              <a:defRPr sz="1200"/>
+            </a:lvl1pPr>
+          </a:lstStyle>
+          <a:p>
+            <a:fld id="{8B6DED0A-447E-4A30-8199-4B8973620305}" type="datetimeFigureOut">
+              <a:rPr lang="en-US" smtClean="0"/>
+              <a:t>6/9/2014</a:t>
+            </a:fld>
+            <a:endParaRPr lang="en-US"/>
+          </a:p>
+        </p:txBody>
+      </p:sp>
+      <p:sp>
+        <p:nvSpPr>
+          <p:cNvPr id="4" name="Slide Image Placeholder 3"/>
+          <p:cNvSpPr>
+            <a:spLocks noGrp="1" noRot="1" noChangeAspect="1"/>
+          </p:cNvSpPr>
+          <p:nvPr>
+            <p:ph type="sldImg" idx="2"/>
+          </p:nvPr>
+        </p:nvSpPr>
+        <p:spPr>
+          <a:xfrm>
+            <a:off x="685800" y="1143000"/>
+            <a:ext cx="5486400" cy="3086100"/>
+          </a:xfrm>
+          <a:prstGeom prst="rect">
+            <a:avLst/>
+          </a:prstGeom>
+          <a:noFill/>
+          <a:ln w="12700">
+            <a:solidFill>
+              <a:prstClr val="black"/>
+            </a:solidFill>
+          </a:ln>
+        </p:spPr>
+        <p:txBody>
+          <a:bodyPr vert="horz" lIns="91440" tIns="45720" rIns="91440" bIns="45720" rtlCol="0" anchor="ctr"/>
+          <a:lstStyle/>
+          <a:p>
+            <a:endParaRPr lang="en-US"/>
+          </a:p>
+        </p:txBody>
+      </p:sp>
+      <p:sp>
+        <p:nvSpPr>
+          <p:cNvPr id="5" name="Notes Placeholder 4"/>
+          <p:cNvSpPr>
+            <a:spLocks noGrp="1"/>
+          </p:cNvSpPr>
+          <p:nvPr>
+            <p:ph type="body" sz="quarter" idx="3"/>
+          </p:nvPr>
+        </p:nvSpPr>
+        <p:spPr>
+          <a:xfrm>
+            <a:off x="685800" y="4400550"/>
+            <a:ext cx="5486400" cy="3600450"/>
+          </a:xfrm>
+          <a:prstGeom prst="rect">
+            <a:avLst/>
+          </a:prstGeom>
+        </p:spPr>
+        <p:txBody>
+          <a:bodyPr vert="horz" lIns="91440" tIns="45720" rIns="91440" bIns="45720" rtlCol="0"/>
+          <a:lstStyle/>
+          <a:p>
+            <a:pPr lvl="0"/>
+            <a:r>
+              <a:rPr lang="en-US" smtClean="0"/>
+              <a:t>Click to edit Master text styles</a:t>
+            </a:r>
+          </a:p>
+          <a:p>
+            <a:pPr lvl="1"/>
+            <a:r>
+              <a:rPr lang="en-US" smtClean="0"/>
+              <a:t>Second level</a:t>
+            </a:r>
+          </a:p>
+          <a:p>
+            <a:pPr lvl="2"/>
+            <a:r>
+              <a:rPr lang="en-US" smtClean="0"/>
+              <a:t>Third level</a:t>
+            </a:r>
+          </a:p>
+          <a:p>
+            <a:pPr lvl="3"/>
+            <a:r>
+              <a:rPr lang="en-US" smtClean="0"/>
+              <a:t>Fourth level</a:t>
+            </a:r>
+          </a:p>
+          <a:p>
+            <a:pPr lvl="4"/>
+            <a:r>
+              <a:rPr lang="en-US" smtClean="0"/>
+              <a:t>Fifth level</a:t>
+            </a:r>
+            <a:endParaRPr lang="en-US"/>
+          </a:p>
+        </p:txBody>
+      </p:sp>
+      <p:sp>
+        <p:nvSpPr>
+          <p:cNvPr id="6" name="Footer Placeholder 5"/>
+          <p:cNvSpPr>
+            <a:spLocks noGrp="1"/>
+          </p:cNvSpPr>
+          <p:nvPr>
+            <p:ph type="ftr" sz="quarter" idx="4"/>
+          </p:nvPr>
+        </p:nvSpPr>
+        <p:spPr>
+          <a:xfrm>
+            <a:off x="0" y="8685213"/>
+            <a:ext cx="2971800" cy="458787"/>
+          </a:xfrm>
+          <a:prstGeom prst="rect">
+            <a:avLst/>
+          </a:prstGeom>
+        </p:spPr>
+        <p:txBody>
+          <a:bodyPr vert="horz" lIns="91440" tIns="45720" rIns="91440" bIns="45720" rtlCol="0" anchor="b"/>
+          <a:lstStyle>
+            <a:lvl1pPr algn="l">
+              <a:defRPr sz="1200"/>
+            </a:lvl1pPr>
+          </a:lstStyle>
+          <a:p>
+            <a:endParaRPr lang="en-US"/>
+          </a:p>
+        </p:txBody>
+      </p:sp>
+      <p:sp>
+        <p:nvSpPr>
+          <p:cNvPr id="7" name="Slide Number Placeholder 6"/>
+          <p:cNvSpPr>
+            <a:spLocks noGrp="1"/>
+          </p:cNvSpPr>
+          <p:nvPr>
+            <p:ph type="sldNum" sz="quarter" idx="5"/>
+          </p:nvPr>
+        </p:nvSpPr>
+        <p:spPr>
+          <a:xfrm>
+            <a:off x="3884613" y="8685213"/>
+            <a:ext cx="2971800" cy="458787"/>
+          </a:xfrm>
+          <a:prstGeom prst="rect">
+            <a:avLst/>
+          </a:prstGeom>
+        </p:spPr>
+        <p:txBody>
+          <a:bodyPr vert="horz" lIns="91440" tIns="45720" rIns="91440" bIns="45720" rtlCol="0" anchor="b"/>
+          <a:lstStyle>
+            <a:lvl1pPr algn="r">
+              <a:defRPr sz="1200"/>
+            </a:lvl1pPr>
+          </a:lstStyle>
+          <a:p>
+            <a:fld id="{4BA51557-0C11-4F36-B898-71E0648F520F}" type="slidenum">
+              <a:rPr lang="en-US" smtClean="0"/>
+              <a:t>‹#›</a:t>
+            </a:fld>
+            <a:endParaRPr lang="en-US"/>
+          </a:p>
+        </p:txBody>
+      </p:sp>
+    </p:spTree>
+    <p:extLst>
+      <p:ext uri="{BB962C8B-B14F-4D97-AF65-F5344CB8AC3E}">
+        <p14:creationId xmlns:p14="http://schemas.microsoft.com/office/powerpoint/2010/main" val="1109794567"/>
+      </p:ext>
+    </p:extLst>
+  </p:cSld>
+  <p:clrMap bg1="lt1" tx1="dk1" bg2="lt2" tx2="dk2" accent1="accent1" accent2="accent2" accent3="accent3" accent4="accent4" accent5="accent5" accent6="accent6" hlink="hlink" folHlink="folHlink"/>
+  <p:notesStyle>
+    <a:lvl1pPr marL="0" algn="l" defTabSz="914400" rtl="0" eaLnBrk="1" latinLnBrk="0" hangingPunct="1">
+      <a:defRPr sz="1200" kern="1200">
+        <a:solidFill>
+          <a:schemeClr val="tx1"/>
+        </a:solidFill>
+        <a:latin typeface="+mn-lt"/>
+        <a:ea typeface="+mn-ea"/>
+        <a:cs typeface="+mn-cs"/>
+      </a:defRPr>
+    </a:lvl1pPr>
+    <a:lvl2pPr marL="457200" algn="l" defTabSz="914400" rtl="0" eaLnBrk="1" latinLnBrk="0" hangingPunct="1">
+      <a:defRPr sz="1200" kern="1200">
+        <a:solidFill>
+          <a:schemeClr val="tx1"/>
+        </a:solidFill>
+        <a:latin typeface="+mn-lt"/>
+        <a:ea typeface="+mn-ea"/>
+        <a:cs typeface="+mn-cs"/>
+      </a:defRPr>
+    </a:lvl2pPr>
+    <a:lvl3pPr marL="914400" algn="l" defTabSz="914400" rtl="0" eaLnBrk="1" latinLnBrk="0" hangingPunct="1">
+      <a:defRPr sz="1200" kern="1200">
+        <a:solidFill>
+          <a:schemeClr val="tx1"/>
+        </a:solidFill>
+        <a:latin typeface="+mn-lt"/>
+        <a:ea typeface="+mn-ea"/>
+        <a:cs typeface="+mn-cs"/>
+      </a:defRPr>
+    </a:lvl3pPr>
+    <a:lvl4pPr marL="1371600" algn="l" defTabSz="914400" rtl="0" eaLnBrk="1" latinLnBrk="0" hangingPunct="1">
+      <a:defRPr sz="1200" kern="1200">
+        <a:solidFill>
+          <a:schemeClr val="tx1"/>
+        </a:solidFill>
+        <a:latin typeface="+mn-lt"/>
+        <a:ea typeface="+mn-ea"/>
+        <a:cs typeface="+mn-cs"/>
+      </a:defRPr>
+    </a:lvl4pPr>
+    <a:lvl5pPr marL="1828800" algn="l" defTabSz="914400" rtl="0" eaLnBrk="1" latinLnBrk="0" hangingPunct="1">
+      <a:defRPr sz="1200" kern="1200">
+        <a:solidFill>
+          <a:schemeClr val="tx1"/>
+        </a:solidFill>
+        <a:latin typeface="+mn-lt"/>
+        <a:ea typeface="+mn-ea"/>
+        <a:cs typeface="+mn-cs"/>
+      </a:defRPr>
+    </a:lvl5pPr>
+    <a:lvl6pPr marL="2286000" algn="l" defTabSz="914400" rtl="0" eaLnBrk="1" latinLnBrk="0" hangingPunct="1">
+      <a:defRPr sz="1200" kern="1200">
+        <a:solidFill>
+          <a:schemeClr val="tx1"/>
+        </a:solidFill>
+        <a:latin typeface="+mn-lt"/>
+        <a:ea typeface="+mn-ea"/>
+        <a:cs typeface="+mn-cs"/>
+      </a:defRPr>
+    </a:lvl6pPr>
+    <a:lvl7pPr marL="2743200" algn="l" defTabSz="914400" rtl="0" eaLnBrk="1" latinLnBrk="0" hangingPunct="1">
+      <a:defRPr sz="1200" kern="1200">
+        <a:solidFill>
+          <a:schemeClr val="tx1"/>
+        </a:solidFill>
+        <a:latin typeface="+mn-lt"/>
+        <a:ea typeface="+mn-ea"/>
+        <a:cs typeface="+mn-cs"/>
+      </a:defRPr>
+    </a:lvl7pPr>
+    <a:lvl8pPr marL="3200400" algn="l" defTabSz="914400" rtl="0" eaLnBrk="1" latinLnBrk="0" hangingPunct="1">
+      <a:defRPr sz="1200" kern="1200">
+        <a:solidFill>
+          <a:schemeClr val="tx1"/>
+        </a:solidFill>
+        <a:latin typeface="+mn-lt"/>
+        <a:ea typeface="+mn-ea"/>
+        <a:cs typeface="+mn-cs"/>
+      </a:defRPr>
+    </a:lvl8pPr>
+    <a:lvl9pPr marL="3657600" algn="l" defTabSz="914400" rtl="0" eaLnBrk="1" latinLnBrk="0" hangingPunct="1">
+      <a:defRPr sz="1200" kern="1200">
+        <a:solidFill>
+          <a:schemeClr val="tx1"/>
+        </a:solidFill>
+        <a:latin typeface="+mn-lt"/>
+        <a:ea typeface="+mn-ea"/>
+        <a:cs typeface="+mn-cs"/>
+      </a:defRPr>
+    </a:lvl9pPr>
+  </p:notesStyle>
+</p:notesMaster>
+</file>
+
+<file path=ppt/notesSlides/notesSlide1.xml><?xml version="1.0" encoding="utf-8"?>
+<p:notes xmlns:a="http://schemas.openxmlformats.org/drawingml/2006/main" xmlns:r="http://schemas.openxmlformats.org/officeDocument/2006/relationships" xmlns:p="http://schemas.openxmlformats.org/presentationml/2006/main">
+  <p:cSld>
+    <p:spTree>
+      <p:nvGrpSpPr>
+        <p:cNvPr id="1" name=""/>
+        <p:cNvGrpSpPr/>
+        <p:nvPr/>
+      </p:nvGrpSpPr>
+      <p:grpSpPr>
+        <a:xfrm>
+          <a:off x="0" y="0"/>
+          <a:ext cx="0" cy="0"/>
+          <a:chOff x="0" y="0"/>
+          <a:chExt cx="0" cy="0"/>
+        </a:xfrm>
+      </p:grpSpPr>
+      <p:sp>
+        <p:nvSpPr>
+          <p:cNvPr id="2" name="Slide Image Placeholder 1"/>
+          <p:cNvSpPr>
+            <a:spLocks noGrp="1" noRot="1" noChangeAspect="1"/>
+          </p:cNvSpPr>
+          <p:nvPr>
+            <p:ph type="sldImg"/>
+          </p:nvPr>
+        </p:nvSpPr>
+        <p:spPr/>
+      </p:sp>
+      <p:sp>
+        <p:nvSpPr>
+          <p:cNvPr id="3" name="Notes Placeholder 2"/>
+          <p:cNvSpPr>
+            <a:spLocks noGrp="1"/>
+          </p:cNvSpPr>
+          <p:nvPr>
+            <p:ph type="body" idx="1"/>
+          </p:nvPr>
+        </p:nvSpPr>
+        <p:spPr/>
+        <p:txBody>
+          <a:bodyPr/>
+          <a:lstStyle/>
+          <a:p>
+            <a:r>
+              <a:rPr lang="en-US" dirty="0" smtClean="0"/>
+              <a:t>See https://github.com/mperry/talk-java-lambdas/blob/master/Are-Lambdas-Great-in-Java-8.pdf</a:t>
+            </a:r>
+            <a:endParaRPr lang="en-US" dirty="0"/>
+          </a:p>
+        </p:txBody>
+      </p:sp>
+      <p:sp>
+        <p:nvSpPr>
+          <p:cNvPr id="4" name="Slide Number Placeholder 3"/>
+          <p:cNvSpPr>
+            <a:spLocks noGrp="1"/>
+          </p:cNvSpPr>
+          <p:nvPr>
+            <p:ph type="sldNum" sz="quarter" idx="10"/>
+          </p:nvPr>
+        </p:nvSpPr>
+        <p:spPr/>
+        <p:txBody>
+          <a:bodyPr/>
+          <a:lstStyle/>
+          <a:p>
+            <a:fld id="{4BA51557-0C11-4F36-B898-71E0648F520F}" type="slidenum">
+              <a:rPr lang="en-US" smtClean="0"/>
+              <a:t>16</a:t>
+            </a:fld>
+            <a:endParaRPr lang="en-US"/>
+          </a:p>
+        </p:txBody>
+      </p:sp>
+    </p:spTree>
+    <p:extLst>
+      <p:ext uri="{BB962C8B-B14F-4D97-AF65-F5344CB8AC3E}">
+        <p14:creationId xmlns:p14="http://schemas.microsoft.com/office/powerpoint/2010/main" val="1665962748"/>
+      </p:ext>
+    </p:extLst>
+  </p:cSld>
+  <p:clrMapOvr>
+    <a:masterClrMapping/>
+  </p:clrMapOvr>
+</p:notes>
 </file>
 
 <file path=ppt/slideLayouts/slideLayout1.xml><?xml version="1.0" encoding="utf-8"?>
@@ -624,7 +1073,7 @@
             <a:fld id="{B61BEF0D-F0BB-DE4B-95CE-6DB70DBA9567}" type="datetimeFigureOut">
               <a:rPr lang="en-US" dirty="0"/>
               <a:pPr/>
-              <a:t>6/3/2014</a:t>
+              <a:t>6/9/2014</a:t>
             </a:fld>
             <a:endParaRPr lang="en-US" dirty="0"/>
           </a:p>
@@ -917,7 +1366,7 @@
             <a:fld id="{B61BEF0D-F0BB-DE4B-95CE-6DB70DBA9567}" type="datetimeFigureOut">
               <a:rPr lang="en-US" dirty="0"/>
               <a:pPr/>
-              <a:t>6/3/2014</a:t>
+              <a:t>6/9/2014</a:t>
             </a:fld>
             <a:endParaRPr lang="en-US" dirty="0"/>
           </a:p>
@@ -1162,7 +1611,7 @@
             <a:fld id="{B61BEF0D-F0BB-DE4B-95CE-6DB70DBA9567}" type="datetimeFigureOut">
               <a:rPr lang="en-US" dirty="0"/>
               <a:pPr/>
-              <a:t>6/3/2014</a:t>
+              <a:t>6/9/2014</a:t>
             </a:fld>
             <a:endParaRPr lang="en-US" dirty="0"/>
           </a:p>
@@ -1699,7 +2148,7 @@
             <a:fld id="{B61BEF0D-F0BB-DE4B-95CE-6DB70DBA9567}" type="datetimeFigureOut">
               <a:rPr lang="en-US" dirty="0"/>
               <a:pPr/>
-              <a:t>6/3/2014</a:t>
+              <a:t>6/9/2014</a:t>
             </a:fld>
             <a:endParaRPr lang="en-US" dirty="0"/>
           </a:p>
@@ -1944,7 +2393,7 @@
             <a:fld id="{B61BEF0D-F0BB-DE4B-95CE-6DB70DBA9567}" type="datetimeFigureOut">
               <a:rPr lang="en-US" dirty="0"/>
               <a:pPr/>
-              <a:t>6/3/2014</a:t>
+              <a:t>6/9/2014</a:t>
             </a:fld>
             <a:endParaRPr lang="en-US" dirty="0"/>
           </a:p>
@@ -2473,7 +2922,7 @@
             <a:fld id="{B61BEF0D-F0BB-DE4B-95CE-6DB70DBA9567}" type="datetimeFigureOut">
               <a:rPr lang="en-US" dirty="0"/>
               <a:pPr/>
-              <a:t>6/3/2014</a:t>
+              <a:t>6/9/2014</a:t>
             </a:fld>
             <a:endParaRPr lang="en-US" dirty="0"/>
           </a:p>
@@ -2767,7 +3216,7 @@
             <a:fld id="{B61BEF0D-F0BB-DE4B-95CE-6DB70DBA9567}" type="datetimeFigureOut">
               <a:rPr lang="en-US" dirty="0"/>
               <a:pPr/>
-              <a:t>6/3/2014</a:t>
+              <a:t>6/9/2014</a:t>
             </a:fld>
             <a:endParaRPr lang="en-US" dirty="0"/>
           </a:p>
@@ -2938,7 +3387,7 @@
             <a:fld id="{B61BEF0D-F0BB-DE4B-95CE-6DB70DBA9567}" type="datetimeFigureOut">
               <a:rPr lang="en-US" dirty="0"/>
               <a:pPr/>
-              <a:t>6/3/2014</a:t>
+              <a:t>6/9/2014</a:t>
             </a:fld>
             <a:endParaRPr lang="en-US" dirty="0"/>
           </a:p>
@@ -3115,7 +3564,7 @@
             <a:fld id="{B61BEF0D-F0BB-DE4B-95CE-6DB70DBA9567}" type="datetimeFigureOut">
               <a:rPr lang="en-US" dirty="0"/>
               <a:pPr/>
-              <a:t>6/3/2014</a:t>
+              <a:t>6/9/2014</a:t>
             </a:fld>
             <a:endParaRPr lang="en-US" dirty="0"/>
           </a:p>
@@ -3282,7 +3731,7 @@
             <a:fld id="{B61BEF0D-F0BB-DE4B-95CE-6DB70DBA9567}" type="datetimeFigureOut">
               <a:rPr lang="en-US" dirty="0"/>
               <a:pPr/>
-              <a:t>6/3/2014</a:t>
+              <a:t>6/9/2014</a:t>
             </a:fld>
             <a:endParaRPr lang="en-US" dirty="0"/>
           </a:p>
@@ -3530,7 +3979,7 @@
             <a:fld id="{B61BEF0D-F0BB-DE4B-95CE-6DB70DBA9567}" type="datetimeFigureOut">
               <a:rPr lang="en-US" dirty="0"/>
               <a:pPr/>
-              <a:t>6/3/2014</a:t>
+              <a:t>6/9/2014</a:t>
             </a:fld>
             <a:endParaRPr lang="en-US" dirty="0"/>
           </a:p>
@@ -3824,7 +4273,7 @@
             <a:fld id="{B61BEF0D-F0BB-DE4B-95CE-6DB70DBA9567}" type="datetimeFigureOut">
               <a:rPr lang="en-US" dirty="0"/>
               <a:pPr/>
-              <a:t>6/3/2014</a:t>
+              <a:t>6/9/2014</a:t>
             </a:fld>
             <a:endParaRPr lang="en-US" dirty="0"/>
           </a:p>
@@ -4263,7 +4712,7 @@
             <a:fld id="{B61BEF0D-F0BB-DE4B-95CE-6DB70DBA9567}" type="datetimeFigureOut">
               <a:rPr lang="en-US" dirty="0"/>
               <a:pPr/>
-              <a:t>6/3/2014</a:t>
+              <a:t>6/9/2014</a:t>
             </a:fld>
             <a:endParaRPr lang="en-US" dirty="0"/>
           </a:p>
@@ -4378,7 +4827,7 @@
             <a:fld id="{B61BEF0D-F0BB-DE4B-95CE-6DB70DBA9567}" type="datetimeFigureOut">
               <a:rPr lang="en-US" dirty="0"/>
               <a:pPr/>
-              <a:t>6/3/2014</a:t>
+              <a:t>6/9/2014</a:t>
             </a:fld>
             <a:endParaRPr lang="en-US" dirty="0"/>
           </a:p>
@@ -4470,7 +4919,7 @@
             <a:fld id="{B61BEF0D-F0BB-DE4B-95CE-6DB70DBA9567}" type="datetimeFigureOut">
               <a:rPr lang="en-US" dirty="0"/>
               <a:pPr/>
-              <a:t>6/3/2014</a:t>
+              <a:t>6/9/2014</a:t>
             </a:fld>
             <a:endParaRPr lang="en-US" dirty="0"/>
           </a:p>
@@ -4750,7 +5199,7 @@
             <a:fld id="{B61BEF0D-F0BB-DE4B-95CE-6DB70DBA9567}" type="datetimeFigureOut">
               <a:rPr lang="en-US" dirty="0"/>
               <a:pPr/>
-              <a:t>6/3/2014</a:t>
+              <a:t>6/9/2014</a:t>
             </a:fld>
             <a:endParaRPr lang="en-US" dirty="0"/>
           </a:p>
@@ -5038,7 +5487,7 @@
             <a:fld id="{B61BEF0D-F0BB-DE4B-95CE-6DB70DBA9567}" type="datetimeFigureOut">
               <a:rPr lang="en-US" dirty="0"/>
               <a:pPr/>
-              <a:t>6/3/2014</a:t>
+              <a:t>6/9/2014</a:t>
             </a:fld>
             <a:endParaRPr lang="en-US" dirty="0"/>
           </a:p>
@@ -5565,7 +6014,7 @@
             <a:fld id="{B61BEF0D-F0BB-DE4B-95CE-6DB70DBA9567}" type="datetimeFigureOut">
               <a:rPr lang="en-US" dirty="0"/>
               <a:pPr/>
-              <a:t>6/3/2014</a:t>
+              <a:t>6/9/2014</a:t>
             </a:fld>
             <a:endParaRPr lang="en-US" dirty="0"/>
           </a:p>
@@ -6205,94 +6654,65 @@
           <a:p>
             <a:r>
               <a:rPr lang="en-US" dirty="0" smtClean="0"/>
-              <a:t>Think</a:t>
+              <a:t>Pure Functions</a:t>
+            </a:r>
+            <a:endParaRPr lang="en-US" dirty="0"/>
+          </a:p>
+        </p:txBody>
+      </p:sp>
+      <p:sp>
+        <p:nvSpPr>
+          <p:cNvPr id="3" name="Content Placeholder 2"/>
+          <p:cNvSpPr>
+            <a:spLocks noGrp="1"/>
+          </p:cNvSpPr>
+          <p:nvPr>
+            <p:ph idx="1"/>
+          </p:nvPr>
+        </p:nvSpPr>
+        <p:spPr/>
+        <p:txBody>
+          <a:bodyPr/>
+          <a:lstStyle/>
+          <a:p>
+            <a:r>
+              <a:rPr lang="en-US" dirty="0" smtClean="0"/>
+              <a:t>Thinks “math</a:t>
             </a:r>
             <a:r>
               <a:rPr lang="en-US" baseline="0" dirty="0" smtClean="0"/>
-              <a:t> Math Functions</a:t>
-            </a:r>
-            <a:endParaRPr lang="en-US" dirty="0"/>
-          </a:p>
-        </p:txBody>
-      </p:sp>
-      <p:sp>
-        <p:nvSpPr>
-          <p:cNvPr id="3" name="Content Placeholder 2"/>
-          <p:cNvSpPr>
-            <a:spLocks noGrp="1"/>
-          </p:cNvSpPr>
-          <p:nvPr>
-            <p:ph idx="1"/>
-          </p:nvPr>
-        </p:nvSpPr>
-        <p:spPr/>
-        <p:txBody>
-          <a:bodyPr>
-            <a:normAutofit lnSpcReduction="10000"/>
-          </a:bodyPr>
-          <a:lstStyle/>
+              <a:t> functions”</a:t>
+            </a:r>
+            <a:endParaRPr lang="en-US" dirty="0" smtClean="0"/>
+          </a:p>
           <a:p>
             <a:r>
               <a:rPr lang="en-US" dirty="0" smtClean="0"/>
-              <a:t>f(x) = x * x</a:t>
-            </a:r>
-          </a:p>
-          <a:p>
-            <a:r>
-              <a:rPr lang="en-US" dirty="0" smtClean="0"/>
-              <a:t>Inputs are</a:t>
+              <a:t>Functions</a:t>
             </a:r>
             <a:r>
               <a:rPr lang="en-US" baseline="0" dirty="0" smtClean="0"/>
-              <a:t> values – output is a value</a:t>
-            </a:r>
-            <a:endParaRPr lang="en-US" dirty="0" smtClean="0"/>
-          </a:p>
-          <a:p>
-            <a:r>
-              <a:rPr lang="en-US" dirty="0" smtClean="0"/>
-              <a:t>No side effects</a:t>
-            </a:r>
-          </a:p>
-          <a:p>
-            <a:pPr lvl="1"/>
-            <a:r>
-              <a:rPr lang="en-US" dirty="0" smtClean="0"/>
-              <a:t>No state change</a:t>
-            </a:r>
-          </a:p>
-          <a:p>
-            <a:pPr lvl="1"/>
-            <a:r>
-              <a:rPr lang="en-US" dirty="0" smtClean="0"/>
-              <a:t>arguments</a:t>
-            </a:r>
+              <a:t> vs methods</a:t>
+            </a:r>
+          </a:p>
+          <a:p>
             <a:r>
               <a:rPr lang="en-US" baseline="0" dirty="0" smtClean="0"/>
-              <a:t> unaffected</a:t>
-            </a:r>
-          </a:p>
-          <a:p>
-            <a:pPr lvl="1"/>
+              <a:t>Treating all inputs and outputs as values</a:t>
+            </a:r>
+          </a:p>
+          <a:p>
             <a:r>
               <a:rPr lang="en-US" baseline="0" dirty="0" smtClean="0"/>
-              <a:t>calling with the same arguments yields the same results</a:t>
-            </a:r>
-          </a:p>
-          <a:p>
-            <a:pPr lvl="0"/>
-            <a:r>
-              <a:rPr lang="en-US" dirty="0" smtClean="0"/>
-              <a:t>Seriously, this is really useful.</a:t>
-            </a:r>
-            <a:endParaRPr lang="en-US" dirty="0"/>
+              <a:t>Separate data from functions</a:t>
+            </a:r>
           </a:p>
         </p:txBody>
       </p:sp>
     </p:spTree>
     <p:extLst>
       <p:ext uri="{BB962C8B-B14F-4D97-AF65-F5344CB8AC3E}">
-        <p14:creationId xmlns:p14="http://schemas.microsoft.com/office/powerpoint/2010/main" val="811614220"/>
+        <p14:creationId xmlns:p14="http://schemas.microsoft.com/office/powerpoint/2010/main" val="2404869502"/>
       </p:ext>
     </p:extLst>
   </p:cSld>
@@ -6336,7 +6756,11 @@
           <a:p>
             <a:r>
               <a:rPr lang="en-US" dirty="0" smtClean="0"/>
-              <a:t>Functions Vs Methods</a:t>
+              <a:t>Think</a:t>
+            </a:r>
+            <a:r>
+              <a:rPr lang="en-US" baseline="0" dirty="0" smtClean="0"/>
+              <a:t> Math Functions</a:t>
             </a:r>
             <a:endParaRPr lang="en-US" dirty="0"/>
           </a:p>
@@ -6354,53 +6778,105 @@
         </p:nvSpPr>
         <p:spPr/>
         <p:txBody>
-          <a:bodyPr/>
+          <a:bodyPr numCol="2">
+            <a:normAutofit/>
+          </a:bodyPr>
           <a:lstStyle/>
           <a:p>
             <a:r>
               <a:rPr lang="en-US" dirty="0" smtClean="0"/>
-              <a:t>Difference</a:t>
+              <a:t>f(x) = x * x</a:t>
+            </a:r>
+          </a:p>
+          <a:p>
+            <a:r>
+              <a:rPr lang="en-US" dirty="0" smtClean="0"/>
+              <a:t>Inputs are</a:t>
             </a:r>
             <a:r>
               <a:rPr lang="en-US" baseline="0" dirty="0" smtClean="0"/>
-              <a:t> between functions and methods</a:t>
+              <a:t> values – output is a value</a:t>
+            </a:r>
+            <a:endParaRPr lang="en-US" dirty="0" smtClean="0"/>
+          </a:p>
+          <a:p>
+            <a:r>
+              <a:rPr lang="en-US" dirty="0" smtClean="0"/>
+              <a:t>No side effects</a:t>
             </a:r>
           </a:p>
           <a:p>
             <a:pPr lvl="1"/>
             <a:r>
               <a:rPr lang="en-US" dirty="0" smtClean="0"/>
-              <a:t>Dynamic</a:t>
+              <a:t>No state change</a:t>
+            </a:r>
+          </a:p>
+          <a:p>
+            <a:pPr lvl="1"/>
+            <a:r>
+              <a:rPr lang="en-US" dirty="0" smtClean="0"/>
+              <a:t>arguments</a:t>
             </a:r>
             <a:r>
               <a:rPr lang="en-US" baseline="0" dirty="0" smtClean="0"/>
-              <a:t> dispatch</a:t>
-            </a:r>
+              <a:t> </a:t>
+            </a:r>
+            <a:r>
+              <a:rPr lang="en-US" baseline="0" dirty="0" smtClean="0"/>
+              <a:t>unaffected - collections</a:t>
+            </a:r>
+            <a:endParaRPr lang="en-US" baseline="0" dirty="0" smtClean="0"/>
           </a:p>
           <a:p>
             <a:pPr lvl="1"/>
             <a:r>
               <a:rPr lang="en-US" baseline="0" dirty="0" smtClean="0"/>
-              <a:t>Implied “this”</a:t>
+              <a:t>calling with the same arguments yields the same results</a:t>
             </a:r>
           </a:p>
           <a:p>
             <a:pPr lvl="0"/>
+            <a:endParaRPr lang="en-US" dirty="0" smtClean="0"/>
+          </a:p>
+          <a:p>
+            <a:pPr marL="0" lvl="0" indent="0">
+              <a:buNone/>
+            </a:pPr>
+            <a:endParaRPr lang="en-US" i="1" dirty="0" smtClean="0"/>
+          </a:p>
+          <a:p>
+            <a:pPr marL="0" lvl="0" indent="0">
+              <a:buNone/>
+            </a:pPr>
+            <a:r>
+              <a:rPr lang="en-US" i="1" dirty="0" smtClean="0"/>
+              <a:t>Seriously</a:t>
+            </a:r>
+            <a:r>
+              <a:rPr lang="en-US" i="1" dirty="0" smtClean="0"/>
+              <a:t>, </a:t>
+            </a:r>
+            <a:r>
+              <a:rPr lang="en-US" i="1" dirty="0" smtClean="0"/>
+              <a:t>all this </a:t>
+            </a:r>
+            <a:r>
+              <a:rPr lang="en-US" i="1" dirty="0" smtClean="0"/>
+              <a:t>is really useful</a:t>
+            </a:r>
             <a:r>
               <a:rPr lang="en-US" dirty="0" smtClean="0"/>
-              <a:t>Does not matter in</a:t>
-            </a:r>
-            <a:r>
-              <a:rPr lang="en-US" baseline="0" dirty="0" smtClean="0"/>
-              <a:t> the least – I am going to call them functions</a:t>
-            </a:r>
+              <a:t>.</a:t>
+            </a:r>
+            <a:endParaRPr lang="en-US" dirty="0"/>
           </a:p>
         </p:txBody>
       </p:sp>
     </p:spTree>
     <p:extLst>
       <p:ext uri="{BB962C8B-B14F-4D97-AF65-F5344CB8AC3E}">
-        <p14:creationId xmlns:p14="http://schemas.microsoft.com/office/powerpoint/2010/main" val="4077021880"/>
+        <p14:creationId xmlns:p14="http://schemas.microsoft.com/office/powerpoint/2010/main" val="811614220"/>
       </p:ext>
     </p:extLst>
   </p:cSld>
@@ -6444,65 +6920,71 @@
           <a:p>
             <a:r>
               <a:rPr lang="en-US" dirty="0" smtClean="0"/>
-              <a:t>Treating</a:t>
+              <a:t>Functions Vs Methods</a:t>
+            </a:r>
+            <a:endParaRPr lang="en-US" dirty="0"/>
+          </a:p>
+        </p:txBody>
+      </p:sp>
+      <p:sp>
+        <p:nvSpPr>
+          <p:cNvPr id="3" name="Content Placeholder 2"/>
+          <p:cNvSpPr>
+            <a:spLocks noGrp="1"/>
+          </p:cNvSpPr>
+          <p:nvPr>
+            <p:ph idx="1"/>
+          </p:nvPr>
+        </p:nvSpPr>
+        <p:spPr/>
+        <p:txBody>
+          <a:bodyPr/>
+          <a:lstStyle/>
+          <a:p>
+            <a:r>
+              <a:rPr lang="en-US" dirty="0" smtClean="0"/>
+              <a:t>Difference</a:t>
             </a:r>
             <a:r>
               <a:rPr lang="en-US" baseline="0" dirty="0" smtClean="0"/>
-              <a:t> all inputs as values</a:t>
-            </a:r>
-            <a:endParaRPr lang="en-US" dirty="0"/>
-          </a:p>
-        </p:txBody>
-      </p:sp>
-      <p:sp>
-        <p:nvSpPr>
-          <p:cNvPr id="3" name="Content Placeholder 2"/>
-          <p:cNvSpPr>
-            <a:spLocks noGrp="1"/>
-          </p:cNvSpPr>
-          <p:nvPr>
-            <p:ph idx="1"/>
-          </p:nvPr>
-        </p:nvSpPr>
-        <p:spPr/>
-        <p:txBody>
-          <a:bodyPr/>
-          <a:lstStyle/>
-          <a:p>
+              <a:t> between functions and methods</a:t>
+            </a:r>
+          </a:p>
+          <a:p>
+            <a:pPr lvl="1"/>
             <a:r>
               <a:rPr lang="en-US" dirty="0" smtClean="0"/>
-              <a:t>Code</a:t>
+              <a:t>Dynamic</a:t>
             </a:r>
             <a:r>
               <a:rPr lang="en-US" baseline="0" dirty="0" smtClean="0"/>
-              <a:t> to interfaces</a:t>
-            </a:r>
-          </a:p>
-          <a:p>
+              <a:t> dispatch</a:t>
+            </a:r>
+          </a:p>
+          <a:p>
+            <a:pPr lvl="1"/>
             <a:r>
               <a:rPr lang="en-US" baseline="0" dirty="0" smtClean="0"/>
-              <a:t>Never alter an input</a:t>
-            </a:r>
-          </a:p>
-          <a:p>
+              <a:t>Implied “this”</a:t>
+            </a:r>
+          </a:p>
+          <a:p>
+            <a:pPr lvl="0"/>
+            <a:r>
+              <a:rPr lang="en-US" dirty="0" smtClean="0"/>
+              <a:t>Does not matter in</a:t>
+            </a:r>
             <a:r>
               <a:rPr lang="en-US" baseline="0" dirty="0" smtClean="0"/>
-              <a:t>Decorator pattern</a:t>
-            </a:r>
-          </a:p>
-          <a:p>
-            <a:r>
-              <a:rPr lang="en-US" baseline="0" dirty="0" smtClean="0"/>
-              <a:t>Visitor/Iterator pattern</a:t>
-            </a:r>
-            <a:endParaRPr lang="en-US" dirty="0"/>
+              <a:t> the least – I am going to call them functions</a:t>
+            </a:r>
           </a:p>
         </p:txBody>
       </p:sp>
     </p:spTree>
     <p:extLst>
       <p:ext uri="{BB962C8B-B14F-4D97-AF65-F5344CB8AC3E}">
-        <p14:creationId xmlns:p14="http://schemas.microsoft.com/office/powerpoint/2010/main" val="1604626286"/>
+        <p14:creationId xmlns:p14="http://schemas.microsoft.com/office/powerpoint/2010/main" val="4077021880"/>
       </p:ext>
     </p:extLst>
   </p:cSld>
@@ -6546,7 +7028,19 @@
           <a:p>
             <a:r>
               <a:rPr lang="en-US" dirty="0" smtClean="0"/>
-              <a:t>Separate data from functions</a:t>
+              <a:t>Treating</a:t>
+            </a:r>
+            <a:r>
+              <a:rPr lang="en-US" baseline="0" dirty="0" smtClean="0"/>
+              <a:t> all </a:t>
+            </a:r>
+            <a:r>
+              <a:rPr lang="en-US" baseline="0" dirty="0" smtClean="0"/>
+              <a:t>inputs/outputs </a:t>
+            </a:r>
+            <a:r>
+              <a:rPr lang="en-US" baseline="0" dirty="0" smtClean="0"/>
+              <a:t>as values</a:t>
             </a:r>
             <a:endParaRPr lang="en-US" dirty="0"/>
           </a:p>
@@ -6569,21 +7063,49 @@
           <a:p>
             <a:r>
               <a:rPr lang="en-US" dirty="0" smtClean="0"/>
-              <a:t>Forget “Objects</a:t>
+              <a:t>Best to actually pass values</a:t>
+            </a:r>
+          </a:p>
+          <a:p>
+            <a:r>
+              <a:rPr lang="en-US" dirty="0" smtClean="0"/>
+              <a:t>Code</a:t>
             </a:r>
             <a:r>
               <a:rPr lang="en-US" baseline="0" dirty="0" smtClean="0"/>
-              <a:t> should be able …”</a:t>
+              <a:t> </a:t>
+            </a:r>
+            <a:r>
+              <a:rPr lang="en-US" baseline="0" dirty="0" smtClean="0"/>
+              <a:t>to interfaces</a:t>
+            </a:r>
+          </a:p>
+          <a:p>
+            <a:r>
+              <a:rPr lang="en-US" baseline="0" dirty="0" smtClean="0"/>
+              <a:t>Never alter an input</a:t>
+            </a:r>
+          </a:p>
+          <a:p>
+            <a:r>
+              <a:rPr lang="en-US" baseline="0" dirty="0" smtClean="0"/>
+              <a:t>Decorator pattern</a:t>
+            </a:r>
+          </a:p>
+          <a:p>
+            <a:r>
+              <a:rPr lang="en-US" baseline="0" dirty="0" smtClean="0"/>
+              <a:t>Visitor/Iterator </a:t>
+            </a:r>
+            <a:r>
+              <a:rPr lang="en-US" baseline="0" dirty="0" smtClean="0"/>
+              <a:t>pattern</a:t>
             </a:r>
           </a:p>
           <a:p>
             <a:r>
               <a:rPr lang="en-US" dirty="0" smtClean="0"/>
-              <a:t>Use Strategy pattern to define algorithms outside</a:t>
-            </a:r>
-            <a:r>
-              <a:rPr lang="en-US" baseline="0" dirty="0" smtClean="0"/>
-              <a:t> the values they work on</a:t>
+              <a:t>Return values where possible</a:t>
             </a:r>
             <a:endParaRPr lang="en-US" dirty="0"/>
           </a:p>
@@ -6592,7 +7114,7 @@
     </p:spTree>
     <p:extLst>
       <p:ext uri="{BB962C8B-B14F-4D97-AF65-F5344CB8AC3E}">
-        <p14:creationId xmlns:p14="http://schemas.microsoft.com/office/powerpoint/2010/main" val="64466811"/>
+        <p14:creationId xmlns:p14="http://schemas.microsoft.com/office/powerpoint/2010/main" val="1604626286"/>
       </p:ext>
     </p:extLst>
   </p:cSld>
@@ -6636,11 +7158,7 @@
           <a:p>
             <a:r>
               <a:rPr lang="en-US" dirty="0" smtClean="0"/>
-              <a:t>Demo – </a:t>
-            </a:r>
-            <a:r>
-              <a:rPr lang="en-US" dirty="0" err="1" smtClean="0"/>
-              <a:t>FunctionalDate</a:t>
+              <a:t>Separate data from functions</a:t>
             </a:r>
             <a:endParaRPr lang="en-US" dirty="0"/>
           </a:p>
@@ -6663,71 +7181,38 @@
           <a:p>
             <a:r>
               <a:rPr lang="en-US" dirty="0" smtClean="0"/>
-              <a:t>Value</a:t>
-            </a:r>
+              <a:t>Forget “Objects</a:t>
+            </a:r>
+            <a:r>
+              <a:rPr lang="en-US" baseline="0" dirty="0" smtClean="0"/>
+              <a:t> should </a:t>
+            </a:r>
+            <a:r>
+              <a:rPr lang="en-US" baseline="0" dirty="0" smtClean="0"/>
+              <a:t>know how to  … for themselves”</a:t>
+            </a:r>
+            <a:endParaRPr lang="en-US" baseline="0" dirty="0" smtClean="0"/>
           </a:p>
           <a:p>
             <a:r>
               <a:rPr lang="en-US" dirty="0" smtClean="0"/>
-              <a:t>predicates</a:t>
+              <a:t>Use Strategy pattern to define algorithms outside</a:t>
             </a:r>
             <a:r>
               <a:rPr lang="en-US" baseline="0" dirty="0" smtClean="0"/>
-              <a:t> – before, after – code to interface Comparable</a:t>
-            </a:r>
-          </a:p>
-          <a:p>
-            <a:pPr lvl="1"/>
+              <a:t> the values they work </a:t>
+            </a:r>
             <a:r>
               <a:rPr lang="en-US" baseline="0" dirty="0" smtClean="0"/>
-              <a:t>Could be reused with all </a:t>
-            </a:r>
-            <a:r>
-              <a:rPr lang="en-US" baseline="0" dirty="0" err="1" smtClean="0"/>
-              <a:t>Comparables</a:t>
-            </a:r>
-            <a:endParaRPr lang="en-US" baseline="0" dirty="0" smtClean="0"/>
-          </a:p>
-          <a:p>
-            <a:r>
-              <a:rPr lang="en-US" dirty="0" smtClean="0"/>
-              <a:t>giving meaning -</a:t>
-            </a:r>
-            <a:r>
-              <a:rPr lang="en-US" baseline="0" dirty="0" smtClean="0"/>
-              <a:t> </a:t>
-            </a:r>
-            <a:r>
-              <a:rPr lang="en-US" dirty="0" smtClean="0"/>
-              <a:t>calendar – parse,</a:t>
-            </a:r>
-            <a:r>
-              <a:rPr lang="en-US" baseline="0" dirty="0" smtClean="0"/>
-              <a:t> format – strategy: value =&gt; value</a:t>
-            </a:r>
-          </a:p>
-          <a:p>
-            <a:pPr lvl="1"/>
-            <a:r>
-              <a:rPr lang="en-US" dirty="0" smtClean="0"/>
-              <a:t>Gregorian, Chinese, Hebrew, </a:t>
-            </a:r>
-            <a:r>
-              <a:rPr lang="en-US" dirty="0" err="1" smtClean="0"/>
-              <a:t>etc</a:t>
-            </a:r>
-            <a:endParaRPr lang="en-US" dirty="0" smtClean="0"/>
-          </a:p>
-          <a:p>
-            <a:pPr lvl="0"/>
-            <a:endParaRPr lang="en-US" dirty="0" smtClean="0"/>
+              <a:t>on</a:t>
+            </a:r>
           </a:p>
         </p:txBody>
       </p:sp>
     </p:spTree>
     <p:extLst>
       <p:ext uri="{BB962C8B-B14F-4D97-AF65-F5344CB8AC3E}">
-        <p14:creationId xmlns:p14="http://schemas.microsoft.com/office/powerpoint/2010/main" val="3695196690"/>
+        <p14:creationId xmlns:p14="http://schemas.microsoft.com/office/powerpoint/2010/main" val="64466811"/>
       </p:ext>
     </p:extLst>
   </p:cSld>
@@ -6771,6 +7256,722 @@
           <a:p>
             <a:r>
               <a:rPr lang="en-US" dirty="0" smtClean="0"/>
+              <a:t>For loops and state</a:t>
+            </a:r>
+            <a:br>
+              <a:rPr lang="en-US" dirty="0" smtClean="0"/>
+            </a:br>
+            <a:r>
+              <a:rPr lang="en-US" dirty="0" smtClean="0"/>
+              <a:t>Iterators do not help</a:t>
+            </a:r>
+            <a:endParaRPr lang="en-US" dirty="0"/>
+          </a:p>
+        </p:txBody>
+      </p:sp>
+      <p:sp>
+        <p:nvSpPr>
+          <p:cNvPr id="3" name="Content Placeholder 2"/>
+          <p:cNvSpPr>
+            <a:spLocks noGrp="1"/>
+          </p:cNvSpPr>
+          <p:nvPr>
+            <p:ph idx="1"/>
+          </p:nvPr>
+        </p:nvSpPr>
+        <p:spPr/>
+        <p:txBody>
+          <a:bodyPr/>
+          <a:lstStyle/>
+          <a:p>
+            <a:pPr marL="0" indent="0">
+              <a:buNone/>
+            </a:pPr>
+            <a:r>
+              <a:rPr lang="en-US" dirty="0" err="1">
+                <a:latin typeface="Courier New" panose="02070309020205020404" pitchFamily="49" charset="0"/>
+                <a:cs typeface="Courier New" panose="02070309020205020404" pitchFamily="49" charset="0"/>
+              </a:rPr>
+              <a:t>i</a:t>
+            </a:r>
+            <a:r>
+              <a:rPr lang="en-US" dirty="0" err="1" smtClean="0">
+                <a:latin typeface="Courier New" panose="02070309020205020404" pitchFamily="49" charset="0"/>
+                <a:cs typeface="Courier New" panose="02070309020205020404" pitchFamily="49" charset="0"/>
+              </a:rPr>
+              <a:t>nt</a:t>
+            </a:r>
+            <a:r>
+              <a:rPr lang="en-US" dirty="0" smtClean="0">
+                <a:latin typeface="Courier New" panose="02070309020205020404" pitchFamily="49" charset="0"/>
+                <a:cs typeface="Courier New" panose="02070309020205020404" pitchFamily="49" charset="0"/>
+              </a:rPr>
+              <a:t> </a:t>
+            </a:r>
+            <a:r>
+              <a:rPr lang="en-US" dirty="0" smtClean="0">
+                <a:solidFill>
+                  <a:srgbClr val="FF0000"/>
+                </a:solidFill>
+                <a:latin typeface="Courier New" panose="02070309020205020404" pitchFamily="49" charset="0"/>
+                <a:cs typeface="Courier New" panose="02070309020205020404" pitchFamily="49" charset="0"/>
+              </a:rPr>
+              <a:t>sum</a:t>
+            </a:r>
+            <a:r>
+              <a:rPr lang="en-US" dirty="0" smtClean="0">
+                <a:latin typeface="Courier New" panose="02070309020205020404" pitchFamily="49" charset="0"/>
+                <a:cs typeface="Courier New" panose="02070309020205020404" pitchFamily="49" charset="0"/>
+              </a:rPr>
+              <a:t> = 0;</a:t>
+            </a:r>
+          </a:p>
+          <a:p>
+            <a:pPr marL="0" indent="0">
+              <a:buNone/>
+            </a:pPr>
+            <a:r>
+              <a:rPr lang="en-US" dirty="0" smtClean="0">
+                <a:latin typeface="Courier New" panose="02070309020205020404" pitchFamily="49" charset="0"/>
+                <a:cs typeface="Courier New" panose="02070309020205020404" pitchFamily="49" charset="0"/>
+              </a:rPr>
+              <a:t>for(</a:t>
+            </a:r>
+            <a:r>
+              <a:rPr lang="en-US" dirty="0" err="1" smtClean="0">
+                <a:latin typeface="Courier New" panose="02070309020205020404" pitchFamily="49" charset="0"/>
+                <a:cs typeface="Courier New" panose="02070309020205020404" pitchFamily="49" charset="0"/>
+              </a:rPr>
+              <a:t>int</a:t>
+            </a:r>
+            <a:r>
+              <a:rPr lang="en-US" dirty="0" smtClean="0">
+                <a:latin typeface="Courier New" panose="02070309020205020404" pitchFamily="49" charset="0"/>
+                <a:cs typeface="Courier New" panose="02070309020205020404" pitchFamily="49" charset="0"/>
+              </a:rPr>
+              <a:t> </a:t>
+            </a:r>
+            <a:r>
+              <a:rPr lang="en-US" dirty="0" err="1" smtClean="0">
+                <a:solidFill>
+                  <a:srgbClr val="FF0000"/>
+                </a:solidFill>
+                <a:latin typeface="Courier New" panose="02070309020205020404" pitchFamily="49" charset="0"/>
+                <a:cs typeface="Courier New" panose="02070309020205020404" pitchFamily="49" charset="0"/>
+              </a:rPr>
+              <a:t>i</a:t>
+            </a:r>
+            <a:r>
+              <a:rPr lang="en-US" dirty="0" smtClean="0">
+                <a:latin typeface="Courier New" panose="02070309020205020404" pitchFamily="49" charset="0"/>
+                <a:cs typeface="Courier New" panose="02070309020205020404" pitchFamily="49" charset="0"/>
+              </a:rPr>
+              <a:t> = 0; </a:t>
+            </a:r>
+            <a:r>
+              <a:rPr lang="en-US" dirty="0" err="1" smtClean="0">
+                <a:solidFill>
+                  <a:srgbClr val="FF0000"/>
+                </a:solidFill>
+                <a:latin typeface="Courier New" panose="02070309020205020404" pitchFamily="49" charset="0"/>
+                <a:cs typeface="Courier New" panose="02070309020205020404" pitchFamily="49" charset="0"/>
+              </a:rPr>
+              <a:t>i</a:t>
+            </a:r>
+            <a:r>
+              <a:rPr lang="en-US" dirty="0" smtClean="0">
+                <a:latin typeface="Courier New" panose="02070309020205020404" pitchFamily="49" charset="0"/>
+                <a:cs typeface="Courier New" panose="02070309020205020404" pitchFamily="49" charset="0"/>
+              </a:rPr>
+              <a:t> &lt; 10 ; ++</a:t>
+            </a:r>
+            <a:r>
+              <a:rPr lang="en-US" dirty="0" err="1" smtClean="0">
+                <a:solidFill>
+                  <a:srgbClr val="FF0000"/>
+                </a:solidFill>
+                <a:latin typeface="Courier New" panose="02070309020205020404" pitchFamily="49" charset="0"/>
+                <a:cs typeface="Courier New" panose="02070309020205020404" pitchFamily="49" charset="0"/>
+              </a:rPr>
+              <a:t>i</a:t>
+            </a:r>
+            <a:r>
+              <a:rPr lang="en-US" dirty="0" smtClean="0">
+                <a:latin typeface="Courier New" panose="02070309020205020404" pitchFamily="49" charset="0"/>
+                <a:cs typeface="Courier New" panose="02070309020205020404" pitchFamily="49" charset="0"/>
+              </a:rPr>
+              <a:t>) {</a:t>
+            </a:r>
+          </a:p>
+          <a:p>
+            <a:pPr marL="0" indent="0">
+              <a:buNone/>
+            </a:pPr>
+            <a:r>
+              <a:rPr lang="en-US" dirty="0" smtClean="0">
+                <a:latin typeface="Courier New" panose="02070309020205020404" pitchFamily="49" charset="0"/>
+                <a:cs typeface="Courier New" panose="02070309020205020404" pitchFamily="49" charset="0"/>
+              </a:rPr>
+              <a:t>    if(</a:t>
+            </a:r>
+            <a:r>
+              <a:rPr lang="en-US" dirty="0" err="1" smtClean="0">
+                <a:solidFill>
+                  <a:srgbClr val="FF0000"/>
+                </a:solidFill>
+                <a:latin typeface="Courier New" panose="02070309020205020404" pitchFamily="49" charset="0"/>
+                <a:cs typeface="Courier New" panose="02070309020205020404" pitchFamily="49" charset="0"/>
+              </a:rPr>
+              <a:t>i</a:t>
+            </a:r>
+            <a:r>
+              <a:rPr lang="en-US" dirty="0" smtClean="0">
+                <a:latin typeface="Courier New" panose="02070309020205020404" pitchFamily="49" charset="0"/>
+                <a:cs typeface="Courier New" panose="02070309020205020404" pitchFamily="49" charset="0"/>
+              </a:rPr>
+              <a:t> % 2 == 0) </a:t>
+            </a:r>
+            <a:r>
+              <a:rPr lang="en-US" dirty="0" smtClean="0">
+                <a:solidFill>
+                  <a:srgbClr val="FF0000"/>
+                </a:solidFill>
+                <a:latin typeface="Courier New" panose="02070309020205020404" pitchFamily="49" charset="0"/>
+                <a:cs typeface="Courier New" panose="02070309020205020404" pitchFamily="49" charset="0"/>
+              </a:rPr>
+              <a:t>sum</a:t>
+            </a:r>
+            <a:r>
+              <a:rPr lang="en-US" dirty="0" smtClean="0">
+                <a:latin typeface="Courier New" panose="02070309020205020404" pitchFamily="49" charset="0"/>
+                <a:cs typeface="Courier New" panose="02070309020205020404" pitchFamily="49" charset="0"/>
+              </a:rPr>
+              <a:t> += </a:t>
+            </a:r>
+            <a:r>
+              <a:rPr lang="en-US" dirty="0" err="1" smtClean="0">
+                <a:solidFill>
+                  <a:srgbClr val="FF0000"/>
+                </a:solidFill>
+                <a:latin typeface="Courier New" panose="02070309020205020404" pitchFamily="49" charset="0"/>
+                <a:cs typeface="Courier New" panose="02070309020205020404" pitchFamily="49" charset="0"/>
+              </a:rPr>
+              <a:t>i</a:t>
+            </a:r>
+            <a:r>
+              <a:rPr lang="en-US" dirty="0" smtClean="0">
+                <a:latin typeface="Courier New" panose="02070309020205020404" pitchFamily="49" charset="0"/>
+                <a:cs typeface="Courier New" panose="02070309020205020404" pitchFamily="49" charset="0"/>
+              </a:rPr>
+              <a:t>;</a:t>
+            </a:r>
+          </a:p>
+          <a:p>
+            <a:pPr marL="0" indent="0">
+              <a:buNone/>
+            </a:pPr>
+            <a:r>
+              <a:rPr lang="en-US" dirty="0">
+                <a:latin typeface="Courier New" panose="02070309020205020404" pitchFamily="49" charset="0"/>
+                <a:cs typeface="Courier New" panose="02070309020205020404" pitchFamily="49" charset="0"/>
+              </a:rPr>
+              <a:t>}</a:t>
+            </a:r>
+          </a:p>
+        </p:txBody>
+      </p:sp>
+    </p:spTree>
+    <p:extLst>
+      <p:ext uri="{BB962C8B-B14F-4D97-AF65-F5344CB8AC3E}">
+        <p14:creationId xmlns:p14="http://schemas.microsoft.com/office/powerpoint/2010/main" val="1589485030"/>
+      </p:ext>
+    </p:extLst>
+  </p:cSld>
+  <p:clrMapOvr>
+    <a:masterClrMapping/>
+  </p:clrMapOvr>
+</p:sld>
+</file>
+
+<file path=ppt/slides/slide16.xml><?xml version="1.0" encoding="utf-8"?>
+<p:sld xmlns:a="http://schemas.openxmlformats.org/drawingml/2006/main" xmlns:r="http://schemas.openxmlformats.org/officeDocument/2006/relationships" xmlns:p="http://schemas.openxmlformats.org/presentationml/2006/main">
+  <p:cSld>
+    <p:spTree>
+      <p:nvGrpSpPr>
+        <p:cNvPr id="1" name=""/>
+        <p:cNvGrpSpPr/>
+        <p:nvPr/>
+      </p:nvGrpSpPr>
+      <p:grpSpPr>
+        <a:xfrm>
+          <a:off x="0" y="0"/>
+          <a:ext cx="0" cy="0"/>
+          <a:chOff x="0" y="0"/>
+          <a:chExt cx="0" cy="0"/>
+        </a:xfrm>
+      </p:grpSpPr>
+      <p:sp>
+        <p:nvSpPr>
+          <p:cNvPr id="2" name="Title 1"/>
+          <p:cNvSpPr>
+            <a:spLocks noGrp="1"/>
+          </p:cNvSpPr>
+          <p:nvPr>
+            <p:ph type="title"/>
+          </p:nvPr>
+        </p:nvSpPr>
+        <p:spPr/>
+        <p:txBody>
+          <a:bodyPr/>
+          <a:lstStyle/>
+          <a:p>
+            <a:r>
+              <a:rPr lang="en-US" dirty="0" smtClean="0"/>
+              <a:t>Lambdas</a:t>
+            </a:r>
+            <a:r>
+              <a:rPr lang="en-US" baseline="0" dirty="0" smtClean="0"/>
+              <a:t> and Streams</a:t>
+            </a:r>
+            <a:endParaRPr lang="en-US" dirty="0"/>
+          </a:p>
+        </p:txBody>
+      </p:sp>
+      <p:sp>
+        <p:nvSpPr>
+          <p:cNvPr id="3" name="Content Placeholder 2"/>
+          <p:cNvSpPr>
+            <a:spLocks noGrp="1"/>
+          </p:cNvSpPr>
+          <p:nvPr>
+            <p:ph idx="1"/>
+          </p:nvPr>
+        </p:nvSpPr>
+        <p:spPr>
+          <a:xfrm>
+            <a:off x="1301431" y="2596660"/>
+            <a:ext cx="3594127" cy="2734995"/>
+          </a:xfrm>
+        </p:spPr>
+        <p:txBody>
+          <a:bodyPr>
+            <a:normAutofit/>
+          </a:bodyPr>
+          <a:lstStyle/>
+          <a:p>
+            <a:pPr marL="0" indent="0">
+              <a:buNone/>
+            </a:pPr>
+            <a:r>
+              <a:rPr lang="pt-BR" dirty="0" smtClean="0"/>
+              <a:t>Find the names of albums that have at least one track rated four or  higher,  sorted by  name, </a:t>
+            </a:r>
+            <a:r>
+              <a:rPr lang="pt-BR" i="1" dirty="0" smtClean="0"/>
+              <a:t>without state</a:t>
+            </a:r>
+            <a:r>
+              <a:rPr lang="pt-BR" dirty="0" smtClean="0"/>
+              <a:t>.</a:t>
+            </a:r>
+          </a:p>
+        </p:txBody>
+      </p:sp>
+      <p:sp>
+        <p:nvSpPr>
+          <p:cNvPr id="4" name="TextBox 3"/>
+          <p:cNvSpPr txBox="1"/>
+          <p:nvPr/>
+        </p:nvSpPr>
+        <p:spPr>
+          <a:xfrm>
+            <a:off x="5317588" y="2948494"/>
+            <a:ext cx="6513342" cy="2031325"/>
+          </a:xfrm>
+          <a:prstGeom prst="rect">
+            <a:avLst/>
+          </a:prstGeom>
+          <a:noFill/>
+        </p:spPr>
+        <p:txBody>
+          <a:bodyPr wrap="square" rtlCol="0">
+            <a:spAutoFit/>
+          </a:bodyPr>
+          <a:lstStyle/>
+          <a:p>
+            <a:r>
+              <a:rPr lang="pt-BR" dirty="0" smtClean="0">
+                <a:latin typeface="Courier New" panose="02070309020205020404" pitchFamily="49" charset="0"/>
+                <a:cs typeface="Courier New" panose="02070309020205020404" pitchFamily="49" charset="0"/>
+              </a:rPr>
+              <a:t>List&lt;Album&gt; sortedFavs = albums</a:t>
+            </a:r>
+          </a:p>
+          <a:p>
+            <a:pPr lvl="1"/>
+            <a:r>
+              <a:rPr lang="pt-BR" dirty="0" smtClean="0">
+                <a:latin typeface="Courier New" panose="02070309020205020404" pitchFamily="49" charset="0"/>
+                <a:cs typeface="Courier New" panose="02070309020205020404" pitchFamily="49" charset="0"/>
+              </a:rPr>
+              <a:t>.</a:t>
+            </a:r>
+            <a:r>
+              <a:rPr lang="pt-BR" b="1" dirty="0" smtClean="0">
+                <a:effectLst>
+                  <a:outerShdw blurRad="38100" dist="38100" dir="2700000" algn="tl">
+                    <a:srgbClr val="000000">
+                      <a:alpha val="43137"/>
+                    </a:srgbClr>
+                  </a:outerShdw>
+                </a:effectLst>
+                <a:latin typeface="Courier New" panose="02070309020205020404" pitchFamily="49" charset="0"/>
+                <a:cs typeface="Courier New" panose="02070309020205020404" pitchFamily="49" charset="0"/>
+              </a:rPr>
+              <a:t>stream </a:t>
+            </a:r>
+            <a:r>
+              <a:rPr lang="pt-BR" dirty="0" smtClean="0">
+                <a:latin typeface="Courier New" panose="02070309020205020404" pitchFamily="49" charset="0"/>
+                <a:cs typeface="Courier New" panose="02070309020205020404" pitchFamily="49" charset="0"/>
+              </a:rPr>
+              <a:t>()</a:t>
+            </a:r>
+            <a:endParaRPr lang="pt-BR" dirty="0">
+              <a:latin typeface="Courier New" panose="02070309020205020404" pitchFamily="49" charset="0"/>
+              <a:cs typeface="Courier New" panose="02070309020205020404" pitchFamily="49" charset="0"/>
+            </a:endParaRPr>
+          </a:p>
+          <a:p>
+            <a:pPr lvl="1"/>
+            <a:r>
+              <a:rPr lang="pt-BR" dirty="0" smtClean="0">
+                <a:latin typeface="Courier New" panose="02070309020205020404" pitchFamily="49" charset="0"/>
+                <a:cs typeface="Courier New" panose="02070309020205020404" pitchFamily="49" charset="0"/>
+              </a:rPr>
+              <a:t>.</a:t>
+            </a:r>
+            <a:r>
+              <a:rPr lang="pt-BR" b="1" dirty="0" smtClean="0">
+                <a:effectLst>
+                  <a:outerShdw blurRad="38100" dist="38100" dir="2700000" algn="tl">
+                    <a:srgbClr val="000000">
+                      <a:alpha val="43137"/>
+                    </a:srgbClr>
+                  </a:outerShdw>
+                </a:effectLst>
+                <a:latin typeface="Courier New" panose="02070309020205020404" pitchFamily="49" charset="0"/>
+                <a:cs typeface="Courier New" panose="02070309020205020404" pitchFamily="49" charset="0"/>
+              </a:rPr>
+              <a:t>filter </a:t>
+            </a:r>
+            <a:r>
+              <a:rPr lang="pt-BR" dirty="0" smtClean="0">
+                <a:latin typeface="Courier New" panose="02070309020205020404" pitchFamily="49" charset="0"/>
+                <a:cs typeface="Courier New" panose="02070309020205020404" pitchFamily="49" charset="0"/>
+              </a:rPr>
+              <a:t>( a-&gt;a.tracks</a:t>
+            </a:r>
+          </a:p>
+          <a:p>
+            <a:pPr lvl="4"/>
+            <a:r>
+              <a:rPr lang="pt-BR" dirty="0" smtClean="0">
+                <a:latin typeface="Courier New" panose="02070309020205020404" pitchFamily="49" charset="0"/>
+                <a:cs typeface="Courier New" panose="02070309020205020404" pitchFamily="49" charset="0"/>
+              </a:rPr>
+              <a:t>.stream()</a:t>
+            </a:r>
+          </a:p>
+          <a:p>
+            <a:pPr lvl="4"/>
+            <a:r>
+              <a:rPr lang="pt-BR" dirty="0" smtClean="0">
+                <a:latin typeface="Courier New" panose="02070309020205020404" pitchFamily="49" charset="0"/>
+                <a:cs typeface="Courier New" panose="02070309020205020404" pitchFamily="49" charset="0"/>
+              </a:rPr>
+              <a:t>.anyMatch(t-&gt; (t.rating &gt;= 4 )))</a:t>
+            </a:r>
+            <a:endParaRPr lang="pt-BR" dirty="0">
+              <a:latin typeface="Courier New" panose="02070309020205020404" pitchFamily="49" charset="0"/>
+              <a:cs typeface="Courier New" panose="02070309020205020404" pitchFamily="49" charset="0"/>
+            </a:endParaRPr>
+          </a:p>
+          <a:p>
+            <a:pPr lvl="1"/>
+            <a:r>
+              <a:rPr lang="pt-BR" dirty="0" smtClean="0">
+                <a:latin typeface="Courier New" panose="02070309020205020404" pitchFamily="49" charset="0"/>
+                <a:cs typeface="Courier New" panose="02070309020205020404" pitchFamily="49" charset="0"/>
+              </a:rPr>
+              <a:t>.</a:t>
+            </a:r>
+            <a:r>
+              <a:rPr lang="pt-BR" b="1" dirty="0" smtClean="0">
+                <a:effectLst>
+                  <a:outerShdw blurRad="38100" dist="38100" dir="2700000" algn="tl">
+                    <a:srgbClr val="000000">
+                      <a:alpha val="43137"/>
+                    </a:srgbClr>
+                  </a:outerShdw>
+                </a:effectLst>
+                <a:latin typeface="Courier New" panose="02070309020205020404" pitchFamily="49" charset="0"/>
+                <a:cs typeface="Courier New" panose="02070309020205020404" pitchFamily="49" charset="0"/>
+              </a:rPr>
+              <a:t>sorted</a:t>
+            </a:r>
+            <a:r>
+              <a:rPr lang="pt-BR" b="1" dirty="0" smtClean="0">
+                <a:latin typeface="Courier New" panose="02070309020205020404" pitchFamily="49" charset="0"/>
+                <a:cs typeface="Courier New" panose="02070309020205020404" pitchFamily="49" charset="0"/>
+              </a:rPr>
+              <a:t> </a:t>
+            </a:r>
+            <a:r>
+              <a:rPr lang="pt-BR" dirty="0" smtClean="0">
+                <a:latin typeface="Courier New" panose="02070309020205020404" pitchFamily="49" charset="0"/>
+                <a:cs typeface="Courier New" panose="02070309020205020404" pitchFamily="49" charset="0"/>
+              </a:rPr>
+              <a:t>(Comparator.comparing( a-&gt; a.name))</a:t>
+            </a:r>
+            <a:endParaRPr lang="pt-BR" dirty="0">
+              <a:latin typeface="Courier New" panose="02070309020205020404" pitchFamily="49" charset="0"/>
+              <a:cs typeface="Courier New" panose="02070309020205020404" pitchFamily="49" charset="0"/>
+            </a:endParaRPr>
+          </a:p>
+          <a:p>
+            <a:pPr lvl="1"/>
+            <a:r>
+              <a:rPr lang="pt-BR" dirty="0" smtClean="0">
+                <a:latin typeface="Courier New" panose="02070309020205020404" pitchFamily="49" charset="0"/>
+                <a:cs typeface="Courier New" panose="02070309020205020404" pitchFamily="49" charset="0"/>
+              </a:rPr>
+              <a:t>.</a:t>
+            </a:r>
+            <a:r>
+              <a:rPr lang="pt-BR" b="1" dirty="0" smtClean="0">
+                <a:effectLst>
+                  <a:outerShdw blurRad="38100" dist="38100" dir="2700000" algn="tl">
+                    <a:srgbClr val="000000">
+                      <a:alpha val="43137"/>
+                    </a:srgbClr>
+                  </a:outerShdw>
+                </a:effectLst>
+                <a:latin typeface="Courier New" panose="02070309020205020404" pitchFamily="49" charset="0"/>
+                <a:cs typeface="Courier New" panose="02070309020205020404" pitchFamily="49" charset="0"/>
+              </a:rPr>
+              <a:t>collect</a:t>
+            </a:r>
+            <a:r>
+              <a:rPr lang="pt-BR" dirty="0" smtClean="0">
+                <a:effectLst>
+                  <a:outerShdw blurRad="38100" dist="38100" dir="2700000" algn="tl">
+                    <a:srgbClr val="000000">
+                      <a:alpha val="43137"/>
+                    </a:srgbClr>
+                  </a:outerShdw>
+                </a:effectLst>
+                <a:latin typeface="Courier New" panose="02070309020205020404" pitchFamily="49" charset="0"/>
+                <a:cs typeface="Courier New" panose="02070309020205020404" pitchFamily="49" charset="0"/>
+              </a:rPr>
+              <a:t> </a:t>
+            </a:r>
+            <a:r>
+              <a:rPr lang="pt-BR" dirty="0" smtClean="0">
+                <a:latin typeface="Courier New" panose="02070309020205020404" pitchFamily="49" charset="0"/>
+                <a:cs typeface="Courier New" panose="02070309020205020404" pitchFamily="49" charset="0"/>
+              </a:rPr>
+              <a:t>(Collectors.toList());</a:t>
+            </a:r>
+            <a:endParaRPr lang="en-US" dirty="0">
+              <a:latin typeface="Courier New" panose="02070309020205020404" pitchFamily="49" charset="0"/>
+              <a:cs typeface="Courier New" panose="02070309020205020404" pitchFamily="49" charset="0"/>
+            </a:endParaRPr>
+          </a:p>
+        </p:txBody>
+      </p:sp>
+    </p:spTree>
+    <p:extLst>
+      <p:ext uri="{BB962C8B-B14F-4D97-AF65-F5344CB8AC3E}">
+        <p14:creationId xmlns:p14="http://schemas.microsoft.com/office/powerpoint/2010/main" val="3783412475"/>
+      </p:ext>
+    </p:extLst>
+  </p:cSld>
+  <p:clrMapOvr>
+    <a:masterClrMapping/>
+  </p:clrMapOvr>
+</p:sld>
+</file>
+
+<file path=ppt/slides/slide17.xml><?xml version="1.0" encoding="utf-8"?>
+<p:sld xmlns:a="http://schemas.openxmlformats.org/drawingml/2006/main" xmlns:r="http://schemas.openxmlformats.org/officeDocument/2006/relationships" xmlns:p="http://schemas.openxmlformats.org/presentationml/2006/main">
+  <p:cSld>
+    <p:spTree>
+      <p:nvGrpSpPr>
+        <p:cNvPr id="1" name=""/>
+        <p:cNvGrpSpPr/>
+        <p:nvPr/>
+      </p:nvGrpSpPr>
+      <p:grpSpPr>
+        <a:xfrm>
+          <a:off x="0" y="0"/>
+          <a:ext cx="0" cy="0"/>
+          <a:chOff x="0" y="0"/>
+          <a:chExt cx="0" cy="0"/>
+        </a:xfrm>
+      </p:grpSpPr>
+      <p:sp>
+        <p:nvSpPr>
+          <p:cNvPr id="2" name="Title 1"/>
+          <p:cNvSpPr>
+            <a:spLocks noGrp="1"/>
+          </p:cNvSpPr>
+          <p:nvPr>
+            <p:ph type="title"/>
+          </p:nvPr>
+        </p:nvSpPr>
+        <p:spPr/>
+        <p:txBody>
+          <a:bodyPr/>
+          <a:lstStyle/>
+          <a:p>
+            <a:r>
+              <a:rPr lang="en-US" dirty="0" smtClean="0"/>
+              <a:t>Demo – </a:t>
+            </a:r>
+            <a:r>
+              <a:rPr lang="en-US" dirty="0" err="1" smtClean="0"/>
+              <a:t>FunctionalDate</a:t>
+            </a:r>
+            <a:endParaRPr lang="en-US" dirty="0"/>
+          </a:p>
+        </p:txBody>
+      </p:sp>
+      <p:sp>
+        <p:nvSpPr>
+          <p:cNvPr id="3" name="Content Placeholder 2"/>
+          <p:cNvSpPr>
+            <a:spLocks noGrp="1"/>
+          </p:cNvSpPr>
+          <p:nvPr>
+            <p:ph idx="1"/>
+          </p:nvPr>
+        </p:nvSpPr>
+        <p:spPr/>
+        <p:txBody>
+          <a:bodyPr/>
+          <a:lstStyle/>
+          <a:p>
+            <a:r>
+              <a:rPr lang="en-US" dirty="0" smtClean="0"/>
+              <a:t>Value</a:t>
+            </a:r>
+          </a:p>
+          <a:p>
+            <a:r>
+              <a:rPr lang="en-US" dirty="0" smtClean="0"/>
+              <a:t>predicates</a:t>
+            </a:r>
+            <a:r>
+              <a:rPr lang="en-US" baseline="0" dirty="0" smtClean="0"/>
+              <a:t> – before, after – code to interface Comparable</a:t>
+            </a:r>
+          </a:p>
+          <a:p>
+            <a:pPr lvl="1"/>
+            <a:r>
+              <a:rPr lang="en-US" baseline="0" dirty="0" smtClean="0"/>
+              <a:t>Could be reused with all </a:t>
+            </a:r>
+            <a:r>
+              <a:rPr lang="en-US" baseline="0" dirty="0" err="1" smtClean="0"/>
+              <a:t>Comparables</a:t>
+            </a:r>
+            <a:endParaRPr lang="en-US" baseline="0" dirty="0" smtClean="0"/>
+          </a:p>
+          <a:p>
+            <a:r>
+              <a:rPr lang="en-US" dirty="0" smtClean="0"/>
+              <a:t>giving meaning -</a:t>
+            </a:r>
+            <a:r>
+              <a:rPr lang="en-US" baseline="0" dirty="0" smtClean="0"/>
+              <a:t> </a:t>
+            </a:r>
+            <a:r>
+              <a:rPr lang="en-US" dirty="0" smtClean="0"/>
+              <a:t>calendar – parse,</a:t>
+            </a:r>
+            <a:r>
+              <a:rPr lang="en-US" baseline="0" dirty="0" smtClean="0"/>
+              <a:t> format – strategy: value =&gt; value</a:t>
+            </a:r>
+          </a:p>
+          <a:p>
+            <a:pPr lvl="1"/>
+            <a:r>
+              <a:rPr lang="en-US" dirty="0" smtClean="0"/>
+              <a:t>Gregorian, Chinese, Hebrew, </a:t>
+            </a:r>
+            <a:r>
+              <a:rPr lang="en-US" dirty="0" err="1" smtClean="0"/>
+              <a:t>etc</a:t>
+            </a:r>
+            <a:endParaRPr lang="en-US" dirty="0" smtClean="0"/>
+          </a:p>
+          <a:p>
+            <a:pPr lvl="0"/>
+            <a:endParaRPr lang="en-US" dirty="0" smtClean="0"/>
+          </a:p>
+        </p:txBody>
+      </p:sp>
+    </p:spTree>
+    <p:extLst>
+      <p:ext uri="{BB962C8B-B14F-4D97-AF65-F5344CB8AC3E}">
+        <p14:creationId xmlns:p14="http://schemas.microsoft.com/office/powerpoint/2010/main" val="3695196690"/>
+      </p:ext>
+    </p:extLst>
+  </p:cSld>
+  <p:clrMapOvr>
+    <a:masterClrMapping/>
+  </p:clrMapOvr>
+</p:sld>
+</file>
+
+<file path=ppt/slides/slide18.xml><?xml version="1.0" encoding="utf-8"?>
+<p:sld xmlns:a="http://schemas.openxmlformats.org/drawingml/2006/main" xmlns:r="http://schemas.openxmlformats.org/officeDocument/2006/relationships" xmlns:p="http://schemas.openxmlformats.org/presentationml/2006/main">
+  <p:cSld>
+    <p:spTree>
+      <p:nvGrpSpPr>
+        <p:cNvPr id="1" name=""/>
+        <p:cNvGrpSpPr/>
+        <p:nvPr/>
+      </p:nvGrpSpPr>
+      <p:grpSpPr>
+        <a:xfrm>
+          <a:off x="0" y="0"/>
+          <a:ext cx="0" cy="0"/>
+          <a:chOff x="0" y="0"/>
+          <a:chExt cx="0" cy="0"/>
+        </a:xfrm>
+      </p:grpSpPr>
+      <p:sp>
+        <p:nvSpPr>
+          <p:cNvPr id="2" name="Title 1"/>
+          <p:cNvSpPr>
+            <a:spLocks noGrp="1"/>
+          </p:cNvSpPr>
+          <p:nvPr>
+            <p:ph type="title"/>
+          </p:nvPr>
+        </p:nvSpPr>
+        <p:spPr/>
+        <p:txBody>
+          <a:bodyPr/>
+          <a:lstStyle/>
+          <a:p>
+            <a:r>
+              <a:rPr lang="en-US" dirty="0" smtClean="0"/>
               <a:t>The End</a:t>
             </a:r>
             <a:endParaRPr lang="en-US" dirty="0"/>
@@ -6793,10 +7994,76 @@
           <a:lstStyle/>
           <a:p>
             <a:r>
-              <a:rPr lang="en-US" dirty="0" smtClean="0"/>
-              <a:t>http://www.lispcast.com/java-learn-from-clojure</a:t>
-            </a:r>
-            <a:endParaRPr lang="en-US" dirty="0"/>
+              <a:rPr lang="en-US" dirty="0" smtClean="0">
+                <a:latin typeface="Arial" panose="020B0604020202020204" pitchFamily="34" charset="0"/>
+                <a:cs typeface="Arial" panose="020B0604020202020204" pitchFamily="34" charset="0"/>
+                <a:hlinkClick r:id="rId2"/>
+              </a:rPr>
+              <a:t>Design Patterns – Gang of Four Book</a:t>
+            </a:r>
+            <a:endParaRPr lang="en-US" dirty="0" smtClean="0">
+              <a:latin typeface="Arial" panose="020B0604020202020204" pitchFamily="34" charset="0"/>
+              <a:cs typeface="Arial" panose="020B0604020202020204" pitchFamily="34" charset="0"/>
+            </a:endParaRPr>
+          </a:p>
+          <a:p>
+            <a:r>
+              <a:rPr lang="en-US" dirty="0" smtClean="0">
+                <a:latin typeface="Arial" panose="020B0604020202020204" pitchFamily="34" charset="0"/>
+                <a:cs typeface="Arial" panose="020B0604020202020204" pitchFamily="34" charset="0"/>
+              </a:rPr>
+              <a:t>https://github.com/mperry/talk-java-lambdas/blob/master/Are-Lambdas-Great-in-Java-8.pdf</a:t>
+            </a:r>
+          </a:p>
+          <a:p>
+            <a:r>
+              <a:rPr lang="en-US" dirty="0" smtClean="0">
+                <a:latin typeface="Arial" panose="020B0604020202020204" pitchFamily="34" charset="0"/>
+                <a:cs typeface="Arial" panose="020B0604020202020204" pitchFamily="34" charset="0"/>
+                <a:hlinkClick r:id="rId3"/>
+              </a:rPr>
+              <a:t>http</a:t>
+            </a:r>
+            <a:r>
+              <a:rPr lang="en-US" dirty="0" smtClean="0">
+                <a:latin typeface="Arial" panose="020B0604020202020204" pitchFamily="34" charset="0"/>
+                <a:cs typeface="Arial" panose="020B0604020202020204" pitchFamily="34" charset="0"/>
+                <a:hlinkClick r:id="rId3"/>
+              </a:rPr>
+              <a:t>://</a:t>
+            </a:r>
+            <a:r>
+              <a:rPr lang="en-US" dirty="0" smtClean="0">
+                <a:latin typeface="Arial" panose="020B0604020202020204" pitchFamily="34" charset="0"/>
+                <a:cs typeface="Arial" panose="020B0604020202020204" pitchFamily="34" charset="0"/>
+                <a:hlinkClick r:id="rId3"/>
+              </a:rPr>
+              <a:t>www.lispcast.com/java-learn-from-clojure</a:t>
+            </a:r>
+            <a:endParaRPr lang="en-US" dirty="0" smtClean="0">
+              <a:latin typeface="Arial" panose="020B0604020202020204" pitchFamily="34" charset="0"/>
+              <a:cs typeface="Arial" panose="020B0604020202020204" pitchFamily="34" charset="0"/>
+            </a:endParaRPr>
+          </a:p>
+          <a:p>
+            <a:r>
+              <a:rPr lang="en-US" dirty="0">
+                <a:latin typeface="Arial" panose="020B0604020202020204" pitchFamily="34" charset="0"/>
+                <a:cs typeface="Arial" panose="020B0604020202020204" pitchFamily="34" charset="0"/>
+              </a:rPr>
+              <a:t>https://</a:t>
+            </a:r>
+            <a:r>
+              <a:rPr lang="en-US" dirty="0" smtClean="0">
+                <a:latin typeface="Arial" panose="020B0604020202020204" pitchFamily="34" charset="0"/>
+                <a:cs typeface="Arial" panose="020B0604020202020204" pitchFamily="34" charset="0"/>
+              </a:rPr>
+              <a:t>github.com/m0smith/presentations/tree/master/FunctionalProgrammingForJavaDevelopers</a:t>
+            </a:r>
+            <a:endParaRPr lang="en-US" dirty="0">
+              <a:latin typeface="Arial" panose="020B0604020202020204" pitchFamily="34" charset="0"/>
+              <a:cs typeface="Arial" panose="020B0604020202020204" pitchFamily="34" charset="0"/>
+            </a:endParaRPr>
           </a:p>
         </p:txBody>
       </p:sp>
@@ -6870,7 +8137,17 @@
           <a:p>
             <a:r>
               <a:rPr lang="en-US" dirty="0" smtClean="0"/>
-              <a:t>State and Value</a:t>
+              <a:t>Who am I</a:t>
+            </a:r>
+          </a:p>
+          <a:p>
+            <a:r>
+              <a:rPr lang="en-US" dirty="0" smtClean="0"/>
+              <a:t>State </a:t>
+            </a:r>
+            <a:r>
+              <a:rPr lang="en-US" dirty="0" smtClean="0"/>
+              <a:t>and Value</a:t>
             </a:r>
           </a:p>
           <a:p>
@@ -6886,6 +8163,10 @@
             </a:r>
           </a:p>
           <a:p>
+            <a:r>
+              <a:rPr lang="en-US" dirty="0" smtClean="0"/>
+              <a:t>Lambda</a:t>
+            </a:r>
             <a:endParaRPr lang="en-US" dirty="0" smtClean="0"/>
           </a:p>
           <a:p>
@@ -6952,64 +8233,67 @@
           <a:p>
             <a:r>
               <a:rPr lang="en-US" dirty="0" smtClean="0"/>
-              <a:t>State</a:t>
+              <a:t>Who am I ?</a:t>
+            </a:r>
+            <a:endParaRPr lang="en-US" dirty="0"/>
+          </a:p>
+        </p:txBody>
+      </p:sp>
+      <p:sp>
+        <p:nvSpPr>
+          <p:cNvPr id="3" name="Content Placeholder 2"/>
+          <p:cNvSpPr>
+            <a:spLocks noGrp="1"/>
+          </p:cNvSpPr>
+          <p:nvPr>
+            <p:ph idx="1"/>
+          </p:nvPr>
+        </p:nvSpPr>
+        <p:spPr/>
+        <p:txBody>
+          <a:bodyPr/>
+          <a:lstStyle/>
+          <a:p>
+            <a:r>
+              <a:rPr lang="en-US" dirty="0" smtClean="0"/>
+              <a:t>CS</a:t>
             </a:r>
             <a:r>
               <a:rPr lang="en-US" baseline="0" dirty="0" smtClean="0"/>
-              <a:t> and Value</a:t>
-            </a:r>
-            <a:endParaRPr lang="en-US" dirty="0"/>
-          </a:p>
-        </p:txBody>
-      </p:sp>
-      <p:sp>
-        <p:nvSpPr>
-          <p:cNvPr id="3" name="Content Placeholder 2"/>
-          <p:cNvSpPr>
-            <a:spLocks noGrp="1"/>
-          </p:cNvSpPr>
-          <p:nvPr>
-            <p:ph idx="1"/>
-          </p:nvPr>
-        </p:nvSpPr>
-        <p:spPr/>
-        <p:txBody>
-          <a:bodyPr/>
-          <a:lstStyle/>
-          <a:p>
-            <a:r>
-              <a:rPr lang="en-US" dirty="0" smtClean="0">
-                <a:solidFill>
-                  <a:srgbClr val="00B050"/>
-                </a:solidFill>
-              </a:rPr>
-              <a:t>Value</a:t>
-            </a:r>
+              <a:t> from the U of U</a:t>
+            </a:r>
+          </a:p>
+          <a:p>
             <a:r>
               <a:rPr lang="en-US" baseline="0" dirty="0" smtClean="0"/>
-              <a:t> – fixed over time</a:t>
-            </a:r>
-          </a:p>
-          <a:p>
-            <a:r>
-              <a:rPr lang="en-US" baseline="0" dirty="0" smtClean="0">
-                <a:solidFill>
-                  <a:srgbClr val="FF0000"/>
-                </a:solidFill>
-              </a:rPr>
-              <a:t>State</a:t>
-            </a:r>
+              <a:t>Accidental Author – Ferocious Flirting: Making Marriage Wonderful</a:t>
+            </a:r>
+          </a:p>
+          <a:p>
             <a:r>
               <a:rPr lang="en-US" baseline="0" dirty="0" smtClean="0"/>
-              <a:t> – varies over time</a:t>
-            </a:r>
+              <a:t>Java Programmer since before Swing</a:t>
+            </a:r>
+          </a:p>
+          <a:p>
+            <a:r>
+              <a:rPr lang="en-US" baseline="0" dirty="0" smtClean="0"/>
+              <a:t>Functional Programmer even longer</a:t>
+            </a:r>
+          </a:p>
+          <a:p>
+            <a:r>
+              <a:rPr lang="en-US" baseline="0" dirty="0" smtClean="0"/>
+              <a:t>Supervisor of Software Engineers at Intermountain Healthcare</a:t>
+            </a:r>
+            <a:endParaRPr lang="en-US" dirty="0"/>
           </a:p>
         </p:txBody>
       </p:sp>
     </p:spTree>
     <p:extLst>
       <p:ext uri="{BB962C8B-B14F-4D97-AF65-F5344CB8AC3E}">
-        <p14:creationId xmlns:p14="http://schemas.microsoft.com/office/powerpoint/2010/main" val="770722518"/>
+        <p14:creationId xmlns:p14="http://schemas.microsoft.com/office/powerpoint/2010/main" val="1785902693"/>
       </p:ext>
     </p:extLst>
   </p:cSld>
@@ -7053,6 +8337,107 @@
           <a:p>
             <a:r>
               <a:rPr lang="en-US" dirty="0" smtClean="0"/>
+              <a:t>State</a:t>
+            </a:r>
+            <a:r>
+              <a:rPr lang="en-US" baseline="0" dirty="0" smtClean="0"/>
+              <a:t> and Value</a:t>
+            </a:r>
+            <a:endParaRPr lang="en-US" dirty="0"/>
+          </a:p>
+        </p:txBody>
+      </p:sp>
+      <p:sp>
+        <p:nvSpPr>
+          <p:cNvPr id="3" name="Content Placeholder 2"/>
+          <p:cNvSpPr>
+            <a:spLocks noGrp="1"/>
+          </p:cNvSpPr>
+          <p:nvPr>
+            <p:ph idx="1"/>
+          </p:nvPr>
+        </p:nvSpPr>
+        <p:spPr/>
+        <p:txBody>
+          <a:bodyPr/>
+          <a:lstStyle/>
+          <a:p>
+            <a:r>
+              <a:rPr lang="en-US" dirty="0" smtClean="0">
+                <a:solidFill>
+                  <a:srgbClr val="00B050"/>
+                </a:solidFill>
+              </a:rPr>
+              <a:t>Value</a:t>
+            </a:r>
+            <a:r>
+              <a:rPr lang="en-US" baseline="0" dirty="0" smtClean="0"/>
+              <a:t> – fixed over time</a:t>
+            </a:r>
+          </a:p>
+          <a:p>
+            <a:r>
+              <a:rPr lang="en-US" baseline="0" dirty="0" smtClean="0">
+                <a:solidFill>
+                  <a:srgbClr val="FF0000"/>
+                </a:solidFill>
+              </a:rPr>
+              <a:t>State</a:t>
+            </a:r>
+            <a:r>
+              <a:rPr lang="en-US" baseline="0" dirty="0" smtClean="0"/>
+              <a:t> – varies over time</a:t>
+            </a:r>
+          </a:p>
+        </p:txBody>
+      </p:sp>
+    </p:spTree>
+    <p:extLst>
+      <p:ext uri="{BB962C8B-B14F-4D97-AF65-F5344CB8AC3E}">
+        <p14:creationId xmlns:p14="http://schemas.microsoft.com/office/powerpoint/2010/main" val="770722518"/>
+      </p:ext>
+    </p:extLst>
+  </p:cSld>
+  <p:clrMapOvr>
+    <a:masterClrMapping/>
+  </p:clrMapOvr>
+</p:sld>
+</file>
+
+<file path=ppt/slides/slide5.xml><?xml version="1.0" encoding="utf-8"?>
+<p:sld xmlns:a="http://schemas.openxmlformats.org/drawingml/2006/main" xmlns:r="http://schemas.openxmlformats.org/officeDocument/2006/relationships" xmlns:p="http://schemas.openxmlformats.org/presentationml/2006/main">
+  <p:cSld>
+    <p:spTree>
+      <p:nvGrpSpPr>
+        <p:cNvPr id="1" name=""/>
+        <p:cNvGrpSpPr/>
+        <p:nvPr/>
+      </p:nvGrpSpPr>
+      <p:grpSpPr>
+        <a:xfrm>
+          <a:off x="0" y="0"/>
+          <a:ext cx="0" cy="0"/>
+          <a:chOff x="0" y="0"/>
+          <a:chExt cx="0" cy="0"/>
+        </a:xfrm>
+      </p:grpSpPr>
+      <p:sp>
+        <p:nvSpPr>
+          <p:cNvPr id="2" name="Title 1"/>
+          <p:cNvSpPr>
+            <a:spLocks noGrp="1"/>
+          </p:cNvSpPr>
+          <p:nvPr>
+            <p:ph type="title"/>
+          </p:nvPr>
+        </p:nvSpPr>
+        <p:spPr/>
+        <p:txBody>
+          <a:bodyPr/>
+          <a:lstStyle/>
+          <a:p>
+            <a:r>
+              <a:rPr lang="en-US" dirty="0" smtClean="0"/>
               <a:t>Examples</a:t>
             </a:r>
             <a:r>
@@ -7420,7 +8805,7 @@
 </p:sld>
 </file>
 
-<file path=ppt/slides/slide5.xml><?xml version="1.0" encoding="utf-8"?>
+<file path=ppt/slides/slide6.xml><?xml version="1.0" encoding="utf-8"?>
 <p:sld xmlns:a="http://schemas.openxmlformats.org/drawingml/2006/main" xmlns:r="http://schemas.openxmlformats.org/officeDocument/2006/relationships" xmlns:p="http://schemas.openxmlformats.org/presentationml/2006/main">
   <p:cSld>
     <p:spTree>
@@ -7559,104 +8944,6 @@
 </p:sld>
 </file>
 
-<file path=ppt/slides/slide6.xml><?xml version="1.0" encoding="utf-8"?>
-<p:sld xmlns:a="http://schemas.openxmlformats.org/drawingml/2006/main" xmlns:r="http://schemas.openxmlformats.org/officeDocument/2006/relationships" xmlns:p="http://schemas.openxmlformats.org/presentationml/2006/main">
-  <p:cSld>
-    <p:spTree>
-      <p:nvGrpSpPr>
-        <p:cNvPr id="1" name=""/>
-        <p:cNvGrpSpPr/>
-        <p:nvPr/>
-      </p:nvGrpSpPr>
-      <p:grpSpPr>
-        <a:xfrm>
-          <a:off x="0" y="0"/>
-          <a:ext cx="0" cy="0"/>
-          <a:chOff x="0" y="0"/>
-          <a:chExt cx="0" cy="0"/>
-        </a:xfrm>
-      </p:grpSpPr>
-      <p:sp>
-        <p:nvSpPr>
-          <p:cNvPr id="2" name="Title 1"/>
-          <p:cNvSpPr>
-            <a:spLocks noGrp="1"/>
-          </p:cNvSpPr>
-          <p:nvPr>
-            <p:ph type="title"/>
-          </p:nvPr>
-        </p:nvSpPr>
-        <p:spPr/>
-        <p:txBody>
-          <a:bodyPr/>
-          <a:lstStyle/>
-          <a:p>
-            <a:r>
-              <a:rPr lang="en-US" dirty="0" smtClean="0"/>
-              <a:t>State</a:t>
-            </a:r>
-            <a:r>
-              <a:rPr lang="en-US" baseline="0" dirty="0" smtClean="0"/>
-              <a:t> is everywhere</a:t>
-            </a:r>
-            <a:endParaRPr lang="en-US" dirty="0"/>
-          </a:p>
-        </p:txBody>
-      </p:sp>
-      <p:sp>
-        <p:nvSpPr>
-          <p:cNvPr id="3" name="Content Placeholder 2"/>
-          <p:cNvSpPr>
-            <a:spLocks noGrp="1"/>
-          </p:cNvSpPr>
-          <p:nvPr>
-            <p:ph idx="1"/>
-          </p:nvPr>
-        </p:nvSpPr>
-        <p:spPr/>
-        <p:txBody>
-          <a:bodyPr/>
-          <a:lstStyle/>
-          <a:p>
-            <a:pPr lvl="0"/>
-            <a:r>
-              <a:rPr lang="en-US" dirty="0" smtClean="0"/>
-              <a:t>Date</a:t>
-            </a:r>
-          </a:p>
-          <a:p>
-            <a:r>
-              <a:rPr lang="en-US" dirty="0" smtClean="0"/>
-              <a:t>beans</a:t>
-            </a:r>
-          </a:p>
-          <a:p>
-            <a:r>
-              <a:rPr lang="en-US" dirty="0" smtClean="0"/>
-              <a:t>Collections</a:t>
-            </a:r>
-          </a:p>
-          <a:p>
-            <a:r>
-              <a:rPr lang="en-US" dirty="0" smtClean="0"/>
-              <a:t>Arrays</a:t>
-            </a:r>
-          </a:p>
-        </p:txBody>
-      </p:sp>
-    </p:spTree>
-    <p:extLst>
-      <p:ext uri="{BB962C8B-B14F-4D97-AF65-F5344CB8AC3E}">
-        <p14:creationId xmlns:p14="http://schemas.microsoft.com/office/powerpoint/2010/main" val="1043613967"/>
-      </p:ext>
-    </p:extLst>
-  </p:cSld>
-  <p:clrMapOvr>
-    <a:masterClrMapping/>
-  </p:clrMapOvr>
-</p:sld>
-</file>
-
 <file path=ppt/slides/slide7.xml><?xml version="1.0" encoding="utf-8"?>
 <p:sld xmlns:a="http://schemas.openxmlformats.org/drawingml/2006/main" xmlns:r="http://schemas.openxmlformats.org/officeDocument/2006/relationships" xmlns:p="http://schemas.openxmlformats.org/presentationml/2006/main">
   <p:cSld>
@@ -7691,11 +8978,11 @@
           <a:p>
             <a:r>
               <a:rPr lang="en-US" dirty="0" smtClean="0"/>
-              <a:t>Ways to use</a:t>
+              <a:t>State</a:t>
             </a:r>
             <a:r>
               <a:rPr lang="en-US" baseline="0" dirty="0" smtClean="0"/>
-              <a:t> minimize state</a:t>
+              <a:t> is everywhere</a:t>
             </a:r>
             <a:endParaRPr lang="en-US" dirty="0"/>
           </a:p>
@@ -7716,36 +9003,36 @@
           <a:bodyPr/>
           <a:lstStyle/>
           <a:p>
+            <a:pPr lvl="0"/>
             <a:r>
               <a:rPr lang="en-US" dirty="0" smtClean="0"/>
-              <a:t>Use Factories and Builders</a:t>
+              <a:t>Date</a:t>
             </a:r>
           </a:p>
           <a:p>
             <a:r>
               <a:rPr lang="en-US" dirty="0" smtClean="0"/>
-              <a:t>talk to abstractions</a:t>
-            </a:r>
-          </a:p>
-          <a:p>
-            <a:r>
-              <a:rPr lang="en-US" baseline="0" dirty="0" smtClean="0"/>
-              <a:t>Create immutable objects</a:t>
-            </a:r>
-          </a:p>
-          <a:p>
-            <a:r>
-              <a:rPr lang="en-US" baseline="0" dirty="0" smtClean="0"/>
-              <a:t>It is a conscious decision</a:t>
-            </a:r>
-            <a:endParaRPr lang="en-US" dirty="0"/>
+              <a:t>beans</a:t>
+            </a:r>
+          </a:p>
+          <a:p>
+            <a:r>
+              <a:rPr lang="en-US" dirty="0" smtClean="0"/>
+              <a:t>Collections</a:t>
+            </a:r>
+          </a:p>
+          <a:p>
+            <a:r>
+              <a:rPr lang="en-US" dirty="0" smtClean="0"/>
+              <a:t>Arrays</a:t>
+            </a:r>
           </a:p>
         </p:txBody>
       </p:sp>
     </p:spTree>
     <p:extLst>
       <p:ext uri="{BB962C8B-B14F-4D97-AF65-F5344CB8AC3E}">
-        <p14:creationId xmlns:p14="http://schemas.microsoft.com/office/powerpoint/2010/main" val="3354480763"/>
+        <p14:creationId xmlns:p14="http://schemas.microsoft.com/office/powerpoint/2010/main" val="1043613967"/>
       </p:ext>
     </p:extLst>
   </p:cSld>
@@ -7789,11 +9076,11 @@
           <a:p>
             <a:r>
               <a:rPr lang="en-US" dirty="0" smtClean="0"/>
-              <a:t>Using</a:t>
+              <a:t>Ways to use</a:t>
             </a:r>
             <a:r>
               <a:rPr lang="en-US" baseline="0" dirty="0" smtClean="0"/>
-              <a:t> state and values</a:t>
+              <a:t> minimize state</a:t>
             </a:r>
             <a:endParaRPr lang="en-US" dirty="0"/>
           </a:p>
@@ -7811,44 +9098,69 @@
         </p:nvSpPr>
         <p:spPr/>
         <p:txBody>
-          <a:bodyPr/>
+          <a:bodyPr numCol="2"/>
           <a:lstStyle/>
           <a:p>
             <a:r>
               <a:rPr lang="en-US" dirty="0" smtClean="0"/>
-              <a:t>Minimize and localize</a:t>
-            </a:r>
-            <a:r>
-              <a:rPr lang="en-US" baseline="0" dirty="0" smtClean="0"/>
-              <a:t> state</a:t>
-            </a:r>
-          </a:p>
-          <a:p>
-            <a:pPr lvl="1"/>
-            <a:r>
-              <a:rPr lang="en-US" baseline="0" dirty="0" smtClean="0"/>
-              <a:t>Centralize state – every object needs a value, not  state</a:t>
-            </a:r>
-          </a:p>
-          <a:p>
-            <a:pPr lvl="1"/>
-            <a:r>
-              <a:rPr lang="en-US" baseline="0" dirty="0" smtClean="0"/>
-              <a:t>Façade pattern</a:t>
-            </a:r>
-          </a:p>
-          <a:p>
-            <a:r>
-              <a:rPr lang="en-US" baseline="0" dirty="0" smtClean="0"/>
-              <a:t>Favor pure functions</a:t>
-            </a:r>
+              <a:t>Create immutable objects</a:t>
+            </a:r>
+          </a:p>
+          <a:p>
+            <a:r>
+              <a:rPr lang="en-US" dirty="0" smtClean="0"/>
+              <a:t>Use </a:t>
+            </a:r>
+            <a:r>
+              <a:rPr lang="en-US" dirty="0" smtClean="0"/>
+              <a:t>Factories and Builders</a:t>
+            </a:r>
+          </a:p>
+          <a:p>
+            <a:r>
+              <a:rPr lang="en-US" dirty="0" smtClean="0"/>
+              <a:t>Talk </a:t>
+            </a:r>
+            <a:r>
+              <a:rPr lang="en-US" dirty="0" smtClean="0"/>
+              <a:t>to abstractions</a:t>
+            </a:r>
+          </a:p>
+          <a:p>
+            <a:pPr marL="0" indent="0">
+              <a:buNone/>
+            </a:pPr>
+            <a:endParaRPr lang="en-US" baseline="0" dirty="0" smtClean="0"/>
+          </a:p>
+          <a:p>
+            <a:endParaRPr lang="en-US" baseline="0" dirty="0" smtClean="0"/>
+          </a:p>
+          <a:p>
+            <a:endParaRPr lang="en-US" baseline="0" dirty="0" smtClean="0"/>
+          </a:p>
+          <a:p>
+            <a:endParaRPr lang="en-US" baseline="0" dirty="0" smtClean="0"/>
+          </a:p>
+          <a:p>
+            <a:pPr marL="0" indent="0">
+              <a:buNone/>
+            </a:pPr>
+            <a:r>
+              <a:rPr lang="en-US" i="1" baseline="0" dirty="0" smtClean="0"/>
+              <a:t>It is a conscious </a:t>
+            </a:r>
+            <a:r>
+              <a:rPr lang="en-US" i="1" baseline="0" dirty="0" smtClean="0"/>
+              <a:t>decision and work in Java</a:t>
+            </a:r>
+            <a:endParaRPr lang="en-US" i="1" dirty="0"/>
           </a:p>
         </p:txBody>
       </p:sp>
     </p:spTree>
     <p:extLst>
       <p:ext uri="{BB962C8B-B14F-4D97-AF65-F5344CB8AC3E}">
-        <p14:creationId xmlns:p14="http://schemas.microsoft.com/office/powerpoint/2010/main" val="2183352308"/>
+        <p14:creationId xmlns:p14="http://schemas.microsoft.com/office/powerpoint/2010/main" val="3354480763"/>
       </p:ext>
     </p:extLst>
   </p:cSld>
@@ -7892,7 +9204,11 @@
           <a:p>
             <a:r>
               <a:rPr lang="en-US" dirty="0" smtClean="0"/>
-              <a:t>Pure Functions</a:t>
+              <a:t>Using</a:t>
+            </a:r>
+            <a:r>
+              <a:rPr lang="en-US" baseline="0" dirty="0" smtClean="0"/>
+              <a:t> state and values</a:t>
             </a:r>
             <a:endParaRPr lang="en-US" dirty="0"/>
           </a:p>
@@ -7915,34 +9231,52 @@
           <a:p>
             <a:r>
               <a:rPr lang="en-US" dirty="0" smtClean="0"/>
-              <a:t>Thinks “math</a:t>
+              <a:t>Minimize and localize</a:t>
             </a:r>
             <a:r>
               <a:rPr lang="en-US" baseline="0" dirty="0" smtClean="0"/>
-              <a:t> functions”</a:t>
-            </a:r>
-            <a:endParaRPr lang="en-US" dirty="0" smtClean="0"/>
-          </a:p>
-          <a:p>
+              <a:t> state</a:t>
+            </a:r>
+          </a:p>
+          <a:p>
+            <a:pPr lvl="1"/>
+            <a:r>
+              <a:rPr lang="en-US" baseline="0" dirty="0" smtClean="0"/>
+              <a:t>Centralize state – every object needs a value, not  </a:t>
+            </a:r>
+            <a:r>
+              <a:rPr lang="en-US" baseline="0" dirty="0" smtClean="0"/>
+              <a:t>state</a:t>
+            </a:r>
+          </a:p>
+          <a:p>
+            <a:pPr lvl="1"/>
             <a:r>
               <a:rPr lang="en-US" dirty="0" smtClean="0"/>
-              <a:t>Functions</a:t>
-            </a:r>
+              <a:t>Localize state – keep state in a method, do not let it escape</a:t>
+            </a:r>
+            <a:endParaRPr lang="en-US" baseline="0" dirty="0" smtClean="0"/>
+          </a:p>
+          <a:p>
+            <a:pPr lvl="1"/>
             <a:r>
               <a:rPr lang="en-US" baseline="0" dirty="0" smtClean="0"/>
-              <a:t> vs methods</a:t>
-            </a:r>
-          </a:p>
-          <a:p>
+              <a:t>Façade </a:t>
+            </a:r>
             <a:r>
               <a:rPr lang="en-US" baseline="0" dirty="0" smtClean="0"/>
-              <a:t>Treating all inputs and outputs as values</a:t>
-            </a:r>
+              <a:t>pattern – make a state look like a</a:t>
+            </a:r>
+            <a:r>
+              <a:rPr lang="en-US" dirty="0" smtClean="0"/>
+              <a:t> value – it is only state if it actually changes</a:t>
+            </a:r>
+            <a:endParaRPr lang="en-US" baseline="0" dirty="0" smtClean="0"/>
           </a:p>
           <a:p>
             <a:r>
               <a:rPr lang="en-US" baseline="0" dirty="0" smtClean="0"/>
-              <a:t>Separate data from functions</a:t>
+              <a:t>Favor pure functions</a:t>
             </a:r>
           </a:p>
         </p:txBody>
@@ -7950,7 +9284,7 @@
     </p:spTree>
     <p:extLst>
       <p:ext uri="{BB962C8B-B14F-4D97-AF65-F5344CB8AC3E}">
-        <p14:creationId xmlns:p14="http://schemas.microsoft.com/office/powerpoint/2010/main" val="2404869502"/>
+        <p14:creationId xmlns:p14="http://schemas.microsoft.com/office/powerpoint/2010/main" val="2183352308"/>
       </p:ext>
     </p:extLst>
   </p:cSld>
@@ -8214,4 +9548,265 @@
     </a:ext>
   </a:extLst>
 </a:theme>
+</file>
+
+<file path=ppt/theme/theme2.xml><?xml version="1.0" encoding="utf-8"?>
+<a:theme xmlns:a="http://schemas.openxmlformats.org/drawingml/2006/main" name="Office Theme">
+  <a:themeElements>
+    <a:clrScheme name="Office">
+      <a:dk1>
+        <a:sysClr val="windowText" lastClr="000000"/>
+      </a:dk1>
+      <a:lt1>
+        <a:sysClr val="window" lastClr="FFFFFF"/>
+      </a:lt1>
+      <a:dk2>
+        <a:srgbClr val="44546A"/>
+      </a:dk2>
+      <a:lt2>
+        <a:srgbClr val="E7E6E6"/>
+      </a:lt2>
+      <a:accent1>
+        <a:srgbClr val="5B9BD5"/>
+      </a:accent1>
+      <a:accent2>
+        <a:srgbClr val="ED7D31"/>
+      </a:accent2>
+      <a:accent3>
+        <a:srgbClr val="A5A5A5"/>
+      </a:accent3>
+      <a:accent4>
+        <a:srgbClr val="FFC000"/>
+      </a:accent4>
+      <a:accent5>
+        <a:srgbClr val="4472C4"/>
+      </a:accent5>
+      <a:accent6>
+        <a:srgbClr val="70AD47"/>
+      </a:accent6>
+      <a:hlink>
+        <a:srgbClr val="0563C1"/>
+      </a:hlink>
+      <a:folHlink>
+        <a:srgbClr val="954F72"/>
+      </a:folHlink>
+    </a:clrScheme>
+    <a:fontScheme name="Office">
+      <a:majorFont>
+        <a:latin typeface="Calibri Light" panose="020F0302020204030204"/>
+        <a:ea typeface=""/>
+        <a:cs typeface=""/>
+        <a:font script="Jpan" typeface="ＭＳ Ｐゴシック"/>
+        <a:font script="Hang" typeface="맑은 고딕"/>
+        <a:font script="Hans" typeface="宋体"/>
+        <a:font script="Hant" typeface="新細明體"/>
+        <a:font script="Arab" typeface="Times New Roman"/>
+        <a:font script="Hebr" typeface="Times New Roman"/>
+        <a:font script="Thai" typeface="Angsana New"/>
+        <a:font script="Ethi" typeface="Nyala"/>
+        <a:font script="Beng" typeface="Vrinda"/>
+        <a:font script="Gujr" typeface="Shruti"/>
+        <a:font script="Khmr" typeface="MoolBoran"/>
+        <a:font script="Knda" typeface="Tunga"/>
+        <a:font script="Guru" typeface="Raavi"/>
+        <a:font script="Cans" typeface="Euphemia"/>
+        <a:font script="Cher" typeface="Plantagenet Cherokee"/>
+        <a:font script="Yiii" typeface="Microsoft Yi Baiti"/>
+        <a:font script="Tibt" typeface="Microsoft Himalaya"/>
+        <a:font script="Thaa" typeface="MV Boli"/>
+        <a:font script="Deva" typeface="Mangal"/>
+        <a:font script="Telu" typeface="Gautami"/>
+        <a:font script="Taml" typeface="Latha"/>
+        <a:font script="Syrc" typeface="Estrangelo Edessa"/>
+        <a:font script="Orya" typeface="Kalinga"/>
+        <a:font script="Mlym" typeface="Kartika"/>
+        <a:font script="Laoo" typeface="DokChampa"/>
+        <a:font script="Sinh" typeface="Iskoola Pota"/>
+        <a:font script="Mong" typeface="Mongolian Baiti"/>
+        <a:font script="Viet" typeface="Times New Roman"/>
+        <a:font script="Uigh" typeface="Microsoft Uighur"/>
+        <a:font script="Geor" typeface="Sylfaen"/>
+      </a:majorFont>
+      <a:minorFont>
+        <a:latin typeface="Calibri" panose="020F0502020204030204"/>
+        <a:ea typeface=""/>
+        <a:cs typeface=""/>
+        <a:font script="Jpan" typeface="ＭＳ Ｐゴシック"/>
+        <a:font script="Hang" typeface="맑은 고딕"/>
+        <a:font script="Hans" typeface="宋体"/>
+        <a:font script="Hant" typeface="新細明體"/>
+        <a:font script="Arab" typeface="Arial"/>
+        <a:font script="Hebr" typeface="Arial"/>
+        <a:font script="Thai" typeface="Cordia New"/>
+        <a:font script="Ethi" typeface="Nyala"/>
+        <a:font script="Beng" typeface="Vrinda"/>
+        <a:font script="Gujr" typeface="Shruti"/>
+        <a:font script="Khmr" typeface="DaunPenh"/>
+        <a:font script="Knda" typeface="Tunga"/>
+        <a:font script="Guru" typeface="Raavi"/>
+        <a:font script="Cans" typeface="Euphemia"/>
+        <a:font script="Cher" typeface="Plantagenet Cherokee"/>
+        <a:font script="Yiii" typeface="Microsoft Yi Baiti"/>
+        <a:font script="Tibt" typeface="Microsoft Himalaya"/>
+        <a:font script="Thaa" typeface="MV Boli"/>
+        <a:font script="Deva" typeface="Mangal"/>
+        <a:font script="Telu" typeface="Gautami"/>
+        <a:font script="Taml" typeface="Latha"/>
+        <a:font script="Syrc" typeface="Estrangelo Edessa"/>
+        <a:font script="Orya" typeface="Kalinga"/>
+        <a:font script="Mlym" typeface="Kartika"/>
+        <a:font script="Laoo" typeface="DokChampa"/>
+        <a:font script="Sinh" typeface="Iskoola Pota"/>
+        <a:font script="Mong" typeface="Mongolian Baiti"/>
+        <a:font script="Viet" typeface="Arial"/>
+        <a:font script="Uigh" typeface="Microsoft Uighur"/>
+        <a:font script="Geor" typeface="Sylfaen"/>
+      </a:minorFont>
+    </a:fontScheme>
+    <a:fmtScheme name="Office">
+      <a:fillStyleLst>
+        <a:solidFill>
+          <a:schemeClr val="phClr"/>
+        </a:solidFill>
+        <a:gradFill rotWithShape="1">
+          <a:gsLst>
+            <a:gs pos="0">
+              <a:schemeClr val="phClr">
+                <a:lumMod val="110000"/>
+                <a:satMod val="105000"/>
+                <a:tint val="67000"/>
+              </a:schemeClr>
+            </a:gs>
+            <a:gs pos="50000">
+              <a:schemeClr val="phClr">
+                <a:lumMod val="105000"/>
+                <a:satMod val="103000"/>
+                <a:tint val="73000"/>
+              </a:schemeClr>
+            </a:gs>
+            <a:gs pos="100000">
+              <a:schemeClr val="phClr">
+                <a:lumMod val="105000"/>
+                <a:satMod val="109000"/>
+                <a:tint val="81000"/>
+              </a:schemeClr>
+            </a:gs>
+          </a:gsLst>
+          <a:lin ang="5400000" scaled="0"/>
+        </a:gradFill>
+        <a:gradFill rotWithShape="1">
+          <a:gsLst>
+            <a:gs pos="0">
+              <a:schemeClr val="phClr">
+                <a:satMod val="103000"/>
+                <a:lumMod val="102000"/>
+                <a:tint val="94000"/>
+              </a:schemeClr>
+            </a:gs>
+            <a:gs pos="50000">
+              <a:schemeClr val="phClr">
+                <a:satMod val="110000"/>
+                <a:lumMod val="100000"/>
+                <a:shade val="100000"/>
+              </a:schemeClr>
+            </a:gs>
+            <a:gs pos="100000">
+              <a:schemeClr val="phClr">
+                <a:lumMod val="99000"/>
+                <a:satMod val="120000"/>
+                <a:shade val="78000"/>
+              </a:schemeClr>
+            </a:gs>
+          </a:gsLst>
+          <a:lin ang="5400000" scaled="0"/>
+        </a:gradFill>
+      </a:fillStyleLst>
+      <a:lnStyleLst>
+        <a:ln w="6350" cap="flat" cmpd="sng" algn="ctr">
+          <a:solidFill>
+            <a:schemeClr val="phClr"/>
+          </a:solidFill>
+          <a:prstDash val="solid"/>
+          <a:miter lim="800000"/>
+        </a:ln>
+        <a:ln w="12700" cap="flat" cmpd="sng" algn="ctr">
+          <a:solidFill>
+            <a:schemeClr val="phClr"/>
+          </a:solidFill>
+          <a:prstDash val="solid"/>
+          <a:miter lim="800000"/>
+        </a:ln>
+        <a:ln w="19050" cap="flat" cmpd="sng" algn="ctr">
+          <a:solidFill>
+            <a:schemeClr val="phClr"/>
+          </a:solidFill>
+          <a:prstDash val="solid"/>
+          <a:miter lim="800000"/>
+        </a:ln>
+      </a:lnStyleLst>
+      <a:effectStyleLst>
+        <a:effectStyle>
+          <a:effectLst/>
+        </a:effectStyle>
+        <a:effectStyle>
+          <a:effectLst/>
+        </a:effectStyle>
+        <a:effectStyle>
+          <a:effectLst>
+            <a:outerShdw blurRad="57150" dist="19050" dir="5400000" algn="ctr" rotWithShape="0">
+              <a:srgbClr val="000000">
+                <a:alpha val="63000"/>
+              </a:srgbClr>
+            </a:outerShdw>
+          </a:effectLst>
+        </a:effectStyle>
+      </a:effectStyleLst>
+      <a:bgFillStyleLst>
+        <a:solidFill>
+          <a:schemeClr val="phClr"/>
+        </a:solidFill>
+        <a:solidFill>
+          <a:schemeClr val="phClr">
+            <a:tint val="95000"/>
+            <a:satMod val="170000"/>
+          </a:schemeClr>
+        </a:solidFill>
+        <a:gradFill rotWithShape="1">
+          <a:gsLst>
+            <a:gs pos="0">
+              <a:schemeClr val="phClr">
+                <a:tint val="93000"/>
+                <a:satMod val="150000"/>
+                <a:shade val="98000"/>
+                <a:lumMod val="102000"/>
+              </a:schemeClr>
+            </a:gs>
+            <a:gs pos="50000">
+              <a:schemeClr val="phClr">
+                <a:tint val="98000"/>
+                <a:satMod val="130000"/>
+                <a:shade val="90000"/>
+                <a:lumMod val="103000"/>
+              </a:schemeClr>
+            </a:gs>
+            <a:gs pos="100000">
+              <a:schemeClr val="phClr">
+                <a:shade val="63000"/>
+                <a:satMod val="120000"/>
+              </a:schemeClr>
+            </a:gs>
+          </a:gsLst>
+          <a:lin ang="5400000" scaled="0"/>
+        </a:gradFill>
+      </a:bgFillStyleLst>
+    </a:fmtScheme>
+  </a:themeElements>
+  <a:objectDefaults/>
+  <a:extraClrSchemeLst/>
+  <a:extLst>
+    <a:ext uri="{05A4C25C-085E-4340-85A3-A5531E510DB2}">
+      <thm15:themeFamily xmlns:thm15="http://schemas.microsoft.com/office/thememl/2012/main" name="Office Theme" id="{62F939B6-93AF-4DB8-9C6B-D6C7DFDC589F}" vid="{4A3C46E8-61CC-4603-A589-7422A47A8E4A}"/>
+    </a:ext>
+  </a:extLst>
+</a:theme>
 </file>
--- a/FunctionalProgrammingForJavaDevelopers/ppt/Functional Programming for Object-Oriented Developers.pptx
+++ b/FunctionalProgrammingForJavaDevelopers/ppt/Functional Programming for Object-Oriented Developers.pptx
@@ -5,7 +5,7 @@
     <p:sldMasterId id="2147483648" r:id="rId1"/>
   </p:sldMasterIdLst>
   <p:notesMasterIdLst>
-    <p:notesMasterId r:id="rId20"/>
+    <p:notesMasterId r:id="rId21"/>
   </p:notesMasterIdLst>
   <p:sldIdLst>
     <p:sldId id="256" r:id="rId2"/>
@@ -16,16 +16,17 @@
     <p:sldId id="261" r:id="rId7"/>
     <p:sldId id="264" r:id="rId8"/>
     <p:sldId id="265" r:id="rId9"/>
-    <p:sldId id="262" r:id="rId10"/>
-    <p:sldId id="263" r:id="rId11"/>
-    <p:sldId id="267" r:id="rId12"/>
-    <p:sldId id="266" r:id="rId13"/>
-    <p:sldId id="268" r:id="rId14"/>
-    <p:sldId id="270" r:id="rId15"/>
-    <p:sldId id="272" r:id="rId16"/>
-    <p:sldId id="271" r:id="rId17"/>
-    <p:sldId id="257" r:id="rId18"/>
-    <p:sldId id="269" r:id="rId19"/>
+    <p:sldId id="274" r:id="rId10"/>
+    <p:sldId id="262" r:id="rId11"/>
+    <p:sldId id="263" r:id="rId12"/>
+    <p:sldId id="267" r:id="rId13"/>
+    <p:sldId id="266" r:id="rId14"/>
+    <p:sldId id="268" r:id="rId15"/>
+    <p:sldId id="270" r:id="rId16"/>
+    <p:sldId id="272" r:id="rId17"/>
+    <p:sldId id="271" r:id="rId18"/>
+    <p:sldId id="257" r:id="rId19"/>
+    <p:sldId id="269" r:id="rId20"/>
   </p:sldIdLst>
   <p:sldSz cx="12192000" cy="6858000"/>
   <p:notesSz cx="6858000" cy="9144000"/>
@@ -214,7 +215,7 @@
           <a:p>
             <a:fld id="{8B6DED0A-447E-4A30-8199-4B8973620305}" type="datetimeFigureOut">
               <a:rPr lang="en-US" smtClean="0"/>
-              <a:t>6/9/2014</a:t>
+              <a:t>10/15/2014</a:t>
             </a:fld>
             <a:endParaRPr lang="en-US"/>
           </a:p>
@@ -551,7 +552,7 @@
           <a:p>
             <a:fld id="{4BA51557-0C11-4F36-B898-71E0648F520F}" type="slidenum">
               <a:rPr lang="en-US" smtClean="0"/>
-              <a:t>16</a:t>
+              <a:t>17</a:t>
             </a:fld>
             <a:endParaRPr lang="en-US"/>
           </a:p>
@@ -1073,7 +1074,7 @@
             <a:fld id="{B61BEF0D-F0BB-DE4B-95CE-6DB70DBA9567}" type="datetimeFigureOut">
               <a:rPr lang="en-US" dirty="0"/>
               <a:pPr/>
-              <a:t>6/9/2014</a:t>
+              <a:t>10/15/2014</a:t>
             </a:fld>
             <a:endParaRPr lang="en-US" dirty="0"/>
           </a:p>
@@ -1366,7 +1367,7 @@
             <a:fld id="{B61BEF0D-F0BB-DE4B-95CE-6DB70DBA9567}" type="datetimeFigureOut">
               <a:rPr lang="en-US" dirty="0"/>
               <a:pPr/>
-              <a:t>6/9/2014</a:t>
+              <a:t>10/15/2014</a:t>
             </a:fld>
             <a:endParaRPr lang="en-US" dirty="0"/>
           </a:p>
@@ -1611,7 +1612,7 @@
             <a:fld id="{B61BEF0D-F0BB-DE4B-95CE-6DB70DBA9567}" type="datetimeFigureOut">
               <a:rPr lang="en-US" dirty="0"/>
               <a:pPr/>
-              <a:t>6/9/2014</a:t>
+              <a:t>10/15/2014</a:t>
             </a:fld>
             <a:endParaRPr lang="en-US" dirty="0"/>
           </a:p>
@@ -2148,7 +2149,7 @@
             <a:fld id="{B61BEF0D-F0BB-DE4B-95CE-6DB70DBA9567}" type="datetimeFigureOut">
               <a:rPr lang="en-US" dirty="0"/>
               <a:pPr/>
-              <a:t>6/9/2014</a:t>
+              <a:t>10/15/2014</a:t>
             </a:fld>
             <a:endParaRPr lang="en-US" dirty="0"/>
           </a:p>
@@ -2393,7 +2394,7 @@
             <a:fld id="{B61BEF0D-F0BB-DE4B-95CE-6DB70DBA9567}" type="datetimeFigureOut">
               <a:rPr lang="en-US" dirty="0"/>
               <a:pPr/>
-              <a:t>6/9/2014</a:t>
+              <a:t>10/15/2014</a:t>
             </a:fld>
             <a:endParaRPr lang="en-US" dirty="0"/>
           </a:p>
@@ -2922,7 +2923,7 @@
             <a:fld id="{B61BEF0D-F0BB-DE4B-95CE-6DB70DBA9567}" type="datetimeFigureOut">
               <a:rPr lang="en-US" dirty="0"/>
               <a:pPr/>
-              <a:t>6/9/2014</a:t>
+              <a:t>10/15/2014</a:t>
             </a:fld>
             <a:endParaRPr lang="en-US" dirty="0"/>
           </a:p>
@@ -3216,7 +3217,7 @@
             <a:fld id="{B61BEF0D-F0BB-DE4B-95CE-6DB70DBA9567}" type="datetimeFigureOut">
               <a:rPr lang="en-US" dirty="0"/>
               <a:pPr/>
-              <a:t>6/9/2014</a:t>
+              <a:t>10/15/2014</a:t>
             </a:fld>
             <a:endParaRPr lang="en-US" dirty="0"/>
           </a:p>
@@ -3387,7 +3388,7 @@
             <a:fld id="{B61BEF0D-F0BB-DE4B-95CE-6DB70DBA9567}" type="datetimeFigureOut">
               <a:rPr lang="en-US" dirty="0"/>
               <a:pPr/>
-              <a:t>6/9/2014</a:t>
+              <a:t>10/15/2014</a:t>
             </a:fld>
             <a:endParaRPr lang="en-US" dirty="0"/>
           </a:p>
@@ -3564,7 +3565,7 @@
             <a:fld id="{B61BEF0D-F0BB-DE4B-95CE-6DB70DBA9567}" type="datetimeFigureOut">
               <a:rPr lang="en-US" dirty="0"/>
               <a:pPr/>
-              <a:t>6/9/2014</a:t>
+              <a:t>10/15/2014</a:t>
             </a:fld>
             <a:endParaRPr lang="en-US" dirty="0"/>
           </a:p>
@@ -3731,7 +3732,7 @@
             <a:fld id="{B61BEF0D-F0BB-DE4B-95CE-6DB70DBA9567}" type="datetimeFigureOut">
               <a:rPr lang="en-US" dirty="0"/>
               <a:pPr/>
-              <a:t>6/9/2014</a:t>
+              <a:t>10/15/2014</a:t>
             </a:fld>
             <a:endParaRPr lang="en-US" dirty="0"/>
           </a:p>
@@ -3979,7 +3980,7 @@
             <a:fld id="{B61BEF0D-F0BB-DE4B-95CE-6DB70DBA9567}" type="datetimeFigureOut">
               <a:rPr lang="en-US" dirty="0"/>
               <a:pPr/>
-              <a:t>6/9/2014</a:t>
+              <a:t>10/15/2014</a:t>
             </a:fld>
             <a:endParaRPr lang="en-US" dirty="0"/>
           </a:p>
@@ -4273,7 +4274,7 @@
             <a:fld id="{B61BEF0D-F0BB-DE4B-95CE-6DB70DBA9567}" type="datetimeFigureOut">
               <a:rPr lang="en-US" dirty="0"/>
               <a:pPr/>
-              <a:t>6/9/2014</a:t>
+              <a:t>10/15/2014</a:t>
             </a:fld>
             <a:endParaRPr lang="en-US" dirty="0"/>
           </a:p>
@@ -4712,7 +4713,7 @@
             <a:fld id="{B61BEF0D-F0BB-DE4B-95CE-6DB70DBA9567}" type="datetimeFigureOut">
               <a:rPr lang="en-US" dirty="0"/>
               <a:pPr/>
-              <a:t>6/9/2014</a:t>
+              <a:t>10/15/2014</a:t>
             </a:fld>
             <a:endParaRPr lang="en-US" dirty="0"/>
           </a:p>
@@ -4827,7 +4828,7 @@
             <a:fld id="{B61BEF0D-F0BB-DE4B-95CE-6DB70DBA9567}" type="datetimeFigureOut">
               <a:rPr lang="en-US" dirty="0"/>
               <a:pPr/>
-              <a:t>6/9/2014</a:t>
+              <a:t>10/15/2014</a:t>
             </a:fld>
             <a:endParaRPr lang="en-US" dirty="0"/>
           </a:p>
@@ -4919,7 +4920,7 @@
             <a:fld id="{B61BEF0D-F0BB-DE4B-95CE-6DB70DBA9567}" type="datetimeFigureOut">
               <a:rPr lang="en-US" dirty="0"/>
               <a:pPr/>
-              <a:t>6/9/2014</a:t>
+              <a:t>10/15/2014</a:t>
             </a:fld>
             <a:endParaRPr lang="en-US" dirty="0"/>
           </a:p>
@@ -5199,7 +5200,7 @@
             <a:fld id="{B61BEF0D-F0BB-DE4B-95CE-6DB70DBA9567}" type="datetimeFigureOut">
               <a:rPr lang="en-US" dirty="0"/>
               <a:pPr/>
-              <a:t>6/9/2014</a:t>
+              <a:t>10/15/2014</a:t>
             </a:fld>
             <a:endParaRPr lang="en-US" dirty="0"/>
           </a:p>
@@ -5487,7 +5488,7 @@
             <a:fld id="{B61BEF0D-F0BB-DE4B-95CE-6DB70DBA9567}" type="datetimeFigureOut">
               <a:rPr lang="en-US" dirty="0"/>
               <a:pPr/>
-              <a:t>6/9/2014</a:t>
+              <a:t>10/15/2014</a:t>
             </a:fld>
             <a:endParaRPr lang="en-US" dirty="0"/>
           </a:p>
@@ -6014,7 +6015,7 @@
             <a:fld id="{B61BEF0D-F0BB-DE4B-95CE-6DB70DBA9567}" type="datetimeFigureOut">
               <a:rPr lang="en-US" dirty="0"/>
               <a:pPr/>
-              <a:t>6/9/2014</a:t>
+              <a:t>10/15/2014</a:t>
             </a:fld>
             <a:endParaRPr lang="en-US" dirty="0"/>
           </a:p>
@@ -6654,7 +6655,11 @@
           <a:p>
             <a:r>
               <a:rPr lang="en-US" dirty="0" smtClean="0"/>
-              <a:t>Pure Functions</a:t>
+              <a:t>Using</a:t>
+            </a:r>
+            <a:r>
+              <a:rPr lang="en-US" baseline="0" dirty="0" smtClean="0"/>
+              <a:t> state and values</a:t>
             </a:r>
             <a:endParaRPr lang="en-US" dirty="0"/>
           </a:p>
@@ -6677,34 +6682,44 @@
           <a:p>
             <a:r>
               <a:rPr lang="en-US" dirty="0" smtClean="0"/>
-              <a:t>Thinks “math</a:t>
+              <a:t>Minimize and localize</a:t>
             </a:r>
             <a:r>
               <a:rPr lang="en-US" baseline="0" dirty="0" smtClean="0"/>
-              <a:t> functions”</a:t>
-            </a:r>
-            <a:endParaRPr lang="en-US" dirty="0" smtClean="0"/>
-          </a:p>
-          <a:p>
+              <a:t> state</a:t>
+            </a:r>
+          </a:p>
+          <a:p>
+            <a:pPr lvl="1"/>
+            <a:r>
+              <a:rPr lang="en-US" baseline="0" dirty="0" smtClean="0"/>
+              <a:t>Centralize state – every object needs a value, not  state</a:t>
+            </a:r>
+          </a:p>
+          <a:p>
+            <a:pPr lvl="1"/>
             <a:r>
               <a:rPr lang="en-US" dirty="0" smtClean="0"/>
-              <a:t>Functions</a:t>
-            </a:r>
+              <a:t>Localize state – keep state in a method, do not let it escape</a:t>
+            </a:r>
+            <a:endParaRPr lang="en-US" baseline="0" dirty="0" smtClean="0"/>
+          </a:p>
+          <a:p>
+            <a:pPr lvl="1"/>
             <a:r>
               <a:rPr lang="en-US" baseline="0" dirty="0" smtClean="0"/>
-              <a:t> vs methods</a:t>
-            </a:r>
+              <a:t>Façade pattern – make a state look like a</a:t>
+            </a:r>
+            <a:r>
+              <a:rPr lang="en-US" dirty="0" smtClean="0"/>
+              <a:t> value – it is only state if it actually changes</a:t>
+            </a:r>
+            <a:endParaRPr lang="en-US" baseline="0" dirty="0" smtClean="0"/>
           </a:p>
           <a:p>
             <a:r>
               <a:rPr lang="en-US" baseline="0" dirty="0" smtClean="0"/>
-              <a:t>Treating all inputs and outputs as values</a:t>
-            </a:r>
-          </a:p>
-          <a:p>
-            <a:r>
-              <a:rPr lang="en-US" baseline="0" dirty="0" smtClean="0"/>
-              <a:t>Separate data from functions</a:t>
+              <a:t>Favor pure functions</a:t>
             </a:r>
           </a:p>
         </p:txBody>
@@ -6712,7 +6727,7 @@
     </p:spTree>
     <p:extLst>
       <p:ext uri="{BB962C8B-B14F-4D97-AF65-F5344CB8AC3E}">
-        <p14:creationId xmlns:p14="http://schemas.microsoft.com/office/powerpoint/2010/main" val="2404869502"/>
+        <p14:creationId xmlns:p14="http://schemas.microsoft.com/office/powerpoint/2010/main" val="2183352308"/>
       </p:ext>
     </p:extLst>
   </p:cSld>
@@ -6756,127 +6771,65 @@
           <a:p>
             <a:r>
               <a:rPr lang="en-US" dirty="0" smtClean="0"/>
-              <a:t>Think</a:t>
+              <a:t>Pure Functions</a:t>
+            </a:r>
+            <a:endParaRPr lang="en-US" dirty="0"/>
+          </a:p>
+        </p:txBody>
+      </p:sp>
+      <p:sp>
+        <p:nvSpPr>
+          <p:cNvPr id="3" name="Content Placeholder 2"/>
+          <p:cNvSpPr>
+            <a:spLocks noGrp="1"/>
+          </p:cNvSpPr>
+          <p:nvPr>
+            <p:ph idx="1"/>
+          </p:nvPr>
+        </p:nvSpPr>
+        <p:spPr/>
+        <p:txBody>
+          <a:bodyPr/>
+          <a:lstStyle/>
+          <a:p>
+            <a:r>
+              <a:rPr lang="en-US" dirty="0" smtClean="0"/>
+              <a:t>Thinks “math</a:t>
             </a:r>
             <a:r>
               <a:rPr lang="en-US" baseline="0" dirty="0" smtClean="0"/>
-              <a:t> Math Functions</a:t>
-            </a:r>
-            <a:endParaRPr lang="en-US" dirty="0"/>
-          </a:p>
-        </p:txBody>
-      </p:sp>
-      <p:sp>
-        <p:nvSpPr>
-          <p:cNvPr id="3" name="Content Placeholder 2"/>
-          <p:cNvSpPr>
-            <a:spLocks noGrp="1"/>
-          </p:cNvSpPr>
-          <p:nvPr>
-            <p:ph idx="1"/>
-          </p:nvPr>
-        </p:nvSpPr>
-        <p:spPr/>
-        <p:txBody>
-          <a:bodyPr numCol="2">
-            <a:normAutofit/>
-          </a:bodyPr>
-          <a:lstStyle/>
+              <a:t> functions”</a:t>
+            </a:r>
+            <a:endParaRPr lang="en-US" dirty="0" smtClean="0"/>
+          </a:p>
           <a:p>
             <a:r>
               <a:rPr lang="en-US" dirty="0" smtClean="0"/>
-              <a:t>f(x) = x * x</a:t>
-            </a:r>
-          </a:p>
-          <a:p>
-            <a:r>
-              <a:rPr lang="en-US" dirty="0" smtClean="0"/>
-              <a:t>Inputs are</a:t>
+              <a:t>Functions</a:t>
             </a:r>
             <a:r>
               <a:rPr lang="en-US" baseline="0" dirty="0" smtClean="0"/>
-              <a:t> values – output is a value</a:t>
-            </a:r>
-            <a:endParaRPr lang="en-US" dirty="0" smtClean="0"/>
-          </a:p>
-          <a:p>
-            <a:r>
-              <a:rPr lang="en-US" dirty="0" smtClean="0"/>
-              <a:t>No side effects</a:t>
-            </a:r>
-          </a:p>
-          <a:p>
-            <a:pPr lvl="1"/>
-            <a:r>
-              <a:rPr lang="en-US" dirty="0" smtClean="0"/>
-              <a:t>No state change</a:t>
-            </a:r>
-          </a:p>
-          <a:p>
-            <a:pPr lvl="1"/>
-            <a:r>
-              <a:rPr lang="en-US" dirty="0" smtClean="0"/>
-              <a:t>arguments</a:t>
-            </a:r>
+              <a:t> vs methods</a:t>
+            </a:r>
+          </a:p>
+          <a:p>
             <a:r>
               <a:rPr lang="en-US" baseline="0" dirty="0" smtClean="0"/>
-              <a:t> </a:t>
-            </a:r>
+              <a:t>Treating all inputs and outputs as values</a:t>
+            </a:r>
+          </a:p>
+          <a:p>
             <a:r>
               <a:rPr lang="en-US" baseline="0" dirty="0" smtClean="0"/>
-              <a:t>unaffected - collections</a:t>
-            </a:r>
-            <a:endParaRPr lang="en-US" baseline="0" dirty="0" smtClean="0"/>
-          </a:p>
-          <a:p>
-            <a:pPr lvl="1"/>
-            <a:r>
-              <a:rPr lang="en-US" baseline="0" dirty="0" smtClean="0"/>
-              <a:t>calling with the same arguments yields the same results</a:t>
-            </a:r>
-          </a:p>
-          <a:p>
-            <a:pPr lvl="0"/>
-            <a:endParaRPr lang="en-US" dirty="0" smtClean="0"/>
-          </a:p>
-          <a:p>
-            <a:pPr marL="0" lvl="0" indent="0">
-              <a:buNone/>
-            </a:pPr>
-            <a:endParaRPr lang="en-US" i="1" dirty="0" smtClean="0"/>
-          </a:p>
-          <a:p>
-            <a:pPr marL="0" lvl="0" indent="0">
-              <a:buNone/>
-            </a:pPr>
-            <a:r>
-              <a:rPr lang="en-US" i="1" dirty="0" smtClean="0"/>
-              <a:t>Seriously</a:t>
-            </a:r>
-            <a:r>
-              <a:rPr lang="en-US" i="1" dirty="0" smtClean="0"/>
-              <a:t>, </a:t>
-            </a:r>
-            <a:r>
-              <a:rPr lang="en-US" i="1" dirty="0" smtClean="0"/>
-              <a:t>all this </a:t>
-            </a:r>
-            <a:r>
-              <a:rPr lang="en-US" i="1" dirty="0" smtClean="0"/>
-              <a:t>is really useful</a:t>
-            </a:r>
-            <a:r>
-              <a:rPr lang="en-US" dirty="0" smtClean="0"/>
-              <a:t>.</a:t>
-            </a:r>
-            <a:endParaRPr lang="en-US" dirty="0"/>
+              <a:t>Separate data from functions</a:t>
+            </a:r>
           </a:p>
         </p:txBody>
       </p:sp>
     </p:spTree>
     <p:extLst>
       <p:ext uri="{BB962C8B-B14F-4D97-AF65-F5344CB8AC3E}">
-        <p14:creationId xmlns:p14="http://schemas.microsoft.com/office/powerpoint/2010/main" val="811614220"/>
+        <p14:creationId xmlns:p14="http://schemas.microsoft.com/office/powerpoint/2010/main" val="2404869502"/>
       </p:ext>
     </p:extLst>
   </p:cSld>
@@ -6920,7 +6873,11 @@
           <a:p>
             <a:r>
               <a:rPr lang="en-US" dirty="0" smtClean="0"/>
-              <a:t>Functions Vs Methods</a:t>
+              <a:t>Think</a:t>
+            </a:r>
+            <a:r>
+              <a:rPr lang="en-US" baseline="0" dirty="0" smtClean="0"/>
+              <a:t> Math Functions</a:t>
             </a:r>
             <a:endParaRPr lang="en-US" dirty="0"/>
           </a:p>
@@ -6938,53 +6895,88 @@
         </p:nvSpPr>
         <p:spPr/>
         <p:txBody>
-          <a:bodyPr/>
+          <a:bodyPr numCol="2">
+            <a:normAutofit/>
+          </a:bodyPr>
           <a:lstStyle/>
           <a:p>
             <a:r>
               <a:rPr lang="en-US" dirty="0" smtClean="0"/>
-              <a:t>Difference</a:t>
+              <a:t>f(x) = x * x</a:t>
+            </a:r>
+          </a:p>
+          <a:p>
+            <a:r>
+              <a:rPr lang="en-US" dirty="0" smtClean="0"/>
+              <a:t>Inputs are</a:t>
             </a:r>
             <a:r>
               <a:rPr lang="en-US" baseline="0" dirty="0" smtClean="0"/>
-              <a:t> between functions and methods</a:t>
+              <a:t> values – output is a value</a:t>
+            </a:r>
+            <a:endParaRPr lang="en-US" dirty="0" smtClean="0"/>
+          </a:p>
+          <a:p>
+            <a:r>
+              <a:rPr lang="en-US" dirty="0" smtClean="0"/>
+              <a:t>No side effects</a:t>
             </a:r>
           </a:p>
           <a:p>
             <a:pPr lvl="1"/>
             <a:r>
               <a:rPr lang="en-US" dirty="0" smtClean="0"/>
-              <a:t>Dynamic</a:t>
+              <a:t>No state change</a:t>
+            </a:r>
+          </a:p>
+          <a:p>
+            <a:pPr lvl="1"/>
+            <a:r>
+              <a:rPr lang="en-US" dirty="0" smtClean="0"/>
+              <a:t>arguments</a:t>
             </a:r>
             <a:r>
               <a:rPr lang="en-US" baseline="0" dirty="0" smtClean="0"/>
-              <a:t> dispatch</a:t>
+              <a:t> unaffected - collections</a:t>
             </a:r>
           </a:p>
           <a:p>
             <a:pPr lvl="1"/>
             <a:r>
               <a:rPr lang="en-US" baseline="0" dirty="0" smtClean="0"/>
-              <a:t>Implied “this”</a:t>
+              <a:t>calling with the same arguments yields the same results</a:t>
             </a:r>
           </a:p>
           <a:p>
             <a:pPr lvl="0"/>
+            <a:endParaRPr lang="en-US" dirty="0" smtClean="0"/>
+          </a:p>
+          <a:p>
+            <a:pPr marL="0" lvl="0" indent="0">
+              <a:buNone/>
+            </a:pPr>
+            <a:endParaRPr lang="en-US" i="1" dirty="0" smtClean="0"/>
+          </a:p>
+          <a:p>
+            <a:pPr marL="0" lvl="0" indent="0">
+              <a:buNone/>
+            </a:pPr>
+            <a:r>
+              <a:rPr lang="en-US" i="1" dirty="0" smtClean="0"/>
+              <a:t>Seriously, all this is really useful</a:t>
+            </a:r>
             <a:r>
               <a:rPr lang="en-US" dirty="0" smtClean="0"/>
-              <a:t>Does not matter in</a:t>
-            </a:r>
-            <a:r>
-              <a:rPr lang="en-US" baseline="0" dirty="0" smtClean="0"/>
-              <a:t> the least – I am going to call them functions</a:t>
-            </a:r>
+              <a:t>.</a:t>
+            </a:r>
+            <a:endParaRPr lang="en-US" dirty="0"/>
           </a:p>
         </p:txBody>
       </p:sp>
     </p:spTree>
     <p:extLst>
       <p:ext uri="{BB962C8B-B14F-4D97-AF65-F5344CB8AC3E}">
-        <p14:creationId xmlns:p14="http://schemas.microsoft.com/office/powerpoint/2010/main" val="4077021880"/>
+        <p14:creationId xmlns:p14="http://schemas.microsoft.com/office/powerpoint/2010/main" val="811614220"/>
       </p:ext>
     </p:extLst>
   </p:cSld>
@@ -7028,93 +7020,71 @@
           <a:p>
             <a:r>
               <a:rPr lang="en-US" dirty="0" smtClean="0"/>
-              <a:t>Treating</a:t>
+              <a:t>Functions Vs Methods</a:t>
+            </a:r>
+            <a:endParaRPr lang="en-US" dirty="0"/>
+          </a:p>
+        </p:txBody>
+      </p:sp>
+      <p:sp>
+        <p:nvSpPr>
+          <p:cNvPr id="3" name="Content Placeholder 2"/>
+          <p:cNvSpPr>
+            <a:spLocks noGrp="1"/>
+          </p:cNvSpPr>
+          <p:nvPr>
+            <p:ph idx="1"/>
+          </p:nvPr>
+        </p:nvSpPr>
+        <p:spPr/>
+        <p:txBody>
+          <a:bodyPr/>
+          <a:lstStyle/>
+          <a:p>
+            <a:r>
+              <a:rPr lang="en-US" dirty="0" smtClean="0"/>
+              <a:t>Difference</a:t>
             </a:r>
             <a:r>
               <a:rPr lang="en-US" baseline="0" dirty="0" smtClean="0"/>
-              <a:t> all </a:t>
+              <a:t> between functions and methods</a:t>
+            </a:r>
+          </a:p>
+          <a:p>
+            <a:pPr lvl="1"/>
+            <a:r>
+              <a:rPr lang="en-US" dirty="0" smtClean="0"/>
+              <a:t>Dynamic</a:t>
             </a:r>
             <a:r>
               <a:rPr lang="en-US" baseline="0" dirty="0" smtClean="0"/>
-              <a:t>inputs/outputs </a:t>
-            </a:r>
+              <a:t> dispatch</a:t>
+            </a:r>
+          </a:p>
+          <a:p>
+            <a:pPr lvl="1"/>
             <a:r>
               <a:rPr lang="en-US" baseline="0" dirty="0" smtClean="0"/>
-              <a:t>as values</a:t>
-            </a:r>
-            <a:endParaRPr lang="en-US" dirty="0"/>
-          </a:p>
-        </p:txBody>
-      </p:sp>
-      <p:sp>
-        <p:nvSpPr>
-          <p:cNvPr id="3" name="Content Placeholder 2"/>
-          <p:cNvSpPr>
-            <a:spLocks noGrp="1"/>
-          </p:cNvSpPr>
-          <p:nvPr>
-            <p:ph idx="1"/>
-          </p:nvPr>
-        </p:nvSpPr>
-        <p:spPr/>
-        <p:txBody>
-          <a:bodyPr/>
-          <a:lstStyle/>
-          <a:p>
+              <a:t>Implied “this”</a:t>
+            </a:r>
+          </a:p>
+          <a:p>
+            <a:pPr lvl="0"/>
             <a:r>
               <a:rPr lang="en-US" dirty="0" smtClean="0"/>
-              <a:t>Best to actually pass values</a:t>
-            </a:r>
-          </a:p>
-          <a:p>
-            <a:r>
-              <a:rPr lang="en-US" dirty="0" smtClean="0"/>
-              <a:t>Code</a:t>
+              <a:t>Does not matter in</a:t>
             </a:r>
             <a:r>
               <a:rPr lang="en-US" baseline="0" dirty="0" smtClean="0"/>
-              <a:t> </a:t>
-            </a:r>
-            <a:r>
-              <a:rPr lang="en-US" baseline="0" dirty="0" smtClean="0"/>
-              <a:t>to interfaces</a:t>
-            </a:r>
-          </a:p>
-          <a:p>
-            <a:r>
-              <a:rPr lang="en-US" baseline="0" dirty="0" smtClean="0"/>
-              <a:t>Never alter an input</a:t>
-            </a:r>
-          </a:p>
-          <a:p>
-            <a:r>
-              <a:rPr lang="en-US" baseline="0" dirty="0" smtClean="0"/>
-              <a:t>Decorator pattern</a:t>
-            </a:r>
-          </a:p>
-          <a:p>
-            <a:r>
-              <a:rPr lang="en-US" baseline="0" dirty="0" smtClean="0"/>
-              <a:t>Visitor/Iterator </a:t>
-            </a:r>
-            <a:r>
-              <a:rPr lang="en-US" baseline="0" dirty="0" smtClean="0"/>
-              <a:t>pattern</a:t>
-            </a:r>
-          </a:p>
-          <a:p>
-            <a:r>
-              <a:rPr lang="en-US" dirty="0" smtClean="0"/>
-              <a:t>Return values where possible</a:t>
-            </a:r>
-            <a:endParaRPr lang="en-US" dirty="0"/>
+              <a:t> the least – I am going to call them functions</a:t>
+            </a:r>
           </a:p>
         </p:txBody>
       </p:sp>
     </p:spTree>
     <p:extLst>
       <p:ext uri="{BB962C8B-B14F-4D97-AF65-F5344CB8AC3E}">
-        <p14:creationId xmlns:p14="http://schemas.microsoft.com/office/powerpoint/2010/main" val="1604626286"/>
+        <p14:creationId xmlns:p14="http://schemas.microsoft.com/office/powerpoint/2010/main" val="4077021880"/>
       </p:ext>
     </p:extLst>
   </p:cSld>
@@ -7158,7 +7128,11 @@
           <a:p>
             <a:r>
               <a:rPr lang="en-US" dirty="0" smtClean="0"/>
-              <a:t>Separate data from functions</a:t>
+              <a:t>Treating</a:t>
+            </a:r>
+            <a:r>
+              <a:rPr lang="en-US" baseline="0" dirty="0" smtClean="0"/>
+              <a:t> all inputs/outputs as values</a:t>
             </a:r>
             <a:endParaRPr lang="en-US" dirty="0"/>
           </a:p>
@@ -7181,38 +7155,50 @@
           <a:p>
             <a:r>
               <a:rPr lang="en-US" dirty="0" smtClean="0"/>
-              <a:t>Forget “Objects</a:t>
+              <a:t>Best to actually pass values</a:t>
+            </a:r>
+          </a:p>
+          <a:p>
+            <a:r>
+              <a:rPr lang="en-US" dirty="0" smtClean="0"/>
+              <a:t>Code</a:t>
             </a:r>
             <a:r>
               <a:rPr lang="en-US" baseline="0" dirty="0" smtClean="0"/>
-              <a:t> should </a:t>
-            </a:r>
+              <a:t> to interfaces</a:t>
+            </a:r>
+          </a:p>
+          <a:p>
             <a:r>
               <a:rPr lang="en-US" baseline="0" dirty="0" smtClean="0"/>
-              <a:t>know how to  … for themselves”</a:t>
-            </a:r>
-            <a:endParaRPr lang="en-US" baseline="0" dirty="0" smtClean="0"/>
+              <a:t>Never alter an input</a:t>
+            </a:r>
+          </a:p>
+          <a:p>
+            <a:r>
+              <a:rPr lang="en-US" baseline="0" dirty="0" smtClean="0"/>
+              <a:t>Decorator pattern</a:t>
+            </a:r>
+          </a:p>
+          <a:p>
+            <a:r>
+              <a:rPr lang="en-US" baseline="0" dirty="0" smtClean="0"/>
+              <a:t>Visitor/Iterator pattern</a:t>
+            </a:r>
           </a:p>
           <a:p>
             <a:r>
               <a:rPr lang="en-US" dirty="0" smtClean="0"/>
-              <a:t>Use Strategy pattern to define algorithms outside</a:t>
-            </a:r>
-            <a:r>
-              <a:rPr lang="en-US" baseline="0" dirty="0" smtClean="0"/>
-              <a:t> the values they work </a:t>
-            </a:r>
-            <a:r>
-              <a:rPr lang="en-US" baseline="0" dirty="0" smtClean="0"/>
-              <a:t>on</a:t>
-            </a:r>
+              <a:t>Return values where possible</a:t>
+            </a:r>
+            <a:endParaRPr lang="en-US" dirty="0"/>
           </a:p>
         </p:txBody>
       </p:sp>
     </p:spTree>
     <p:extLst>
       <p:ext uri="{BB962C8B-B14F-4D97-AF65-F5344CB8AC3E}">
-        <p14:creationId xmlns:p14="http://schemas.microsoft.com/office/powerpoint/2010/main" val="64466811"/>
+        <p14:creationId xmlns:p14="http://schemas.microsoft.com/office/powerpoint/2010/main" val="1604626286"/>
       </p:ext>
     </p:extLst>
   </p:cSld>
@@ -7256,226 +7242,44 @@
           <a:p>
             <a:r>
               <a:rPr lang="en-US" dirty="0" smtClean="0"/>
-              <a:t>For loops and state</a:t>
-            </a:r>
-            <a:br>
+              <a:t>Separate data from functions</a:t>
+            </a:r>
+            <a:endParaRPr lang="en-US" dirty="0"/>
+          </a:p>
+        </p:txBody>
+      </p:sp>
+      <p:sp>
+        <p:nvSpPr>
+          <p:cNvPr id="3" name="Content Placeholder 2"/>
+          <p:cNvSpPr>
+            <a:spLocks noGrp="1"/>
+          </p:cNvSpPr>
+          <p:nvPr>
+            <p:ph idx="1"/>
+          </p:nvPr>
+        </p:nvSpPr>
+        <p:spPr/>
+        <p:txBody>
+          <a:bodyPr/>
+          <a:lstStyle/>
+          <a:p>
+            <a:r>
               <a:rPr lang="en-US" dirty="0" smtClean="0"/>
-            </a:br>
+              <a:t>Forget “Objects</a:t>
+            </a:r>
+            <a:r>
+              <a:rPr lang="en-US" baseline="0" dirty="0" smtClean="0"/>
+              <a:t> should know how to  … for themselves”</a:t>
+            </a:r>
+          </a:p>
+          <a:p>
             <a:r>
               <a:rPr lang="en-US" dirty="0" smtClean="0"/>
-              <a:t>Iterators do not help</a:t>
-            </a:r>
-            <a:endParaRPr lang="en-US" dirty="0"/>
-          </a:p>
-        </p:txBody>
-      </p:sp>
-      <p:sp>
-        <p:nvSpPr>
-          <p:cNvPr id="3" name="Content Placeholder 2"/>
-          <p:cNvSpPr>
-            <a:spLocks noGrp="1"/>
-          </p:cNvSpPr>
-          <p:nvPr>
-            <p:ph idx="1"/>
-          </p:nvPr>
-        </p:nvSpPr>
-        <p:spPr/>
-        <p:txBody>
-          <a:bodyPr/>
-          <a:lstStyle/>
-          <a:p>
-            <a:pPr marL="0" indent="0">
-              <a:buNone/>
-            </a:pPr>
-            <a:r>
-              <a:rPr lang="en-US" dirty="0" err="1">
-                <a:latin typeface="Courier New" panose="02070309020205020404" pitchFamily="49" charset="0"/>
-                <a:cs typeface="Courier New" panose="02070309020205020404" pitchFamily="49" charset="0"/>
-              </a:rPr>
-              <a:t>i</a:t>
-            </a:r>
-            <a:r>
-              <a:rPr lang="en-US" dirty="0" err="1" smtClean="0">
-                <a:latin typeface="Courier New" panose="02070309020205020404" pitchFamily="49" charset="0"/>
-                <a:cs typeface="Courier New" panose="02070309020205020404" pitchFamily="49" charset="0"/>
-              </a:rPr>
-              <a:t>nt</a:t>
-            </a:r>
-            <a:r>
-              <a:rPr lang="en-US" dirty="0" smtClean="0">
-                <a:latin typeface="Courier New" panose="02070309020205020404" pitchFamily="49" charset="0"/>
-                <a:cs typeface="Courier New" panose="02070309020205020404" pitchFamily="49" charset="0"/>
-              </a:rPr>
-              <a:t> </a:t>
-            </a:r>
-            <a:r>
-              <a:rPr lang="en-US" dirty="0" smtClean="0">
-                <a:solidFill>
-                  <a:srgbClr val="FF0000"/>
-                </a:solidFill>
-                <a:latin typeface="Courier New" panose="02070309020205020404" pitchFamily="49" charset="0"/>
-                <a:cs typeface="Courier New" panose="02070309020205020404" pitchFamily="49" charset="0"/>
-              </a:rPr>
-              <a:t>sum</a:t>
-            </a:r>
-            <a:r>
-              <a:rPr lang="en-US" dirty="0" smtClean="0">
-                <a:latin typeface="Courier New" panose="02070309020205020404" pitchFamily="49" charset="0"/>
-                <a:cs typeface="Courier New" panose="02070309020205020404" pitchFamily="49" charset="0"/>
-              </a:rPr>
-              <a:t> = 0;</a:t>
-            </a:r>
-          </a:p>
-          <a:p>
-            <a:pPr marL="0" indent="0">
-              <a:buNone/>
-            </a:pPr>
-            <a:r>
-              <a:rPr lang="en-US" dirty="0" smtClean="0">
-                <a:latin typeface="Courier New" panose="02070309020205020404" pitchFamily="49" charset="0"/>
-                <a:cs typeface="Courier New" panose="02070309020205020404" pitchFamily="49" charset="0"/>
-              </a:rPr>
-              <a:t>for(</a:t>
-            </a:r>
-            <a:r>
-              <a:rPr lang="en-US" dirty="0" err="1" smtClean="0">
-                <a:latin typeface="Courier New" panose="02070309020205020404" pitchFamily="49" charset="0"/>
-                <a:cs typeface="Courier New" panose="02070309020205020404" pitchFamily="49" charset="0"/>
-              </a:rPr>
-              <a:t>int</a:t>
-            </a:r>
-            <a:r>
-              <a:rPr lang="en-US" dirty="0" smtClean="0">
-                <a:latin typeface="Courier New" panose="02070309020205020404" pitchFamily="49" charset="0"/>
-                <a:cs typeface="Courier New" panose="02070309020205020404" pitchFamily="49" charset="0"/>
-              </a:rPr>
-              <a:t> </a:t>
-            </a:r>
-            <a:r>
-              <a:rPr lang="en-US" dirty="0" err="1" smtClean="0">
-                <a:solidFill>
-                  <a:srgbClr val="FF0000"/>
-                </a:solidFill>
-                <a:latin typeface="Courier New" panose="02070309020205020404" pitchFamily="49" charset="0"/>
-                <a:cs typeface="Courier New" panose="02070309020205020404" pitchFamily="49" charset="0"/>
-              </a:rPr>
-              <a:t>i</a:t>
-            </a:r>
-            <a:r>
-              <a:rPr lang="en-US" dirty="0" smtClean="0">
-                <a:latin typeface="Courier New" panose="02070309020205020404" pitchFamily="49" charset="0"/>
-                <a:cs typeface="Courier New" panose="02070309020205020404" pitchFamily="49" charset="0"/>
-              </a:rPr>
-              <a:t> = 0; </a:t>
-            </a:r>
-            <a:r>
-              <a:rPr lang="en-US" dirty="0" err="1" smtClean="0">
-                <a:solidFill>
-                  <a:srgbClr val="FF0000"/>
-                </a:solidFill>
-                <a:latin typeface="Courier New" panose="02070309020205020404" pitchFamily="49" charset="0"/>
-                <a:cs typeface="Courier New" panose="02070309020205020404" pitchFamily="49" charset="0"/>
-              </a:rPr>
-              <a:t>i</a:t>
-            </a:r>
-            <a:r>
-              <a:rPr lang="en-US" dirty="0" smtClean="0">
-                <a:latin typeface="Courier New" panose="02070309020205020404" pitchFamily="49" charset="0"/>
-                <a:cs typeface="Courier New" panose="02070309020205020404" pitchFamily="49" charset="0"/>
-              </a:rPr>
-              <a:t> &lt; 10 ; ++</a:t>
-            </a:r>
-            <a:r>
-              <a:rPr lang="en-US" dirty="0" err="1" smtClean="0">
-                <a:solidFill>
-                  <a:srgbClr val="FF0000"/>
-                </a:solidFill>
-                <a:latin typeface="Courier New" panose="02070309020205020404" pitchFamily="49" charset="0"/>
-                <a:cs typeface="Courier New" panose="02070309020205020404" pitchFamily="49" charset="0"/>
-              </a:rPr>
-              <a:t>i</a:t>
-            </a:r>
-            <a:r>
-              <a:rPr lang="en-US" dirty="0" smtClean="0">
-                <a:latin typeface="Courier New" panose="02070309020205020404" pitchFamily="49" charset="0"/>
-                <a:cs typeface="Courier New" panose="02070309020205020404" pitchFamily="49" charset="0"/>
-              </a:rPr>
-              <a:t>) {</a:t>
-            </a:r>
-          </a:p>
-          <a:p>
-            <a:pPr marL="0" indent="0">
-              <a:buNone/>
-            </a:pPr>
-            <a:r>
-              <a:rPr lang="en-US" dirty="0" smtClean="0">
-                <a:latin typeface="Courier New" panose="02070309020205020404" pitchFamily="49" charset="0"/>
-                <a:cs typeface="Courier New" panose="02070309020205020404" pitchFamily="49" charset="0"/>
-              </a:rPr>
-              <a:t>    if(</a:t>
-            </a:r>
-            <a:r>
-              <a:rPr lang="en-US" dirty="0" err="1" smtClean="0">
-                <a:solidFill>
-                  <a:srgbClr val="FF0000"/>
-                </a:solidFill>
-                <a:latin typeface="Courier New" panose="02070309020205020404" pitchFamily="49" charset="0"/>
-                <a:cs typeface="Courier New" panose="02070309020205020404" pitchFamily="49" charset="0"/>
-              </a:rPr>
-              <a:t>i</a:t>
-            </a:r>
-            <a:r>
-              <a:rPr lang="en-US" dirty="0" smtClean="0">
-                <a:latin typeface="Courier New" panose="02070309020205020404" pitchFamily="49" charset="0"/>
-                <a:cs typeface="Courier New" panose="02070309020205020404" pitchFamily="49" charset="0"/>
-              </a:rPr>
-              <a:t> % 2 == 0) </a:t>
-            </a:r>
-            <a:r>
-              <a:rPr lang="en-US" dirty="0" smtClean="0">
-                <a:solidFill>
-                  <a:srgbClr val="FF0000"/>
-                </a:solidFill>
-                <a:latin typeface="Courier New" panose="02070309020205020404" pitchFamily="49" charset="0"/>
-                <a:cs typeface="Courier New" panose="02070309020205020404" pitchFamily="49" charset="0"/>
-              </a:rPr>
-              <a:t>sum</a:t>
-            </a:r>
-            <a:r>
-              <a:rPr lang="en-US" dirty="0" smtClean="0">
-                <a:latin typeface="Courier New" panose="02070309020205020404" pitchFamily="49" charset="0"/>
-                <a:cs typeface="Courier New" panose="02070309020205020404" pitchFamily="49" charset="0"/>
-              </a:rPr>
-              <a:t> += </a:t>
-            </a:r>
-            <a:r>
-              <a:rPr lang="en-US" dirty="0" err="1" smtClean="0">
-                <a:solidFill>
-                  <a:srgbClr val="FF0000"/>
-                </a:solidFill>
-                <a:latin typeface="Courier New" panose="02070309020205020404" pitchFamily="49" charset="0"/>
-                <a:cs typeface="Courier New" panose="02070309020205020404" pitchFamily="49" charset="0"/>
-              </a:rPr>
-              <a:t>i</a:t>
-            </a:r>
-            <a:r>
-              <a:rPr lang="en-US" dirty="0" smtClean="0">
-                <a:latin typeface="Courier New" panose="02070309020205020404" pitchFamily="49" charset="0"/>
-                <a:cs typeface="Courier New" panose="02070309020205020404" pitchFamily="49" charset="0"/>
-              </a:rPr>
-              <a:t>;</a:t>
-            </a:r>
-          </a:p>
-          <a:p>
-            <a:pPr marL="0" indent="0">
-              <a:buNone/>
-            </a:pPr>
-            <a:r>
-              <a:rPr lang="en-US" dirty="0">
-                <a:latin typeface="Courier New" panose="02070309020205020404" pitchFamily="49" charset="0"/>
-                <a:cs typeface="Courier New" panose="02070309020205020404" pitchFamily="49" charset="0"/>
-              </a:rPr>
-              <a:t>}</a:t>
+              <a:t>Use Strategy pattern to define algorithms outside</a:t>
+            </a:r>
+            <a:r>
+              <a:rPr lang="en-US" baseline="0" dirty="0" smtClean="0"/>
+              <a:t> the values they work on</a:t>
             </a:r>
           </a:p>
         </p:txBody>
@@ -7483,7 +7287,7 @@
     </p:spTree>
     <p:extLst>
       <p:ext uri="{BB962C8B-B14F-4D97-AF65-F5344CB8AC3E}">
-        <p14:creationId xmlns:p14="http://schemas.microsoft.com/office/powerpoint/2010/main" val="1589485030"/>
+        <p14:creationId xmlns:p14="http://schemas.microsoft.com/office/powerpoint/2010/main" val="64466811"/>
       </p:ext>
     </p:extLst>
   </p:cSld>
@@ -7527,11 +7331,14 @@
           <a:p>
             <a:r>
               <a:rPr lang="en-US" dirty="0" smtClean="0"/>
-              <a:t>Lambdas</a:t>
-            </a:r>
-            <a:r>
-              <a:rPr lang="en-US" baseline="0" dirty="0" smtClean="0"/>
-              <a:t> and Streams</a:t>
+              <a:t>For loops and state</a:t>
+            </a:r>
+            <a:br>
+              <a:rPr lang="en-US" dirty="0" smtClean="0"/>
+            </a:br>
+            <a:r>
+              <a:rPr lang="en-US" dirty="0" smtClean="0"/>
+              <a:t>Iterators do not help</a:t>
             </a:r>
             <a:endParaRPr lang="en-US" dirty="0"/>
           </a:p>
@@ -7547,253 +7354,211 @@
             <p:ph idx="1"/>
           </p:nvPr>
         </p:nvSpPr>
-        <p:spPr>
-          <a:xfrm>
-            <a:off x="1301431" y="2596660"/>
-            <a:ext cx="3594127" cy="2734995"/>
-          </a:xfrm>
-        </p:spPr>
-        <p:txBody>
-          <a:bodyPr>
-            <a:normAutofit/>
-          </a:bodyPr>
+        <p:spPr/>
+        <p:txBody>
+          <a:bodyPr/>
           <a:lstStyle/>
           <a:p>
             <a:pPr marL="0" indent="0">
               <a:buNone/>
             </a:pPr>
             <a:r>
-              <a:rPr lang="pt-BR" dirty="0" smtClean="0"/>
-              <a:t>Find the names of albums that have at least one track rated four or  higher,  sorted by  name, </a:t>
-            </a:r>
-            <a:r>
-              <a:rPr lang="pt-BR" i="1" dirty="0" smtClean="0"/>
-              <a:t>without state</a:t>
-            </a:r>
-            <a:r>
-              <a:rPr lang="pt-BR" dirty="0" smtClean="0"/>
-              <a:t>.</a:t>
-            </a:r>
-          </a:p>
-        </p:txBody>
-      </p:sp>
-      <p:sp>
-        <p:nvSpPr>
-          <p:cNvPr id="4" name="TextBox 3"/>
-          <p:cNvSpPr txBox="1"/>
-          <p:nvPr/>
-        </p:nvSpPr>
-        <p:spPr>
-          <a:xfrm>
-            <a:off x="5317588" y="2948494"/>
-            <a:ext cx="6513342" cy="2031325"/>
-          </a:xfrm>
-          <a:prstGeom prst="rect">
-            <a:avLst/>
-          </a:prstGeom>
-          <a:noFill/>
-        </p:spPr>
-        <p:txBody>
-          <a:bodyPr wrap="square" rtlCol="0">
-            <a:spAutoFit/>
-          </a:bodyPr>
-          <a:lstStyle/>
-          <a:p>
-            <a:r>
-              <a:rPr lang="pt-BR" dirty="0" smtClean="0">
+              <a:rPr lang="en-US" dirty="0" err="1">
                 <a:latin typeface="Courier New" panose="02070309020205020404" pitchFamily="49" charset="0"/>
                 <a:cs typeface="Courier New" panose="02070309020205020404" pitchFamily="49" charset="0"/>
               </a:rPr>
-              <a:t>List&lt;Album&gt; sortedFavs = albums</a:t>
-            </a:r>
-          </a:p>
-          <a:p>
-            <a:pPr lvl="1"/>
-            <a:r>
-              <a:rPr lang="pt-BR" dirty="0" smtClean="0">
+              <a:t>i</a:t>
+            </a:r>
+            <a:r>
+              <a:rPr lang="en-US" dirty="0" err="1" smtClean="0">
                 <a:latin typeface="Courier New" panose="02070309020205020404" pitchFamily="49" charset="0"/>
                 <a:cs typeface="Courier New" panose="02070309020205020404" pitchFamily="49" charset="0"/>
               </a:rPr>
-              <a:t>.</a:t>
-            </a:r>
-            <a:r>
-              <a:rPr lang="pt-BR" b="1" dirty="0" smtClean="0">
-                <a:effectLst>
-                  <a:outerShdw blurRad="38100" dist="38100" dir="2700000" algn="tl">
-                    <a:srgbClr val="000000">
-                      <a:alpha val="43137"/>
-                    </a:srgbClr>
-                  </a:outerShdw>
-                </a:effectLst>
-                <a:latin typeface="Courier New" panose="02070309020205020404" pitchFamily="49" charset="0"/>
-                <a:cs typeface="Courier New" panose="02070309020205020404" pitchFamily="49" charset="0"/>
-              </a:rPr>
-              <a:t>stream </a:t>
-            </a:r>
-            <a:r>
-              <a:rPr lang="pt-BR" dirty="0" smtClean="0">
-                <a:latin typeface="Courier New" panose="02070309020205020404" pitchFamily="49" charset="0"/>
-                <a:cs typeface="Courier New" panose="02070309020205020404" pitchFamily="49" charset="0"/>
-              </a:rPr>
-              <a:t>()</a:t>
-            </a:r>
-            <a:endParaRPr lang="pt-BR" dirty="0">
-              <a:latin typeface="Courier New" panose="02070309020205020404" pitchFamily="49" charset="0"/>
-              <a:cs typeface="Courier New" panose="02070309020205020404" pitchFamily="49" charset="0"/>
-            </a:endParaRPr>
-          </a:p>
-          <a:p>
-            <a:pPr lvl="1"/>
-            <a:r>
-              <a:rPr lang="pt-BR" dirty="0" smtClean="0">
-                <a:latin typeface="Courier New" panose="02070309020205020404" pitchFamily="49" charset="0"/>
-                <a:cs typeface="Courier New" panose="02070309020205020404" pitchFamily="49" charset="0"/>
-              </a:rPr>
-              <a:t>.</a:t>
-            </a:r>
-            <a:r>
-              <a:rPr lang="pt-BR" b="1" dirty="0" smtClean="0">
-                <a:effectLst>
-                  <a:outerShdw blurRad="38100" dist="38100" dir="2700000" algn="tl">
-                    <a:srgbClr val="000000">
-                      <a:alpha val="43137"/>
-                    </a:srgbClr>
-                  </a:outerShdw>
-                </a:effectLst>
-                <a:latin typeface="Courier New" panose="02070309020205020404" pitchFamily="49" charset="0"/>
-                <a:cs typeface="Courier New" panose="02070309020205020404" pitchFamily="49" charset="0"/>
-              </a:rPr>
-              <a:t>filter </a:t>
-            </a:r>
-            <a:r>
-              <a:rPr lang="pt-BR" dirty="0" smtClean="0">
-                <a:latin typeface="Courier New" panose="02070309020205020404" pitchFamily="49" charset="0"/>
-                <a:cs typeface="Courier New" panose="02070309020205020404" pitchFamily="49" charset="0"/>
-              </a:rPr>
-              <a:t>( a-&gt;a.tracks</a:t>
-            </a:r>
-          </a:p>
-          <a:p>
-            <a:pPr lvl="4"/>
-            <a:r>
-              <a:rPr lang="pt-BR" dirty="0" smtClean="0">
-                <a:latin typeface="Courier New" panose="02070309020205020404" pitchFamily="49" charset="0"/>
-                <a:cs typeface="Courier New" panose="02070309020205020404" pitchFamily="49" charset="0"/>
-              </a:rPr>
-              <a:t>.stream()</a:t>
-            </a:r>
-          </a:p>
-          <a:p>
-            <a:pPr lvl="4"/>
-            <a:r>
-              <a:rPr lang="pt-BR" dirty="0" smtClean="0">
-                <a:latin typeface="Courier New" panose="02070309020205020404" pitchFamily="49" charset="0"/>
-                <a:cs typeface="Courier New" panose="02070309020205020404" pitchFamily="49" charset="0"/>
-              </a:rPr>
-              <a:t>.anyMatch(t-&gt; (t.rating &gt;= 4 )))</a:t>
-            </a:r>
-            <a:endParaRPr lang="pt-BR" dirty="0">
-              <a:latin typeface="Courier New" panose="02070309020205020404" pitchFamily="49" charset="0"/>
-              <a:cs typeface="Courier New" panose="02070309020205020404" pitchFamily="49" charset="0"/>
-            </a:endParaRPr>
-          </a:p>
-          <a:p>
-            <a:pPr lvl="1"/>
-            <a:r>
-              <a:rPr lang="pt-BR" dirty="0" smtClean="0">
-                <a:latin typeface="Courier New" panose="02070309020205020404" pitchFamily="49" charset="0"/>
-                <a:cs typeface="Courier New" panose="02070309020205020404" pitchFamily="49" charset="0"/>
-              </a:rPr>
-              <a:t>.</a:t>
-            </a:r>
-            <a:r>
-              <a:rPr lang="pt-BR" b="1" dirty="0" smtClean="0">
-                <a:effectLst>
-                  <a:outerShdw blurRad="38100" dist="38100" dir="2700000" algn="tl">
-                    <a:srgbClr val="000000">
-                      <a:alpha val="43137"/>
-                    </a:srgbClr>
-                  </a:outerShdw>
-                </a:effectLst>
-                <a:latin typeface="Courier New" panose="02070309020205020404" pitchFamily="49" charset="0"/>
-                <a:cs typeface="Courier New" panose="02070309020205020404" pitchFamily="49" charset="0"/>
-              </a:rPr>
-              <a:t>sorted</a:t>
-            </a:r>
-            <a:r>
-              <a:rPr lang="pt-BR" b="1" dirty="0" smtClean="0">
+              <a:t>nt</a:t>
+            </a:r>
+            <a:r>
+              <a:rPr lang="en-US" dirty="0" smtClean="0">
                 <a:latin typeface="Courier New" panose="02070309020205020404" pitchFamily="49" charset="0"/>
                 <a:cs typeface="Courier New" panose="02070309020205020404" pitchFamily="49" charset="0"/>
               </a:rPr>
               <a:t> </a:t>
             </a:r>
             <a:r>
-              <a:rPr lang="pt-BR" dirty="0" smtClean="0">
+              <a:rPr lang="en-US" dirty="0" smtClean="0">
+                <a:solidFill>
+                  <a:srgbClr val="FF0000"/>
+                </a:solidFill>
                 <a:latin typeface="Courier New" panose="02070309020205020404" pitchFamily="49" charset="0"/>
                 <a:cs typeface="Courier New" panose="02070309020205020404" pitchFamily="49" charset="0"/>
               </a:rPr>
-              <a:t>(Comparator.comparing( a-&gt; a.name))</a:t>
-            </a:r>
-            <a:endParaRPr lang="pt-BR" dirty="0">
-              <a:latin typeface="Courier New" panose="02070309020205020404" pitchFamily="49" charset="0"/>
-              <a:cs typeface="Courier New" panose="02070309020205020404" pitchFamily="49" charset="0"/>
-            </a:endParaRPr>
-          </a:p>
-          <a:p>
-            <a:pPr lvl="1"/>
-            <a:r>
-              <a:rPr lang="pt-BR" dirty="0" smtClean="0">
+              <a:t>sum</a:t>
+            </a:r>
+            <a:r>
+              <a:rPr lang="en-US" dirty="0" smtClean="0">
                 <a:latin typeface="Courier New" panose="02070309020205020404" pitchFamily="49" charset="0"/>
                 <a:cs typeface="Courier New" panose="02070309020205020404" pitchFamily="49" charset="0"/>
               </a:rPr>
-              <a:t>.</a:t>
-            </a:r>
-            <a:r>
-              <a:rPr lang="pt-BR" b="1" dirty="0" smtClean="0">
-                <a:effectLst>
-                  <a:outerShdw blurRad="38100" dist="38100" dir="2700000" algn="tl">
-                    <a:srgbClr val="000000">
-                      <a:alpha val="43137"/>
-                    </a:srgbClr>
-                  </a:outerShdw>
-                </a:effectLst>
+              <a:t> = 0;</a:t>
+            </a:r>
+          </a:p>
+          <a:p>
+            <a:pPr marL="0" indent="0">
+              <a:buNone/>
+            </a:pPr>
+            <a:r>
+              <a:rPr lang="en-US" dirty="0" smtClean="0">
                 <a:latin typeface="Courier New" panose="02070309020205020404" pitchFamily="49" charset="0"/>
                 <a:cs typeface="Courier New" panose="02070309020205020404" pitchFamily="49" charset="0"/>
               </a:rPr>
-              <a:t>collect</a:t>
-            </a:r>
-            <a:r>
-              <a:rPr lang="pt-BR" dirty="0" smtClean="0">
-                <a:effectLst>
-                  <a:outerShdw blurRad="38100" dist="38100" dir="2700000" algn="tl">
-                    <a:srgbClr val="000000">
-                      <a:alpha val="43137"/>
-                    </a:srgbClr>
-                  </a:outerShdw>
-                </a:effectLst>
+              <a:t>for(</a:t>
+            </a:r>
+            <a:r>
+              <a:rPr lang="en-US" dirty="0" err="1" smtClean="0">
+                <a:latin typeface="Courier New" panose="02070309020205020404" pitchFamily="49" charset="0"/>
+                <a:cs typeface="Courier New" panose="02070309020205020404" pitchFamily="49" charset="0"/>
+              </a:rPr>
+              <a:t>int</a:t>
+            </a:r>
+            <a:r>
+              <a:rPr lang="en-US" dirty="0" smtClean="0">
                 <a:latin typeface="Courier New" panose="02070309020205020404" pitchFamily="49" charset="0"/>
                 <a:cs typeface="Courier New" panose="02070309020205020404" pitchFamily="49" charset="0"/>
               </a:rPr>
               <a:t> </a:t>
             </a:r>
             <a:r>
-              <a:rPr lang="pt-BR" dirty="0" smtClean="0">
+              <a:rPr lang="en-US" dirty="0" err="1" smtClean="0">
+                <a:solidFill>
+                  <a:srgbClr val="FF0000"/>
+                </a:solidFill>
                 <a:latin typeface="Courier New" panose="02070309020205020404" pitchFamily="49" charset="0"/>
                 <a:cs typeface="Courier New" panose="02070309020205020404" pitchFamily="49" charset="0"/>
               </a:rPr>
-              <a:t>(Collectors.toList());</a:t>
-            </a:r>
-            <a:endParaRPr lang="en-US" dirty="0">
-              <a:latin typeface="Courier New" panose="02070309020205020404" pitchFamily="49" charset="0"/>
-              <a:cs typeface="Courier New" panose="02070309020205020404" pitchFamily="49" charset="0"/>
-            </a:endParaRPr>
+              <a:t>i</a:t>
+            </a:r>
+            <a:r>
+              <a:rPr lang="en-US" dirty="0" smtClean="0">
+                <a:latin typeface="Courier New" panose="02070309020205020404" pitchFamily="49" charset="0"/>
+                <a:cs typeface="Courier New" panose="02070309020205020404" pitchFamily="49" charset="0"/>
+              </a:rPr>
+              <a:t> = 0; </a:t>
+            </a:r>
+            <a:r>
+              <a:rPr lang="en-US" dirty="0" err="1" smtClean="0">
+                <a:solidFill>
+                  <a:srgbClr val="FF0000"/>
+                </a:solidFill>
+                <a:latin typeface="Courier New" panose="02070309020205020404" pitchFamily="49" charset="0"/>
+                <a:cs typeface="Courier New" panose="02070309020205020404" pitchFamily="49" charset="0"/>
+              </a:rPr>
+              <a:t>i</a:t>
+            </a:r>
+            <a:r>
+              <a:rPr lang="en-US" dirty="0" smtClean="0">
+                <a:latin typeface="Courier New" panose="02070309020205020404" pitchFamily="49" charset="0"/>
+                <a:cs typeface="Courier New" panose="02070309020205020404" pitchFamily="49" charset="0"/>
+              </a:rPr>
+              <a:t> &lt; 10 ; ++</a:t>
+            </a:r>
+            <a:r>
+              <a:rPr lang="en-US" dirty="0" err="1" smtClean="0">
+                <a:solidFill>
+                  <a:srgbClr val="FF0000"/>
+                </a:solidFill>
+                <a:latin typeface="Courier New" panose="02070309020205020404" pitchFamily="49" charset="0"/>
+                <a:cs typeface="Courier New" panose="02070309020205020404" pitchFamily="49" charset="0"/>
+              </a:rPr>
+              <a:t>i</a:t>
+            </a:r>
+            <a:r>
+              <a:rPr lang="en-US" dirty="0" smtClean="0">
+                <a:latin typeface="Courier New" panose="02070309020205020404" pitchFamily="49" charset="0"/>
+                <a:cs typeface="Courier New" panose="02070309020205020404" pitchFamily="49" charset="0"/>
+              </a:rPr>
+              <a:t>) {</a:t>
+            </a:r>
+          </a:p>
+          <a:p>
+            <a:pPr marL="0" indent="0">
+              <a:buNone/>
+            </a:pPr>
+            <a:r>
+              <a:rPr lang="en-US" dirty="0" smtClean="0">
+                <a:latin typeface="Courier New" panose="02070309020205020404" pitchFamily="49" charset="0"/>
+                <a:cs typeface="Courier New" panose="02070309020205020404" pitchFamily="49" charset="0"/>
+              </a:rPr>
+              <a:t>    if(</a:t>
+            </a:r>
+            <a:r>
+              <a:rPr lang="en-US" dirty="0" err="1" smtClean="0">
+                <a:solidFill>
+                  <a:srgbClr val="FF0000"/>
+                </a:solidFill>
+                <a:latin typeface="Courier New" panose="02070309020205020404" pitchFamily="49" charset="0"/>
+                <a:cs typeface="Courier New" panose="02070309020205020404" pitchFamily="49" charset="0"/>
+              </a:rPr>
+              <a:t>i</a:t>
+            </a:r>
+            <a:r>
+              <a:rPr lang="en-US" dirty="0" smtClean="0">
+                <a:latin typeface="Courier New" panose="02070309020205020404" pitchFamily="49" charset="0"/>
+                <a:cs typeface="Courier New" panose="02070309020205020404" pitchFamily="49" charset="0"/>
+              </a:rPr>
+              <a:t> % 2 == 0) </a:t>
+            </a:r>
+            <a:r>
+              <a:rPr lang="en-US" dirty="0" smtClean="0">
+                <a:solidFill>
+                  <a:srgbClr val="FF0000"/>
+                </a:solidFill>
+                <a:latin typeface="Courier New" panose="02070309020205020404" pitchFamily="49" charset="0"/>
+                <a:cs typeface="Courier New" panose="02070309020205020404" pitchFamily="49" charset="0"/>
+              </a:rPr>
+              <a:t>sum</a:t>
+            </a:r>
+            <a:r>
+              <a:rPr lang="en-US" dirty="0" smtClean="0">
+                <a:latin typeface="Courier New" panose="02070309020205020404" pitchFamily="49" charset="0"/>
+                <a:cs typeface="Courier New" panose="02070309020205020404" pitchFamily="49" charset="0"/>
+              </a:rPr>
+              <a:t> += </a:t>
+            </a:r>
+            <a:r>
+              <a:rPr lang="en-US" dirty="0" err="1" smtClean="0">
+                <a:solidFill>
+                  <a:srgbClr val="FF0000"/>
+                </a:solidFill>
+                <a:latin typeface="Courier New" panose="02070309020205020404" pitchFamily="49" charset="0"/>
+                <a:cs typeface="Courier New" panose="02070309020205020404" pitchFamily="49" charset="0"/>
+              </a:rPr>
+              <a:t>i</a:t>
+            </a:r>
+            <a:r>
+              <a:rPr lang="en-US" dirty="0" smtClean="0">
+                <a:latin typeface="Courier New" panose="02070309020205020404" pitchFamily="49" charset="0"/>
+                <a:cs typeface="Courier New" panose="02070309020205020404" pitchFamily="49" charset="0"/>
+              </a:rPr>
+              <a:t>;</a:t>
+            </a:r>
+          </a:p>
+          <a:p>
+            <a:pPr marL="0" indent="0">
+              <a:buNone/>
+            </a:pPr>
+            <a:r>
+              <a:rPr lang="en-US" dirty="0">
+                <a:latin typeface="Courier New" panose="02070309020205020404" pitchFamily="49" charset="0"/>
+                <a:cs typeface="Courier New" panose="02070309020205020404" pitchFamily="49" charset="0"/>
+              </a:rPr>
+              <a:t>}</a:t>
+            </a:r>
           </a:p>
         </p:txBody>
       </p:sp>
     </p:spTree>
     <p:extLst>
       <p:ext uri="{BB962C8B-B14F-4D97-AF65-F5344CB8AC3E}">
-        <p14:creationId xmlns:p14="http://schemas.microsoft.com/office/powerpoint/2010/main" val="3783412475"/>
+        <p14:creationId xmlns:p14="http://schemas.microsoft.com/office/powerpoint/2010/main" val="1589485030"/>
       </p:ext>
     </p:extLst>
   </p:cSld>
@@ -7837,11 +7602,11 @@
           <a:p>
             <a:r>
               <a:rPr lang="en-US" dirty="0" smtClean="0"/>
-              <a:t>Demo – </a:t>
-            </a:r>
-            <a:r>
-              <a:rPr lang="en-US" dirty="0" err="1" smtClean="0"/>
-              <a:t>FunctionalDate</a:t>
+              <a:t>Lambdas</a:t>
+            </a:r>
+            <a:r>
+              <a:rPr lang="en-US" baseline="0" dirty="0" smtClean="0"/>
+              <a:t> and Streams</a:t>
             </a:r>
             <a:endParaRPr lang="en-US" dirty="0"/>
           </a:p>
@@ -7857,78 +7622,253 @@
             <p:ph idx="1"/>
           </p:nvPr>
         </p:nvSpPr>
-        <p:spPr/>
-        <p:txBody>
-          <a:bodyPr/>
-          <a:lstStyle/>
-          <a:p>
-            <a:r>
-              <a:rPr lang="en-US" dirty="0" smtClean="0"/>
-              <a:t>Value</a:t>
-            </a:r>
-          </a:p>
-          <a:p>
-            <a:r>
-              <a:rPr lang="en-US" dirty="0" smtClean="0"/>
-              <a:t>predicates</a:t>
-            </a:r>
-            <a:r>
-              <a:rPr lang="en-US" baseline="0" dirty="0" smtClean="0"/>
-              <a:t> – before, after – code to interface Comparable</a:t>
+        <p:spPr>
+          <a:xfrm>
+            <a:off x="1301431" y="2596660"/>
+            <a:ext cx="3594127" cy="2734995"/>
+          </a:xfrm>
+        </p:spPr>
+        <p:txBody>
+          <a:bodyPr>
+            <a:normAutofit/>
+          </a:bodyPr>
+          <a:lstStyle/>
+          <a:p>
+            <a:pPr marL="0" indent="0">
+              <a:buNone/>
+            </a:pPr>
+            <a:r>
+              <a:rPr lang="pt-BR" dirty="0" smtClean="0"/>
+              <a:t>Find the names of albums that have at least one track rated four or  higher,  sorted by  name, </a:t>
+            </a:r>
+            <a:r>
+              <a:rPr lang="pt-BR" i="1" dirty="0" smtClean="0"/>
+              <a:t>without state</a:t>
+            </a:r>
+            <a:r>
+              <a:rPr lang="pt-BR" dirty="0" smtClean="0"/>
+              <a:t>.</a:t>
+            </a:r>
+          </a:p>
+        </p:txBody>
+      </p:sp>
+      <p:sp>
+        <p:nvSpPr>
+          <p:cNvPr id="4" name="TextBox 3"/>
+          <p:cNvSpPr txBox="1"/>
+          <p:nvPr/>
+        </p:nvSpPr>
+        <p:spPr>
+          <a:xfrm>
+            <a:off x="5317588" y="2948494"/>
+            <a:ext cx="6513342" cy="2031325"/>
+          </a:xfrm>
+          <a:prstGeom prst="rect">
+            <a:avLst/>
+          </a:prstGeom>
+          <a:noFill/>
+        </p:spPr>
+        <p:txBody>
+          <a:bodyPr wrap="square" rtlCol="0">
+            <a:spAutoFit/>
+          </a:bodyPr>
+          <a:lstStyle/>
+          <a:p>
+            <a:r>
+              <a:rPr lang="pt-BR" dirty="0" smtClean="0">
+                <a:latin typeface="Courier New" panose="02070309020205020404" pitchFamily="49" charset="0"/>
+                <a:cs typeface="Courier New" panose="02070309020205020404" pitchFamily="49" charset="0"/>
+              </a:rPr>
+              <a:t>List&lt;Album&gt; sortedFavs = albums</a:t>
             </a:r>
           </a:p>
           <a:p>
             <a:pPr lvl="1"/>
             <a:r>
-              <a:rPr lang="en-US" baseline="0" dirty="0" smtClean="0"/>
-              <a:t>Could be reused with all </a:t>
-            </a:r>
-            <a:r>
-              <a:rPr lang="en-US" baseline="0" dirty="0" err="1" smtClean="0"/>
-              <a:t>Comparables</a:t>
-            </a:r>
-            <a:endParaRPr lang="en-US" baseline="0" dirty="0" smtClean="0"/>
-          </a:p>
-          <a:p>
-            <a:r>
-              <a:rPr lang="en-US" dirty="0" smtClean="0"/>
-              <a:t>giving meaning -</a:t>
-            </a:r>
-            <a:r>
-              <a:rPr lang="en-US" baseline="0" dirty="0" smtClean="0"/>
+              <a:rPr lang="pt-BR" dirty="0" smtClean="0">
+                <a:latin typeface="Courier New" panose="02070309020205020404" pitchFamily="49" charset="0"/>
+                <a:cs typeface="Courier New" panose="02070309020205020404" pitchFamily="49" charset="0"/>
+              </a:rPr>
+              <a:t>.</a:t>
+            </a:r>
+            <a:r>
+              <a:rPr lang="pt-BR" b="1" dirty="0" smtClean="0">
+                <a:effectLst>
+                  <a:outerShdw blurRad="38100" dist="38100" dir="2700000" algn="tl">
+                    <a:srgbClr val="000000">
+                      <a:alpha val="43137"/>
+                    </a:srgbClr>
+                  </a:outerShdw>
+                </a:effectLst>
+                <a:latin typeface="Courier New" panose="02070309020205020404" pitchFamily="49" charset="0"/>
+                <a:cs typeface="Courier New" panose="02070309020205020404" pitchFamily="49" charset="0"/>
+              </a:rPr>
+              <a:t>stream </a:t>
+            </a:r>
+            <a:r>
+              <a:rPr lang="pt-BR" dirty="0" smtClean="0">
+                <a:latin typeface="Courier New" panose="02070309020205020404" pitchFamily="49" charset="0"/>
+                <a:cs typeface="Courier New" panose="02070309020205020404" pitchFamily="49" charset="0"/>
+              </a:rPr>
+              <a:t>()</a:t>
+            </a:r>
+            <a:endParaRPr lang="pt-BR" dirty="0">
+              <a:latin typeface="Courier New" panose="02070309020205020404" pitchFamily="49" charset="0"/>
+              <a:cs typeface="Courier New" panose="02070309020205020404" pitchFamily="49" charset="0"/>
+            </a:endParaRPr>
+          </a:p>
+          <a:p>
+            <a:pPr lvl="1"/>
+            <a:r>
+              <a:rPr lang="pt-BR" dirty="0" smtClean="0">
+                <a:latin typeface="Courier New" panose="02070309020205020404" pitchFamily="49" charset="0"/>
+                <a:cs typeface="Courier New" panose="02070309020205020404" pitchFamily="49" charset="0"/>
+              </a:rPr>
+              <a:t>.</a:t>
+            </a:r>
+            <a:r>
+              <a:rPr lang="pt-BR" b="1" dirty="0" smtClean="0">
+                <a:effectLst>
+                  <a:outerShdw blurRad="38100" dist="38100" dir="2700000" algn="tl">
+                    <a:srgbClr val="000000">
+                      <a:alpha val="43137"/>
+                    </a:srgbClr>
+                  </a:outerShdw>
+                </a:effectLst>
+                <a:latin typeface="Courier New" panose="02070309020205020404" pitchFamily="49" charset="0"/>
+                <a:cs typeface="Courier New" panose="02070309020205020404" pitchFamily="49" charset="0"/>
+              </a:rPr>
+              <a:t>filter </a:t>
+            </a:r>
+            <a:r>
+              <a:rPr lang="pt-BR" dirty="0" smtClean="0">
+                <a:latin typeface="Courier New" panose="02070309020205020404" pitchFamily="49" charset="0"/>
+                <a:cs typeface="Courier New" panose="02070309020205020404" pitchFamily="49" charset="0"/>
+              </a:rPr>
+              <a:t>( a-&gt;a.tracks</a:t>
+            </a:r>
+          </a:p>
+          <a:p>
+            <a:pPr lvl="4"/>
+            <a:r>
+              <a:rPr lang="pt-BR" dirty="0" smtClean="0">
+                <a:latin typeface="Courier New" panose="02070309020205020404" pitchFamily="49" charset="0"/>
+                <a:cs typeface="Courier New" panose="02070309020205020404" pitchFamily="49" charset="0"/>
+              </a:rPr>
+              <a:t>.stream()</a:t>
+            </a:r>
+          </a:p>
+          <a:p>
+            <a:pPr lvl="4"/>
+            <a:r>
+              <a:rPr lang="pt-BR" dirty="0" smtClean="0">
+                <a:latin typeface="Courier New" panose="02070309020205020404" pitchFamily="49" charset="0"/>
+                <a:cs typeface="Courier New" panose="02070309020205020404" pitchFamily="49" charset="0"/>
+              </a:rPr>
+              <a:t>.anyMatch(t-&gt; (t.rating &gt;= 4 )))</a:t>
+            </a:r>
+            <a:endParaRPr lang="pt-BR" dirty="0">
+              <a:latin typeface="Courier New" panose="02070309020205020404" pitchFamily="49" charset="0"/>
+              <a:cs typeface="Courier New" panose="02070309020205020404" pitchFamily="49" charset="0"/>
+            </a:endParaRPr>
+          </a:p>
+          <a:p>
+            <a:pPr lvl="1"/>
+            <a:r>
+              <a:rPr lang="pt-BR" dirty="0" smtClean="0">
+                <a:latin typeface="Courier New" panose="02070309020205020404" pitchFamily="49" charset="0"/>
+                <a:cs typeface="Courier New" panose="02070309020205020404" pitchFamily="49" charset="0"/>
+              </a:rPr>
+              <a:t>.</a:t>
+            </a:r>
+            <a:r>
+              <a:rPr lang="pt-BR" b="1" dirty="0" smtClean="0">
+                <a:effectLst>
+                  <a:outerShdw blurRad="38100" dist="38100" dir="2700000" algn="tl">
+                    <a:srgbClr val="000000">
+                      <a:alpha val="43137"/>
+                    </a:srgbClr>
+                  </a:outerShdw>
+                </a:effectLst>
+                <a:latin typeface="Courier New" panose="02070309020205020404" pitchFamily="49" charset="0"/>
+                <a:cs typeface="Courier New" panose="02070309020205020404" pitchFamily="49" charset="0"/>
+              </a:rPr>
+              <a:t>sorted</a:t>
+            </a:r>
+            <a:r>
+              <a:rPr lang="pt-BR" b="1" dirty="0" smtClean="0">
+                <a:latin typeface="Courier New" panose="02070309020205020404" pitchFamily="49" charset="0"/>
+                <a:cs typeface="Courier New" panose="02070309020205020404" pitchFamily="49" charset="0"/>
+              </a:rPr>
               <a:t> </a:t>
             </a:r>
             <a:r>
-              <a:rPr lang="en-US" dirty="0" smtClean="0"/>
-              <a:t>calendar – parse,</a:t>
-            </a:r>
-            <a:r>
-              <a:rPr lang="en-US" baseline="0" dirty="0" smtClean="0"/>
-              <a:t> format – strategy: value =&gt; value</a:t>
-            </a:r>
+              <a:rPr lang="pt-BR" dirty="0" smtClean="0">
+                <a:latin typeface="Courier New" panose="02070309020205020404" pitchFamily="49" charset="0"/>
+                <a:cs typeface="Courier New" panose="02070309020205020404" pitchFamily="49" charset="0"/>
+              </a:rPr>
+              <a:t>(Comparator.comparing( a-&gt; a.name))</a:t>
+            </a:r>
+            <a:endParaRPr lang="pt-BR" dirty="0">
+              <a:latin typeface="Courier New" panose="02070309020205020404" pitchFamily="49" charset="0"/>
+              <a:cs typeface="Courier New" panose="02070309020205020404" pitchFamily="49" charset="0"/>
+            </a:endParaRPr>
           </a:p>
           <a:p>
             <a:pPr lvl="1"/>
             <a:r>
-              <a:rPr lang="en-US" dirty="0" smtClean="0"/>
-              <a:t>Gregorian, Chinese, Hebrew, </a:t>
-            </a:r>
-            <a:r>
-              <a:rPr lang="en-US" dirty="0" err="1" smtClean="0"/>
-              <a:t>etc</a:t>
-            </a:r>
-            <a:endParaRPr lang="en-US" dirty="0" smtClean="0"/>
-          </a:p>
-          <a:p>
-            <a:pPr lvl="0"/>
-            <a:endParaRPr lang="en-US" dirty="0" smtClean="0"/>
+              <a:rPr lang="pt-BR" dirty="0" smtClean="0">
+                <a:latin typeface="Courier New" panose="02070309020205020404" pitchFamily="49" charset="0"/>
+                <a:cs typeface="Courier New" panose="02070309020205020404" pitchFamily="49" charset="0"/>
+              </a:rPr>
+              <a:t>.</a:t>
+            </a:r>
+            <a:r>
+              <a:rPr lang="pt-BR" b="1" dirty="0" smtClean="0">
+                <a:effectLst>
+                  <a:outerShdw blurRad="38100" dist="38100" dir="2700000" algn="tl">
+                    <a:srgbClr val="000000">
+                      <a:alpha val="43137"/>
+                    </a:srgbClr>
+                  </a:outerShdw>
+                </a:effectLst>
+                <a:latin typeface="Courier New" panose="02070309020205020404" pitchFamily="49" charset="0"/>
+                <a:cs typeface="Courier New" panose="02070309020205020404" pitchFamily="49" charset="0"/>
+              </a:rPr>
+              <a:t>collect</a:t>
+            </a:r>
+            <a:r>
+              <a:rPr lang="pt-BR" dirty="0" smtClean="0">
+                <a:effectLst>
+                  <a:outerShdw blurRad="38100" dist="38100" dir="2700000" algn="tl">
+                    <a:srgbClr val="000000">
+                      <a:alpha val="43137"/>
+                    </a:srgbClr>
+                  </a:outerShdw>
+                </a:effectLst>
+                <a:latin typeface="Courier New" panose="02070309020205020404" pitchFamily="49" charset="0"/>
+                <a:cs typeface="Courier New" panose="02070309020205020404" pitchFamily="49" charset="0"/>
+              </a:rPr>
+              <a:t> </a:t>
+            </a:r>
+            <a:r>
+              <a:rPr lang="pt-BR" dirty="0" smtClean="0">
+                <a:latin typeface="Courier New" panose="02070309020205020404" pitchFamily="49" charset="0"/>
+                <a:cs typeface="Courier New" panose="02070309020205020404" pitchFamily="49" charset="0"/>
+              </a:rPr>
+              <a:t>(Collectors.toList());</a:t>
+            </a:r>
+            <a:endParaRPr lang="en-US" dirty="0">
+              <a:latin typeface="Courier New" panose="02070309020205020404" pitchFamily="49" charset="0"/>
+              <a:cs typeface="Courier New" panose="02070309020205020404" pitchFamily="49" charset="0"/>
+            </a:endParaRPr>
           </a:p>
         </p:txBody>
       </p:sp>
     </p:spTree>
     <p:extLst>
       <p:ext uri="{BB962C8B-B14F-4D97-AF65-F5344CB8AC3E}">
-        <p14:creationId xmlns:p14="http://schemas.microsoft.com/office/powerpoint/2010/main" val="3695196690"/>
+        <p14:creationId xmlns:p14="http://schemas.microsoft.com/office/powerpoint/2010/main" val="3783412475"/>
       </p:ext>
     </p:extLst>
   </p:cSld>
@@ -7972,6 +7912,141 @@
           <a:p>
             <a:r>
               <a:rPr lang="en-US" dirty="0" smtClean="0"/>
+              <a:t>Demo – </a:t>
+            </a:r>
+            <a:r>
+              <a:rPr lang="en-US" dirty="0" err="1" smtClean="0"/>
+              <a:t>FunctionalDate</a:t>
+            </a:r>
+            <a:endParaRPr lang="en-US" dirty="0"/>
+          </a:p>
+        </p:txBody>
+      </p:sp>
+      <p:sp>
+        <p:nvSpPr>
+          <p:cNvPr id="3" name="Content Placeholder 2"/>
+          <p:cNvSpPr>
+            <a:spLocks noGrp="1"/>
+          </p:cNvSpPr>
+          <p:nvPr>
+            <p:ph idx="1"/>
+          </p:nvPr>
+        </p:nvSpPr>
+        <p:spPr/>
+        <p:txBody>
+          <a:bodyPr/>
+          <a:lstStyle/>
+          <a:p>
+            <a:r>
+              <a:rPr lang="en-US" dirty="0" smtClean="0"/>
+              <a:t>Value</a:t>
+            </a:r>
+          </a:p>
+          <a:p>
+            <a:r>
+              <a:rPr lang="en-US" dirty="0" smtClean="0"/>
+              <a:t>predicates</a:t>
+            </a:r>
+            <a:r>
+              <a:rPr lang="en-US" baseline="0" dirty="0" smtClean="0"/>
+              <a:t> – before, after – code to interface Comparable</a:t>
+            </a:r>
+          </a:p>
+          <a:p>
+            <a:pPr lvl="1"/>
+            <a:r>
+              <a:rPr lang="en-US" baseline="0" dirty="0" smtClean="0"/>
+              <a:t>Could be reused with all </a:t>
+            </a:r>
+            <a:r>
+              <a:rPr lang="en-US" baseline="0" dirty="0" err="1" smtClean="0"/>
+              <a:t>Comparables</a:t>
+            </a:r>
+            <a:endParaRPr lang="en-US" baseline="0" dirty="0" smtClean="0"/>
+          </a:p>
+          <a:p>
+            <a:r>
+              <a:rPr lang="en-US" dirty="0" smtClean="0"/>
+              <a:t>giving meaning -</a:t>
+            </a:r>
+            <a:r>
+              <a:rPr lang="en-US" baseline="0" dirty="0" smtClean="0"/>
+              <a:t> </a:t>
+            </a:r>
+            <a:r>
+              <a:rPr lang="en-US" dirty="0" smtClean="0"/>
+              <a:t>calendar – parse,</a:t>
+            </a:r>
+            <a:r>
+              <a:rPr lang="en-US" baseline="0" dirty="0" smtClean="0"/>
+              <a:t> format – strategy: value =&gt; value</a:t>
+            </a:r>
+          </a:p>
+          <a:p>
+            <a:pPr lvl="1"/>
+            <a:r>
+              <a:rPr lang="en-US" dirty="0" smtClean="0"/>
+              <a:t>Gregorian, Chinese, Hebrew, </a:t>
+            </a:r>
+            <a:r>
+              <a:rPr lang="en-US" dirty="0" err="1" smtClean="0"/>
+              <a:t>etc</a:t>
+            </a:r>
+            <a:endParaRPr lang="en-US" dirty="0" smtClean="0"/>
+          </a:p>
+          <a:p>
+            <a:pPr lvl="0"/>
+            <a:endParaRPr lang="en-US" dirty="0" smtClean="0"/>
+          </a:p>
+        </p:txBody>
+      </p:sp>
+    </p:spTree>
+    <p:extLst>
+      <p:ext uri="{BB962C8B-B14F-4D97-AF65-F5344CB8AC3E}">
+        <p14:creationId xmlns:p14="http://schemas.microsoft.com/office/powerpoint/2010/main" val="3695196690"/>
+      </p:ext>
+    </p:extLst>
+  </p:cSld>
+  <p:clrMapOvr>
+    <a:masterClrMapping/>
+  </p:clrMapOvr>
+</p:sld>
+</file>
+
+<file path=ppt/slides/slide19.xml><?xml version="1.0" encoding="utf-8"?>
+<p:sld xmlns:a="http://schemas.openxmlformats.org/drawingml/2006/main" xmlns:r="http://schemas.openxmlformats.org/officeDocument/2006/relationships" xmlns:p="http://schemas.openxmlformats.org/presentationml/2006/main">
+  <p:cSld>
+    <p:spTree>
+      <p:nvGrpSpPr>
+        <p:cNvPr id="1" name=""/>
+        <p:cNvGrpSpPr/>
+        <p:nvPr/>
+      </p:nvGrpSpPr>
+      <p:grpSpPr>
+        <a:xfrm>
+          <a:off x="0" y="0"/>
+          <a:ext cx="0" cy="0"/>
+          <a:chOff x="0" y="0"/>
+          <a:chExt cx="0" cy="0"/>
+        </a:xfrm>
+      </p:grpSpPr>
+      <p:sp>
+        <p:nvSpPr>
+          <p:cNvPr id="2" name="Title 1"/>
+          <p:cNvSpPr>
+            <a:spLocks noGrp="1"/>
+          </p:cNvSpPr>
+          <p:nvPr>
+            <p:ph type="title"/>
+          </p:nvPr>
+        </p:nvSpPr>
+        <p:spPr/>
+        <p:txBody>
+          <a:bodyPr/>
+          <a:lstStyle/>
+          <a:p>
+            <a:r>
+              <a:rPr lang="en-US" dirty="0" smtClean="0"/>
               <a:t>The End</a:t>
             </a:r>
             <a:endParaRPr lang="en-US" dirty="0"/>
@@ -8022,23 +8097,7 @@
                 <a:cs typeface="Arial" panose="020B0604020202020204" pitchFamily="34" charset="0"/>
                 <a:hlinkClick r:id="rId3"/>
               </a:rPr>
-              <a:t>http</a:t>
-            </a:r>
-            <a:r>
-              <a:rPr lang="en-US" dirty="0" smtClean="0">
-                <a:latin typeface="Arial" panose="020B0604020202020204" pitchFamily="34" charset="0"/>
-                <a:cs typeface="Arial" panose="020B0604020202020204" pitchFamily="34" charset="0"/>
-                <a:hlinkClick r:id="rId3"/>
-              </a:rPr>
-              <a:t>://</a:t>
-            </a:r>
-            <a:r>
-              <a:rPr lang="en-US" dirty="0" smtClean="0">
-                <a:latin typeface="Arial" panose="020B0604020202020204" pitchFamily="34" charset="0"/>
-                <a:cs typeface="Arial" panose="020B0604020202020204" pitchFamily="34" charset="0"/>
-                <a:hlinkClick r:id="rId3"/>
-              </a:rPr>
-              <a:t>www.lispcast.com/java-learn-from-clojure</a:t>
+              <a:t>http://www.lispcast.com/java-learn-from-clojure</a:t>
             </a:r>
             <a:endParaRPr lang="en-US" dirty="0" smtClean="0">
               <a:latin typeface="Arial" panose="020B0604020202020204" pitchFamily="34" charset="0"/>
@@ -8143,11 +8202,7 @@
           <a:p>
             <a:r>
               <a:rPr lang="en-US" dirty="0" smtClean="0"/>
-              <a:t>State </a:t>
-            </a:r>
-            <a:r>
-              <a:rPr lang="en-US" dirty="0" smtClean="0"/>
-              <a:t>and Value</a:t>
+              <a:t>State and Value</a:t>
             </a:r>
           </a:p>
           <a:p>
@@ -8167,7 +8222,6 @@
               <a:rPr lang="en-US" dirty="0" smtClean="0"/>
               <a:t>Lambda</a:t>
             </a:r>
-            <a:endParaRPr lang="en-US" dirty="0" smtClean="0"/>
           </a:p>
           <a:p>
             <a:endParaRPr lang="en-US" dirty="0" smtClean="0"/>
@@ -9109,21 +9163,13 @@
           <a:p>
             <a:r>
               <a:rPr lang="en-US" dirty="0" smtClean="0"/>
-              <a:t>Use </a:t>
-            </a:r>
+              <a:t>Use Factories and Builders</a:t>
+            </a:r>
+          </a:p>
+          <a:p>
             <a:r>
               <a:rPr lang="en-US" dirty="0" smtClean="0"/>
-              <a:t>Factories and Builders</a:t>
-            </a:r>
-          </a:p>
-          <a:p>
-            <a:r>
-              <a:rPr lang="en-US" dirty="0" smtClean="0"/>
-              <a:t>Talk </a:t>
-            </a:r>
-            <a:r>
-              <a:rPr lang="en-US" dirty="0" smtClean="0"/>
-              <a:t>to abstractions</a:t>
+              <a:t>Talk to abstractions</a:t>
             </a:r>
           </a:p>
           <a:p>
@@ -9147,11 +9193,7 @@
             </a:pPr>
             <a:r>
               <a:rPr lang="en-US" i="1" baseline="0" dirty="0" smtClean="0"/>
-              <a:t>It is a conscious </a:t>
-            </a:r>
-            <a:r>
-              <a:rPr lang="en-US" i="1" baseline="0" dirty="0" smtClean="0"/>
-              <a:t>decision and work in Java</a:t>
+              <a:t>It is a conscious decision and work in Java</a:t>
             </a:r>
             <a:endParaRPr lang="en-US" i="1" dirty="0"/>
           </a:p>
@@ -9204,11 +9246,7 @@
           <a:p>
             <a:r>
               <a:rPr lang="en-US" dirty="0" smtClean="0"/>
-              <a:t>Using</a:t>
-            </a:r>
-            <a:r>
-              <a:rPr lang="en-US" baseline="0" dirty="0" smtClean="0"/>
-              <a:t> state and values</a:t>
+              <a:t>Immutable is hard</a:t>
             </a:r>
             <a:endParaRPr lang="en-US" dirty="0"/>
           </a:p>
@@ -9230,53 +9268,8 @@
           <a:lstStyle/>
           <a:p>
             <a:r>
-              <a:rPr lang="en-US" dirty="0" smtClean="0"/>
-              <a:t>Minimize and localize</a:t>
-            </a:r>
-            <a:r>
-              <a:rPr lang="en-US" baseline="0" dirty="0" smtClean="0"/>
-              <a:t> state</a:t>
-            </a:r>
-          </a:p>
-          <a:p>
-            <a:pPr lvl="1"/>
-            <a:r>
-              <a:rPr lang="en-US" baseline="0" dirty="0" smtClean="0"/>
-              <a:t>Centralize state – every object needs a value, not  </a:t>
-            </a:r>
-            <a:r>
-              <a:rPr lang="en-US" baseline="0" dirty="0" smtClean="0"/>
-              <a:t>state</a:t>
-            </a:r>
-          </a:p>
-          <a:p>
-            <a:pPr lvl="1"/>
-            <a:r>
-              <a:rPr lang="en-US" dirty="0" smtClean="0"/>
-              <a:t>Localize state – keep state in a method, do not let it escape</a:t>
-            </a:r>
-            <a:endParaRPr lang="en-US" baseline="0" dirty="0" smtClean="0"/>
-          </a:p>
-          <a:p>
-            <a:pPr lvl="1"/>
-            <a:r>
-              <a:rPr lang="en-US" baseline="0" dirty="0" smtClean="0"/>
-              <a:t>Façade </a:t>
-            </a:r>
-            <a:r>
-              <a:rPr lang="en-US" baseline="0" dirty="0" smtClean="0"/>
-              <a:t>pattern – make a state look like a</a:t>
-            </a:r>
-            <a:r>
-              <a:rPr lang="en-US" dirty="0" smtClean="0"/>
-              <a:t> value – it is only state if it actually changes</a:t>
-            </a:r>
-            <a:endParaRPr lang="en-US" baseline="0" dirty="0" smtClean="0"/>
-          </a:p>
-          <a:p>
-            <a:r>
-              <a:rPr lang="en-US" baseline="0" dirty="0" smtClean="0"/>
-              <a:t>Favor pure functions</a:t>
+              <a:rPr lang="en-US" dirty="0"/>
+              <a:t>http://codereview.stackexchange.com/questions/66629/immutable-objects-in-java</a:t>
             </a:r>
           </a:p>
         </p:txBody>
@@ -9284,7 +9277,7 @@
     </p:spTree>
     <p:extLst>
       <p:ext uri="{BB962C8B-B14F-4D97-AF65-F5344CB8AC3E}">
-        <p14:creationId xmlns:p14="http://schemas.microsoft.com/office/powerpoint/2010/main" val="2183352308"/>
+        <p14:creationId xmlns:p14="http://schemas.microsoft.com/office/powerpoint/2010/main" val="3167892073"/>
       </p:ext>
     </p:extLst>
   </p:cSld>

--- a/FunctionalProgrammingForJavaDevelopers/ppt/Functional Programming for Object-Oriented Developers.pptx
+++ b/FunctionalProgrammingForJavaDevelopers/ppt/Functional Programming for Object-Oriented Developers.pptx
@@ -5,28 +5,30 @@
     <p:sldMasterId id="2147483648" r:id="rId1"/>
   </p:sldMasterIdLst>
   <p:notesMasterIdLst>
-    <p:notesMasterId r:id="rId21"/>
+    <p:notesMasterId r:id="rId23"/>
   </p:notesMasterIdLst>
   <p:sldIdLst>
-    <p:sldId id="256" r:id="rId2"/>
-    <p:sldId id="258" r:id="rId3"/>
-    <p:sldId id="273" r:id="rId4"/>
-    <p:sldId id="259" r:id="rId5"/>
-    <p:sldId id="260" r:id="rId6"/>
-    <p:sldId id="261" r:id="rId7"/>
-    <p:sldId id="264" r:id="rId8"/>
-    <p:sldId id="265" r:id="rId9"/>
-    <p:sldId id="274" r:id="rId10"/>
-    <p:sldId id="262" r:id="rId11"/>
-    <p:sldId id="263" r:id="rId12"/>
-    <p:sldId id="267" r:id="rId13"/>
-    <p:sldId id="266" r:id="rId14"/>
-    <p:sldId id="268" r:id="rId15"/>
-    <p:sldId id="270" r:id="rId16"/>
-    <p:sldId id="272" r:id="rId17"/>
-    <p:sldId id="271" r:id="rId18"/>
-    <p:sldId id="257" r:id="rId19"/>
-    <p:sldId id="269" r:id="rId20"/>
+    <p:sldId id="276" r:id="rId2"/>
+    <p:sldId id="256" r:id="rId3"/>
+    <p:sldId id="258" r:id="rId4"/>
+    <p:sldId id="273" r:id="rId5"/>
+    <p:sldId id="259" r:id="rId6"/>
+    <p:sldId id="260" r:id="rId7"/>
+    <p:sldId id="261" r:id="rId8"/>
+    <p:sldId id="264" r:id="rId9"/>
+    <p:sldId id="265" r:id="rId10"/>
+    <p:sldId id="275" r:id="rId11"/>
+    <p:sldId id="274" r:id="rId12"/>
+    <p:sldId id="262" r:id="rId13"/>
+    <p:sldId id="263" r:id="rId14"/>
+    <p:sldId id="267" r:id="rId15"/>
+    <p:sldId id="266" r:id="rId16"/>
+    <p:sldId id="268" r:id="rId17"/>
+    <p:sldId id="270" r:id="rId18"/>
+    <p:sldId id="272" r:id="rId19"/>
+    <p:sldId id="271" r:id="rId20"/>
+    <p:sldId id="257" r:id="rId21"/>
+    <p:sldId id="269" r:id="rId22"/>
   </p:sldIdLst>
   <p:sldSz cx="12192000" cy="6858000"/>
   <p:notesSz cx="6858000" cy="9144000"/>
@@ -127,7 +129,7 @@
   </p:defaultTextStyle>
   <p:extLst>
     <p:ext uri="{EFAFB233-063F-42B5-8137-9DF3F51BA10A}">
-      <p15:sldGuideLst xmlns:p15="http://schemas.microsoft.com/office/powerpoint/2012/main"/>
+      <p15:sldGuideLst xmlns:p15="http://schemas.microsoft.com/office/powerpoint/2012/main" xmlns=""/>
     </p:ext>
   </p:extLst>
 </p:presentation>
@@ -552,7 +554,7 @@
           <a:p>
             <a:fld id="{4BA51557-0C11-4F36-B898-71E0648F520F}" type="slidenum">
               <a:rPr lang="en-US" smtClean="0"/>
-              <a:t>17</a:t>
+              <a:t>19</a:t>
             </a:fld>
             <a:endParaRPr lang="en-US"/>
           </a:p>
@@ -6526,8 +6528,31 @@
 </file>
 
 <file path=ppt/slides/slide1.xml><?xml version="1.0" encoding="utf-8"?>
-<p:sld xmlns:a="http://schemas.openxmlformats.org/drawingml/2006/main" xmlns:r="http://schemas.openxmlformats.org/officeDocument/2006/relationships" xmlns:p="http://schemas.openxmlformats.org/presentationml/2006/main">
+<p:sld xmlns:a="http://schemas.openxmlformats.org/drawingml/2006/main" xmlns:r="http://schemas.openxmlformats.org/officeDocument/2006/relationships" xmlns:p="http://schemas.openxmlformats.org/presentationml/2006/main" showMasterSp="0">
   <p:cSld>
+    <p:bg>
+      <p:bgPr>
+        <a:gradFill>
+          <a:gsLst>
+            <a:gs pos="0">
+              <a:schemeClr val="tx1"/>
+            </a:gs>
+            <a:gs pos="50000">
+              <a:schemeClr val="bg2">
+                <a:lumMod val="25000"/>
+              </a:schemeClr>
+            </a:gs>
+            <a:gs pos="100000">
+              <a:schemeClr val="bg2">
+                <a:lumMod val="75000"/>
+              </a:schemeClr>
+            </a:gs>
+          </a:gsLst>
+          <a:lin ang="5400000" scaled="0"/>
+        </a:gradFill>
+        <a:effectLst/>
+      </p:bgPr>
+    </p:bg>
     <p:spTree>
       <p:nvGrpSpPr>
         <p:cNvPr id="1" name=""/>
@@ -6549,75 +6574,54 @@
             <a:spLocks noGrp="1"/>
           </p:cNvSpPr>
           <p:nvPr>
-            <p:ph type="ctrTitle"/>
-          </p:nvPr>
-        </p:nvSpPr>
-        <p:spPr>
-          <a:xfrm>
-            <a:off x="2928401" y="902208"/>
-            <a:ext cx="8574622" cy="3094059"/>
-          </a:xfrm>
-        </p:spPr>
-        <p:txBody>
-          <a:bodyPr>
-            <a:normAutofit/>
-          </a:bodyPr>
-          <a:lstStyle/>
-          <a:p>
-            <a:r>
-              <a:rPr lang="en-US" dirty="0" smtClean="0"/>
-              <a:t>Functional Programming for Object-Oriented Developers</a:t>
-            </a:r>
-            <a:endParaRPr lang="en-US" dirty="0"/>
-          </a:p>
-        </p:txBody>
-      </p:sp>
-      <p:sp>
-        <p:nvSpPr>
-          <p:cNvPr id="3" name="Subtitle 2"/>
-          <p:cNvSpPr>
-            <a:spLocks noGrp="1"/>
-          </p:cNvSpPr>
-          <p:nvPr>
-            <p:ph type="subTitle" idx="1"/>
+            <p:ph type="title"/>
           </p:nvPr>
         </p:nvSpPr>
         <p:spPr/>
         <p:txBody>
-          <a:bodyPr>
-            <a:normAutofit/>
-          </a:bodyPr>
-          <a:lstStyle/>
-          <a:p>
-            <a:r>
-              <a:rPr lang="en-US" dirty="0" smtClean="0"/>
-              <a:t>Matthew O. Smith</a:t>
-            </a:r>
-          </a:p>
-          <a:p>
-            <a:r>
-              <a:rPr lang="en-US" dirty="0" smtClean="0"/>
-              <a:t>Lambda Lounge</a:t>
-            </a:r>
-          </a:p>
-          <a:p>
-            <a:r>
-              <a:rPr lang="en-US" dirty="0" smtClean="0"/>
-              <a:t>June 10, 2014</a:t>
-            </a:r>
+          <a:bodyPr/>
+          <a:lstStyle/>
+          <a:p>
+            <a:endParaRPr lang="en-US"/>
+          </a:p>
+        </p:txBody>
+      </p:sp>
+      <p:sp>
+        <p:nvSpPr>
+          <p:cNvPr id="3" name="Content Placeholder 2"/>
+          <p:cNvSpPr>
+            <a:spLocks noGrp="1"/>
+          </p:cNvSpPr>
+          <p:nvPr>
+            <p:ph idx="1"/>
+          </p:nvPr>
+        </p:nvSpPr>
+        <p:spPr/>
+        <p:txBody>
+          <a:bodyPr/>
+          <a:lstStyle/>
+          <a:p>
+            <a:endParaRPr lang="en-US"/>
           </a:p>
         </p:txBody>
       </p:sp>
     </p:spTree>
     <p:extLst>
       <p:ext uri="{BB962C8B-B14F-4D97-AF65-F5344CB8AC3E}">
-        <p14:creationId xmlns:p14="http://schemas.microsoft.com/office/powerpoint/2010/main" val="1437985170"/>
+        <p14:creationId xmlns:p14="http://schemas.microsoft.com/office/powerpoint/2010/main" val="1506444597"/>
       </p:ext>
     </p:extLst>
   </p:cSld>
   <p:clrMapOvr>
     <a:masterClrMapping/>
   </p:clrMapOvr>
+  <p:timing>
+    <p:tnLst>
+      <p:par>
+        <p:cTn id="1" dur="indefinite" restart="never" nodeType="tmRoot"/>
+      </p:par>
+    </p:tnLst>
+  </p:timing>
 </p:sld>
 </file>
 
@@ -6655,11 +6659,15 @@
           <a:p>
             <a:r>
               <a:rPr lang="en-US" dirty="0" smtClean="0"/>
-              <a:t>Using</a:t>
-            </a:r>
-            <a:r>
-              <a:rPr lang="en-US" baseline="0" dirty="0" smtClean="0"/>
-              <a:t> state and values</a:t>
+              <a:t>Comparable vs </a:t>
+            </a:r>
+            <a:r>
+              <a:rPr lang="en-US" dirty="0" err="1" smtClean="0"/>
+              <a:t>HashMap</a:t>
+            </a:r>
+            <a:r>
+              <a:rPr lang="en-US" dirty="0" smtClean="0"/>
+              <a:t> keys	</a:t>
             </a:r>
             <a:endParaRPr lang="en-US" dirty="0"/>
           </a:p>
@@ -6681,59 +6689,56 @@
           <a:lstStyle/>
           <a:p>
             <a:r>
-              <a:rPr lang="en-US" dirty="0" smtClean="0"/>
-              <a:t>Minimize and localize</a:t>
-            </a:r>
-            <a:r>
-              <a:rPr lang="en-US" baseline="0" dirty="0" smtClean="0"/>
-              <a:t> state</a:t>
-            </a:r>
-          </a:p>
-          <a:p>
-            <a:pPr lvl="1"/>
-            <a:r>
-              <a:rPr lang="en-US" baseline="0" dirty="0" smtClean="0"/>
-              <a:t>Centralize state – every object needs a value, not  state</a:t>
-            </a:r>
-          </a:p>
-          <a:p>
-            <a:pPr lvl="1"/>
-            <a:r>
-              <a:rPr lang="en-US" dirty="0" smtClean="0"/>
-              <a:t>Localize state – keep state in a method, do not let it escape</a:t>
-            </a:r>
-            <a:endParaRPr lang="en-US" baseline="0" dirty="0" smtClean="0"/>
-          </a:p>
-          <a:p>
-            <a:pPr lvl="1"/>
-            <a:r>
-              <a:rPr lang="en-US" baseline="0" dirty="0" smtClean="0"/>
-              <a:t>Façade pattern – make a state look like a</a:t>
-            </a:r>
-            <a:r>
-              <a:rPr lang="en-US" dirty="0" smtClean="0"/>
-              <a:t> value – it is only state if it actually changes</a:t>
-            </a:r>
-            <a:endParaRPr lang="en-US" baseline="0" dirty="0" smtClean="0"/>
-          </a:p>
-          <a:p>
-            <a:r>
-              <a:rPr lang="en-US" baseline="0" dirty="0" smtClean="0"/>
-              <a:t>Favor pure functions</a:t>
-            </a:r>
+              <a:rPr lang="en-US" dirty="0">
+                <a:hlinkClick r:id="rId2"/>
+              </a:rPr>
+              <a:t>http://</a:t>
+            </a:r>
+            <a:r>
+              <a:rPr lang="en-US" dirty="0" smtClean="0">
+                <a:hlinkClick r:id="rId2"/>
+              </a:rPr>
+              <a:t>docs.oracle.com/javase/7/docs/api/java/lang/Comparable.html</a:t>
+            </a:r>
+            <a:endParaRPr lang="en-US" dirty="0" smtClean="0"/>
+          </a:p>
+          <a:p>
+            <a:r>
+              <a:rPr lang="en-US" dirty="0">
+                <a:hlinkClick r:id="rId3"/>
+              </a:rPr>
+              <a:t>http://howtodoinjava.com/2013/05/02/how-to-design-a-good-key-for-hashmap</a:t>
+            </a:r>
+            <a:r>
+              <a:rPr lang="en-US" dirty="0" smtClean="0">
+                <a:hlinkClick r:id="rId3"/>
+              </a:rPr>
+              <a:t>/</a:t>
+            </a:r>
+            <a:endParaRPr lang="en-US" dirty="0" smtClean="0"/>
+          </a:p>
+          <a:p>
+            <a:endParaRPr lang="en-US" dirty="0"/>
           </a:p>
         </p:txBody>
       </p:sp>
     </p:spTree>
     <p:extLst>
       <p:ext uri="{BB962C8B-B14F-4D97-AF65-F5344CB8AC3E}">
-        <p14:creationId xmlns:p14="http://schemas.microsoft.com/office/powerpoint/2010/main" val="2183352308"/>
+        <p14:creationId xmlns:p14="http://schemas.microsoft.com/office/powerpoint/2010/main" val="814347091"/>
       </p:ext>
     </p:extLst>
   </p:cSld>
   <p:clrMapOvr>
     <a:masterClrMapping/>
   </p:clrMapOvr>
+  <p:timing>
+    <p:tnLst>
+      <p:par>
+        <p:cTn id="1" dur="indefinite" restart="never" nodeType="tmRoot"/>
+      </p:par>
+    </p:tnLst>
+  </p:timing>
 </p:sld>
 </file>
 
@@ -6771,7 +6776,7 @@
           <a:p>
             <a:r>
               <a:rPr lang="en-US" dirty="0" smtClean="0"/>
-              <a:t>Pure Functions</a:t>
+              <a:t>Immutable is hard</a:t>
             </a:r>
             <a:endParaRPr lang="en-US" dirty="0"/>
           </a:p>
@@ -6793,49 +6798,32 @@
           <a:lstStyle/>
           <a:p>
             <a:r>
-              <a:rPr lang="en-US" dirty="0" smtClean="0"/>
-              <a:t>Thinks “math</a:t>
-            </a:r>
-            <a:r>
-              <a:rPr lang="en-US" baseline="0" dirty="0" smtClean="0"/>
-              <a:t> functions”</a:t>
-            </a:r>
-            <a:endParaRPr lang="en-US" dirty="0" smtClean="0"/>
-          </a:p>
-          <a:p>
-            <a:r>
-              <a:rPr lang="en-US" dirty="0" smtClean="0"/>
-              <a:t>Functions</a:t>
-            </a:r>
-            <a:r>
-              <a:rPr lang="en-US" baseline="0" dirty="0" smtClean="0"/>
-              <a:t> vs methods</a:t>
-            </a:r>
-          </a:p>
-          <a:p>
-            <a:r>
-              <a:rPr lang="en-US" baseline="0" dirty="0" smtClean="0"/>
-              <a:t>Treating all inputs and outputs as values</a:t>
-            </a:r>
-          </a:p>
-          <a:p>
-            <a:r>
-              <a:rPr lang="en-US" baseline="0" dirty="0" smtClean="0"/>
-              <a:t>Separate data from functions</a:t>
-            </a:r>
+              <a:rPr lang="en-US" dirty="0">
+                <a:hlinkClick r:id="rId2"/>
+              </a:rPr>
+              <a:t>http://codereview.stackexchange.com/questions/66629/immutable-objects-in-java</a:t>
+            </a:r>
+            <a:endParaRPr lang="en-US" dirty="0"/>
           </a:p>
         </p:txBody>
       </p:sp>
     </p:spTree>
     <p:extLst>
       <p:ext uri="{BB962C8B-B14F-4D97-AF65-F5344CB8AC3E}">
-        <p14:creationId xmlns:p14="http://schemas.microsoft.com/office/powerpoint/2010/main" val="2404869502"/>
+        <p14:creationId xmlns:p14="http://schemas.microsoft.com/office/powerpoint/2010/main" val="3167892073"/>
       </p:ext>
     </p:extLst>
   </p:cSld>
   <p:clrMapOvr>
     <a:masterClrMapping/>
   </p:clrMapOvr>
+  <p:timing>
+    <p:tnLst>
+      <p:par>
+        <p:cTn id="1" dur="indefinite" restart="never" nodeType="tmRoot"/>
+      </p:par>
+    </p:tnLst>
+  </p:timing>
 </p:sld>
 </file>
 
@@ -6873,11 +6861,11 @@
           <a:p>
             <a:r>
               <a:rPr lang="en-US" dirty="0" smtClean="0"/>
-              <a:t>Think</a:t>
+              <a:t>Using</a:t>
             </a:r>
             <a:r>
               <a:rPr lang="en-US" baseline="0" dirty="0" smtClean="0"/>
-              <a:t> Math Functions</a:t>
+              <a:t> state and values</a:t>
             </a:r>
             <a:endParaRPr lang="en-US" dirty="0"/>
           </a:p>
@@ -6895,94 +6883,70 @@
         </p:nvSpPr>
         <p:spPr/>
         <p:txBody>
-          <a:bodyPr numCol="2">
-            <a:normAutofit/>
-          </a:bodyPr>
+          <a:bodyPr/>
           <a:lstStyle/>
           <a:p>
             <a:r>
               <a:rPr lang="en-US" dirty="0" smtClean="0"/>
-              <a:t>f(x) = x * x</a:t>
-            </a:r>
-          </a:p>
-          <a:p>
+              <a:t>Minimize and localize</a:t>
+            </a:r>
+            <a:r>
+              <a:rPr lang="en-US" baseline="0" dirty="0" smtClean="0"/>
+              <a:t> state</a:t>
+            </a:r>
+          </a:p>
+          <a:p>
+            <a:pPr lvl="1"/>
+            <a:r>
+              <a:rPr lang="en-US" baseline="0" dirty="0" smtClean="0"/>
+              <a:t>Centralize state – every object needs a value, not  state</a:t>
+            </a:r>
+          </a:p>
+          <a:p>
+            <a:pPr lvl="1"/>
             <a:r>
               <a:rPr lang="en-US" dirty="0" smtClean="0"/>
-              <a:t>Inputs are</a:t>
-            </a:r>
+              <a:t>Localize state – keep state in a method, do not let it escape</a:t>
+            </a:r>
+            <a:endParaRPr lang="en-US" baseline="0" dirty="0" smtClean="0"/>
+          </a:p>
+          <a:p>
+            <a:pPr lvl="1"/>
             <a:r>
               <a:rPr lang="en-US" baseline="0" dirty="0" smtClean="0"/>
-              <a:t> values – output is a value</a:t>
-            </a:r>
-            <a:endParaRPr lang="en-US" dirty="0" smtClean="0"/>
-          </a:p>
-          <a:p>
+              <a:t>Façade pattern – make a state look like a</a:t>
+            </a:r>
             <a:r>
               <a:rPr lang="en-US" dirty="0" smtClean="0"/>
-              <a:t>No side effects</a:t>
-            </a:r>
-          </a:p>
-          <a:p>
-            <a:pPr lvl="1"/>
-            <a:r>
-              <a:rPr lang="en-US" dirty="0" smtClean="0"/>
-              <a:t>No state change</a:t>
-            </a:r>
-          </a:p>
-          <a:p>
-            <a:pPr lvl="1"/>
-            <a:r>
-              <a:rPr lang="en-US" dirty="0" smtClean="0"/>
-              <a:t>arguments</a:t>
-            </a:r>
+              <a:t> value – it is only state if it actually changes</a:t>
+            </a:r>
+            <a:endParaRPr lang="en-US" baseline="0" dirty="0" smtClean="0"/>
+          </a:p>
+          <a:p>
             <a:r>
               <a:rPr lang="en-US" baseline="0" dirty="0" smtClean="0"/>
-              <a:t> unaffected - collections</a:t>
-            </a:r>
-          </a:p>
-          <a:p>
-            <a:pPr lvl="1"/>
-            <a:r>
-              <a:rPr lang="en-US" baseline="0" dirty="0" smtClean="0"/>
-              <a:t>calling with the same arguments yields the same results</a:t>
-            </a:r>
-          </a:p>
-          <a:p>
-            <a:pPr lvl="0"/>
-            <a:endParaRPr lang="en-US" dirty="0" smtClean="0"/>
-          </a:p>
-          <a:p>
-            <a:pPr marL="0" lvl="0" indent="0">
-              <a:buNone/>
-            </a:pPr>
-            <a:endParaRPr lang="en-US" i="1" dirty="0" smtClean="0"/>
-          </a:p>
-          <a:p>
-            <a:pPr marL="0" lvl="0" indent="0">
-              <a:buNone/>
-            </a:pPr>
-            <a:r>
-              <a:rPr lang="en-US" i="1" dirty="0" smtClean="0"/>
-              <a:t>Seriously, all this is really useful</a:t>
-            </a:r>
-            <a:r>
-              <a:rPr lang="en-US" dirty="0" smtClean="0"/>
-              <a:t>.</a:t>
-            </a:r>
-            <a:endParaRPr lang="en-US" dirty="0"/>
+              <a:t>Favor pure functions</a:t>
+            </a:r>
           </a:p>
         </p:txBody>
       </p:sp>
     </p:spTree>
     <p:extLst>
       <p:ext uri="{BB962C8B-B14F-4D97-AF65-F5344CB8AC3E}">
-        <p14:creationId xmlns:p14="http://schemas.microsoft.com/office/powerpoint/2010/main" val="811614220"/>
+        <p14:creationId xmlns:p14="http://schemas.microsoft.com/office/powerpoint/2010/main" val="2183352308"/>
       </p:ext>
     </p:extLst>
   </p:cSld>
   <p:clrMapOvr>
     <a:masterClrMapping/>
   </p:clrMapOvr>
+  <p:timing>
+    <p:tnLst>
+      <p:par>
+        <p:cTn id="1" dur="indefinite" restart="never" nodeType="tmRoot"/>
+      </p:par>
+    </p:tnLst>
+  </p:timing>
 </p:sld>
 </file>
 
@@ -7020,7 +6984,7 @@
           <a:p>
             <a:r>
               <a:rPr lang="en-US" dirty="0" smtClean="0"/>
-              <a:t>Functions Vs Methods</a:t>
+              <a:t>Pure Functions</a:t>
             </a:r>
             <a:endParaRPr lang="en-US" dirty="0"/>
           </a:p>
@@ -7043,40 +7007,34 @@
           <a:p>
             <a:r>
               <a:rPr lang="en-US" dirty="0" smtClean="0"/>
-              <a:t>Difference</a:t>
+              <a:t>Thinks “math</a:t>
             </a:r>
             <a:r>
               <a:rPr lang="en-US" baseline="0" dirty="0" smtClean="0"/>
-              <a:t> between functions and methods</a:t>
-            </a:r>
-          </a:p>
-          <a:p>
-            <a:pPr lvl="1"/>
+              <a:t> functions”</a:t>
+            </a:r>
+            <a:endParaRPr lang="en-US" dirty="0" smtClean="0"/>
+          </a:p>
+          <a:p>
             <a:r>
               <a:rPr lang="en-US" dirty="0" smtClean="0"/>
-              <a:t>Dynamic</a:t>
+              <a:t>Functions</a:t>
             </a:r>
             <a:r>
               <a:rPr lang="en-US" baseline="0" dirty="0" smtClean="0"/>
-              <a:t> dispatch</a:t>
-            </a:r>
-          </a:p>
-          <a:p>
-            <a:pPr lvl="1"/>
+              <a:t> vs methods</a:t>
+            </a:r>
+          </a:p>
+          <a:p>
             <a:r>
               <a:rPr lang="en-US" baseline="0" dirty="0" smtClean="0"/>
-              <a:t>Implied “this”</a:t>
-            </a:r>
-          </a:p>
-          <a:p>
-            <a:pPr lvl="0"/>
-            <a:r>
-              <a:rPr lang="en-US" dirty="0" smtClean="0"/>
-              <a:t>Does not matter in</a:t>
-            </a:r>
+              <a:t>Treating all inputs and outputs as values</a:t>
+            </a:r>
+          </a:p>
+          <a:p>
             <a:r>
               <a:rPr lang="en-US" baseline="0" dirty="0" smtClean="0"/>
-              <a:t> the least – I am going to call them functions</a:t>
+              <a:t>Separate data from functions</a:t>
             </a:r>
           </a:p>
         </p:txBody>
@@ -7084,13 +7042,20 @@
     </p:spTree>
     <p:extLst>
       <p:ext uri="{BB962C8B-B14F-4D97-AF65-F5344CB8AC3E}">
-        <p14:creationId xmlns:p14="http://schemas.microsoft.com/office/powerpoint/2010/main" val="4077021880"/>
+        <p14:creationId xmlns:p14="http://schemas.microsoft.com/office/powerpoint/2010/main" val="2404869502"/>
       </p:ext>
     </p:extLst>
   </p:cSld>
   <p:clrMapOvr>
     <a:masterClrMapping/>
   </p:clrMapOvr>
+  <p:timing>
+    <p:tnLst>
+      <p:par>
+        <p:cTn id="1" dur="indefinite" restart="never" nodeType="tmRoot"/>
+      </p:par>
+    </p:tnLst>
+  </p:timing>
 </p:sld>
 </file>
 
@@ -7128,11 +7093,11 @@
           <a:p>
             <a:r>
               <a:rPr lang="en-US" dirty="0" smtClean="0"/>
-              <a:t>Treating</a:t>
+              <a:t>Think</a:t>
             </a:r>
             <a:r>
               <a:rPr lang="en-US" baseline="0" dirty="0" smtClean="0"/>
-              <a:t> all inputs/outputs as values</a:t>
+              <a:t> Math Functions</a:t>
             </a:r>
             <a:endParaRPr lang="en-US" dirty="0"/>
           </a:p>
@@ -7150,46 +7115,79 @@
         </p:nvSpPr>
         <p:spPr/>
         <p:txBody>
-          <a:bodyPr/>
+          <a:bodyPr numCol="2">
+            <a:normAutofit/>
+          </a:bodyPr>
           <a:lstStyle/>
           <a:p>
             <a:r>
               <a:rPr lang="en-US" dirty="0" smtClean="0"/>
-              <a:t>Best to actually pass values</a:t>
+              <a:t>f(x) = x * x</a:t>
             </a:r>
           </a:p>
           <a:p>
             <a:r>
               <a:rPr lang="en-US" dirty="0" smtClean="0"/>
-              <a:t>Code</a:t>
+              <a:t>Inputs are</a:t>
             </a:r>
             <a:r>
               <a:rPr lang="en-US" baseline="0" dirty="0" smtClean="0"/>
-              <a:t> to interfaces</a:t>
-            </a:r>
-          </a:p>
-          <a:p>
+              <a:t> values – output is a value</a:t>
+            </a:r>
+            <a:endParaRPr lang="en-US" dirty="0" smtClean="0"/>
+          </a:p>
+          <a:p>
+            <a:r>
+              <a:rPr lang="en-US" dirty="0" smtClean="0"/>
+              <a:t>No side effects</a:t>
+            </a:r>
+          </a:p>
+          <a:p>
+            <a:pPr lvl="1"/>
+            <a:r>
+              <a:rPr lang="en-US" dirty="0" smtClean="0"/>
+              <a:t>No state change</a:t>
+            </a:r>
+          </a:p>
+          <a:p>
+            <a:pPr lvl="1"/>
+            <a:r>
+              <a:rPr lang="en-US" dirty="0" smtClean="0"/>
+              <a:t>arguments</a:t>
+            </a:r>
             <a:r>
               <a:rPr lang="en-US" baseline="0" dirty="0" smtClean="0"/>
-              <a:t>Never alter an input</a:t>
-            </a:r>
-          </a:p>
-          <a:p>
+              <a:t> unaffected - collections</a:t>
+            </a:r>
+          </a:p>
+          <a:p>
+            <a:pPr lvl="1"/>
             <a:r>
               <a:rPr lang="en-US" baseline="0" dirty="0" smtClean="0"/>
-              <a:t>Decorator pattern</a:t>
-            </a:r>
-          </a:p>
-          <a:p>
-            <a:r>
-              <a:rPr lang="en-US" baseline="0" dirty="0" smtClean="0"/>
-              <a:t>Visitor/Iterator pattern</a:t>
-            </a:r>
-          </a:p>
-          <a:p>
+              <a:t>calling with the same arguments yields the same results</a:t>
+            </a:r>
+          </a:p>
+          <a:p>
+            <a:pPr lvl="0"/>
+            <a:endParaRPr lang="en-US" dirty="0" smtClean="0"/>
+          </a:p>
+          <a:p>
+            <a:pPr marL="0" lvl="0" indent="0">
+              <a:buNone/>
+            </a:pPr>
+            <a:endParaRPr lang="en-US" i="1" dirty="0" smtClean="0"/>
+          </a:p>
+          <a:p>
+            <a:pPr marL="0" lvl="0" indent="0">
+              <a:buNone/>
+            </a:pPr>
+            <a:r>
+              <a:rPr lang="en-US" i="1" dirty="0" smtClean="0"/>
+              <a:t>Seriously, all this is really useful</a:t>
+            </a:r>
             <a:r>
               <a:rPr lang="en-US" dirty="0" smtClean="0"/>
-              <a:t>Return values where possible</a:t>
+              <a:t>.</a:t>
             </a:r>
             <a:endParaRPr lang="en-US" dirty="0"/>
           </a:p>
@@ -7198,13 +7196,20 @@
     </p:spTree>
     <p:extLst>
       <p:ext uri="{BB962C8B-B14F-4D97-AF65-F5344CB8AC3E}">
-        <p14:creationId xmlns:p14="http://schemas.microsoft.com/office/powerpoint/2010/main" val="1604626286"/>
+        <p14:creationId xmlns:p14="http://schemas.microsoft.com/office/powerpoint/2010/main" val="811614220"/>
       </p:ext>
     </p:extLst>
   </p:cSld>
   <p:clrMapOvr>
     <a:masterClrMapping/>
   </p:clrMapOvr>
+  <p:timing>
+    <p:tnLst>
+      <p:par>
+        <p:cTn id="1" dur="indefinite" restart="never" nodeType="tmRoot"/>
+      </p:par>
+    </p:tnLst>
+  </p:timing>
 </p:sld>
 </file>
 
@@ -7242,7 +7247,7 @@
           <a:p>
             <a:r>
               <a:rPr lang="en-US" dirty="0" smtClean="0"/>
-              <a:t>Separate data from functions</a:t>
+              <a:t>Functions Vs Methods</a:t>
             </a:r>
             <a:endParaRPr lang="en-US" dirty="0"/>
           </a:p>
@@ -7265,21 +7270,40 @@
           <a:p>
             <a:r>
               <a:rPr lang="en-US" dirty="0" smtClean="0"/>
-              <a:t>Forget “Objects</a:t>
+              <a:t>Difference</a:t>
             </a:r>
             <a:r>
               <a:rPr lang="en-US" baseline="0" dirty="0" smtClean="0"/>
-              <a:t> should know how to  … for themselves”</a:t>
-            </a:r>
-          </a:p>
-          <a:p>
+              <a:t> between functions and methods</a:t>
+            </a:r>
+          </a:p>
+          <a:p>
+            <a:pPr lvl="1"/>
             <a:r>
               <a:rPr lang="en-US" dirty="0" smtClean="0"/>
-              <a:t>Use Strategy pattern to define algorithms outside</a:t>
+              <a:t>Dynamic</a:t>
             </a:r>
             <a:r>
               <a:rPr lang="en-US" baseline="0" dirty="0" smtClean="0"/>
-              <a:t> the values they work on</a:t>
+              <a:t> dispatch</a:t>
+            </a:r>
+          </a:p>
+          <a:p>
+            <a:pPr lvl="1"/>
+            <a:r>
+              <a:rPr lang="en-US" baseline="0" dirty="0" smtClean="0"/>
+              <a:t>Implied “this”</a:t>
+            </a:r>
+          </a:p>
+          <a:p>
+            <a:pPr lvl="0"/>
+            <a:r>
+              <a:rPr lang="en-US" dirty="0" smtClean="0"/>
+              <a:t>Does not matter in</a:t>
+            </a:r>
+            <a:r>
+              <a:rPr lang="en-US" baseline="0" dirty="0" smtClean="0"/>
+              <a:t> the least – I am going to call them functions</a:t>
             </a:r>
           </a:p>
         </p:txBody>
@@ -7287,13 +7311,20 @@
     </p:spTree>
     <p:extLst>
       <p:ext uri="{BB962C8B-B14F-4D97-AF65-F5344CB8AC3E}">
-        <p14:creationId xmlns:p14="http://schemas.microsoft.com/office/powerpoint/2010/main" val="64466811"/>
+        <p14:creationId xmlns:p14="http://schemas.microsoft.com/office/powerpoint/2010/main" val="4077021880"/>
       </p:ext>
     </p:extLst>
   </p:cSld>
   <p:clrMapOvr>
     <a:masterClrMapping/>
   </p:clrMapOvr>
+  <p:timing>
+    <p:tnLst>
+      <p:par>
+        <p:cTn id="1" dur="indefinite" restart="never" nodeType="tmRoot"/>
+      </p:par>
+    </p:tnLst>
+  </p:timing>
 </p:sld>
 </file>
 
@@ -7331,240 +7362,90 @@
           <a:p>
             <a:r>
               <a:rPr lang="en-US" dirty="0" smtClean="0"/>
-              <a:t>For loops and state</a:t>
-            </a:r>
-            <a:br>
+              <a:t>Treating</a:t>
+            </a:r>
+            <a:r>
+              <a:rPr lang="en-US" baseline="0" dirty="0" smtClean="0"/>
+              <a:t> all inputs/outputs as values</a:t>
+            </a:r>
+            <a:endParaRPr lang="en-US" dirty="0"/>
+          </a:p>
+        </p:txBody>
+      </p:sp>
+      <p:sp>
+        <p:nvSpPr>
+          <p:cNvPr id="3" name="Content Placeholder 2"/>
+          <p:cNvSpPr>
+            <a:spLocks noGrp="1"/>
+          </p:cNvSpPr>
+          <p:nvPr>
+            <p:ph idx="1"/>
+          </p:nvPr>
+        </p:nvSpPr>
+        <p:spPr/>
+        <p:txBody>
+          <a:bodyPr/>
+          <a:lstStyle/>
+          <a:p>
+            <a:r>
               <a:rPr lang="en-US" dirty="0" smtClean="0"/>
-            </a:br>
+              <a:t>Best to actually pass values</a:t>
+            </a:r>
+          </a:p>
+          <a:p>
             <a:r>
               <a:rPr lang="en-US" dirty="0" smtClean="0"/>
-              <a:t>Iterators do not help</a:t>
-            </a:r>
-            <a:endParaRPr lang="en-US" dirty="0"/>
-          </a:p>
-        </p:txBody>
-      </p:sp>
-      <p:sp>
-        <p:nvSpPr>
-          <p:cNvPr id="3" name="Content Placeholder 2"/>
-          <p:cNvSpPr>
-            <a:spLocks noGrp="1"/>
-          </p:cNvSpPr>
-          <p:nvPr>
-            <p:ph idx="1"/>
-          </p:nvPr>
-        </p:nvSpPr>
-        <p:spPr/>
-        <p:txBody>
-          <a:bodyPr/>
-          <a:lstStyle/>
-          <a:p>
-            <a:pPr marL="0" indent="0">
-              <a:buNone/>
-            </a:pPr>
-            <a:r>
-              <a:rPr lang="en-US" dirty="0" err="1">
-                <a:latin typeface="Courier New" panose="02070309020205020404" pitchFamily="49" charset="0"/>
-                <a:cs typeface="Courier New" panose="02070309020205020404" pitchFamily="49" charset="0"/>
-              </a:rPr>
-              <a:t>i</a:t>
-            </a:r>
-            <a:r>
-              <a:rPr lang="en-US" dirty="0" err="1" smtClean="0">
-                <a:latin typeface="Courier New" panose="02070309020205020404" pitchFamily="49" charset="0"/>
-                <a:cs typeface="Courier New" panose="02070309020205020404" pitchFamily="49" charset="0"/>
-              </a:rPr>
-              <a:t>nt</a:t>
-            </a:r>
-            <a:r>
-              <a:rPr lang="en-US" dirty="0" smtClean="0">
-                <a:latin typeface="Courier New" panose="02070309020205020404" pitchFamily="49" charset="0"/>
-                <a:cs typeface="Courier New" panose="02070309020205020404" pitchFamily="49" charset="0"/>
-              </a:rPr>
-              <a:t> </a:t>
-            </a:r>
-            <a:r>
-              <a:rPr lang="en-US" dirty="0" smtClean="0">
-                <a:solidFill>
-                  <a:srgbClr val="FF0000"/>
-                </a:solidFill>
-                <a:latin typeface="Courier New" panose="02070309020205020404" pitchFamily="49" charset="0"/>
-                <a:cs typeface="Courier New" panose="02070309020205020404" pitchFamily="49" charset="0"/>
-              </a:rPr>
-              <a:t>sum</a:t>
-            </a:r>
-            <a:r>
-              <a:rPr lang="en-US" dirty="0" smtClean="0">
-                <a:latin typeface="Courier New" panose="02070309020205020404" pitchFamily="49" charset="0"/>
-                <a:cs typeface="Courier New" panose="02070309020205020404" pitchFamily="49" charset="0"/>
-              </a:rPr>
-              <a:t> = 0;</a:t>
-            </a:r>
-          </a:p>
-          <a:p>
-            <a:pPr marL="0" indent="0">
-              <a:buNone/>
-            </a:pPr>
-            <a:r>
-              <a:rPr lang="en-US" dirty="0" smtClean="0">
-                <a:latin typeface="Courier New" panose="02070309020205020404" pitchFamily="49" charset="0"/>
-                <a:cs typeface="Courier New" panose="02070309020205020404" pitchFamily="49" charset="0"/>
-              </a:rPr>
-              <a:t>for(</a:t>
-            </a:r>
-            <a:r>
-              <a:rPr lang="en-US" dirty="0" err="1" smtClean="0">
-                <a:latin typeface="Courier New" panose="02070309020205020404" pitchFamily="49" charset="0"/>
-                <a:cs typeface="Courier New" panose="02070309020205020404" pitchFamily="49" charset="0"/>
-              </a:rPr>
-              <a:t>int</a:t>
-            </a:r>
-            <a:r>
-              <a:rPr lang="en-US" dirty="0" smtClean="0">
-                <a:latin typeface="Courier New" panose="02070309020205020404" pitchFamily="49" charset="0"/>
-                <a:cs typeface="Courier New" panose="02070309020205020404" pitchFamily="49" charset="0"/>
-              </a:rPr>
-              <a:t> </a:t>
-            </a:r>
-            <a:r>
-              <a:rPr lang="en-US" dirty="0" err="1" smtClean="0">
-                <a:solidFill>
-                  <a:srgbClr val="FF0000"/>
-                </a:solidFill>
-                <a:latin typeface="Courier New" panose="02070309020205020404" pitchFamily="49" charset="0"/>
-                <a:cs typeface="Courier New" panose="02070309020205020404" pitchFamily="49" charset="0"/>
-              </a:rPr>
-              <a:t>i</a:t>
-            </a:r>
-            <a:r>
-              <a:rPr lang="en-US" dirty="0" smtClean="0">
-                <a:latin typeface="Courier New" panose="02070309020205020404" pitchFamily="49" charset="0"/>
-                <a:cs typeface="Courier New" panose="02070309020205020404" pitchFamily="49" charset="0"/>
-              </a:rPr>
-              <a:t> = 0; </a:t>
-            </a:r>
-            <a:r>
-              <a:rPr lang="en-US" dirty="0" err="1" smtClean="0">
-                <a:solidFill>
-                  <a:srgbClr val="FF0000"/>
-                </a:solidFill>
-                <a:latin typeface="Courier New" panose="02070309020205020404" pitchFamily="49" charset="0"/>
-                <a:cs typeface="Courier New" panose="02070309020205020404" pitchFamily="49" charset="0"/>
-              </a:rPr>
-              <a:t>i</a:t>
-            </a:r>
-            <a:r>
-              <a:rPr lang="en-US" dirty="0" smtClean="0">
-                <a:latin typeface="Courier New" panose="02070309020205020404" pitchFamily="49" charset="0"/>
-                <a:cs typeface="Courier New" panose="02070309020205020404" pitchFamily="49" charset="0"/>
-              </a:rPr>
-              <a:t> &lt; 10 ; ++</a:t>
-            </a:r>
-            <a:r>
-              <a:rPr lang="en-US" dirty="0" err="1" smtClean="0">
-                <a:solidFill>
-                  <a:srgbClr val="FF0000"/>
-                </a:solidFill>
-                <a:latin typeface="Courier New" panose="02070309020205020404" pitchFamily="49" charset="0"/>
-                <a:cs typeface="Courier New" panose="02070309020205020404" pitchFamily="49" charset="0"/>
-              </a:rPr>
-              <a:t>i</a:t>
-            </a:r>
-            <a:r>
-              <a:rPr lang="en-US" dirty="0" smtClean="0">
-                <a:latin typeface="Courier New" panose="02070309020205020404" pitchFamily="49" charset="0"/>
-                <a:cs typeface="Courier New" panose="02070309020205020404" pitchFamily="49" charset="0"/>
-              </a:rPr>
-              <a:t>) {</a:t>
-            </a:r>
-          </a:p>
-          <a:p>
-            <a:pPr marL="0" indent="0">
-              <a:buNone/>
-            </a:pPr>
-            <a:r>
-              <a:rPr lang="en-US" dirty="0" smtClean="0">
-                <a:latin typeface="Courier New" panose="02070309020205020404" pitchFamily="49" charset="0"/>
-                <a:cs typeface="Courier New" panose="02070309020205020404" pitchFamily="49" charset="0"/>
-              </a:rPr>
-              <a:t>    if(</a:t>
-            </a:r>
-            <a:r>
-              <a:rPr lang="en-US" dirty="0" err="1" smtClean="0">
-                <a:solidFill>
-                  <a:srgbClr val="FF0000"/>
-                </a:solidFill>
-                <a:latin typeface="Courier New" panose="02070309020205020404" pitchFamily="49" charset="0"/>
-                <a:cs typeface="Courier New" panose="02070309020205020404" pitchFamily="49" charset="0"/>
-              </a:rPr>
-              <a:t>i</a:t>
-            </a:r>
-            <a:r>
-              <a:rPr lang="en-US" dirty="0" smtClean="0">
-                <a:latin typeface="Courier New" panose="02070309020205020404" pitchFamily="49" charset="0"/>
-                <a:cs typeface="Courier New" panose="02070309020205020404" pitchFamily="49" charset="0"/>
-              </a:rPr>
-              <a:t> % 2 == 0) </a:t>
-            </a:r>
-            <a:r>
-              <a:rPr lang="en-US" dirty="0" smtClean="0">
-                <a:solidFill>
-                  <a:srgbClr val="FF0000"/>
-                </a:solidFill>
-                <a:latin typeface="Courier New" panose="02070309020205020404" pitchFamily="49" charset="0"/>
-                <a:cs typeface="Courier New" panose="02070309020205020404" pitchFamily="49" charset="0"/>
-              </a:rPr>
-              <a:t>sum</a:t>
-            </a:r>
-            <a:r>
-              <a:rPr lang="en-US" dirty="0" smtClean="0">
-                <a:latin typeface="Courier New" panose="02070309020205020404" pitchFamily="49" charset="0"/>
-                <a:cs typeface="Courier New" panose="02070309020205020404" pitchFamily="49" charset="0"/>
-              </a:rPr>
-              <a:t> += </a:t>
-            </a:r>
-            <a:r>
-              <a:rPr lang="en-US" dirty="0" err="1" smtClean="0">
-                <a:solidFill>
-                  <a:srgbClr val="FF0000"/>
-                </a:solidFill>
-                <a:latin typeface="Courier New" panose="02070309020205020404" pitchFamily="49" charset="0"/>
-                <a:cs typeface="Courier New" panose="02070309020205020404" pitchFamily="49" charset="0"/>
-              </a:rPr>
-              <a:t>i</a:t>
-            </a:r>
-            <a:r>
-              <a:rPr lang="en-US" dirty="0" smtClean="0">
-                <a:latin typeface="Courier New" panose="02070309020205020404" pitchFamily="49" charset="0"/>
-                <a:cs typeface="Courier New" panose="02070309020205020404" pitchFamily="49" charset="0"/>
-              </a:rPr>
-              <a:t>;</a:t>
-            </a:r>
-          </a:p>
-          <a:p>
-            <a:pPr marL="0" indent="0">
-              <a:buNone/>
-            </a:pPr>
-            <a:r>
-              <a:rPr lang="en-US" dirty="0">
-                <a:latin typeface="Courier New" panose="02070309020205020404" pitchFamily="49" charset="0"/>
-                <a:cs typeface="Courier New" panose="02070309020205020404" pitchFamily="49" charset="0"/>
-              </a:rPr>
-              <a:t>}</a:t>
-            </a:r>
+              <a:t>Code</a:t>
+            </a:r>
+            <a:r>
+              <a:rPr lang="en-US" baseline="0" dirty="0" smtClean="0"/>
+              <a:t> to interfaces</a:t>
+            </a:r>
+          </a:p>
+          <a:p>
+            <a:r>
+              <a:rPr lang="en-US" baseline="0" dirty="0" smtClean="0"/>
+              <a:t>Never alter an input</a:t>
+            </a:r>
+          </a:p>
+          <a:p>
+            <a:r>
+              <a:rPr lang="en-US" baseline="0" dirty="0" smtClean="0"/>
+              <a:t>Decorator pattern</a:t>
+            </a:r>
+          </a:p>
+          <a:p>
+            <a:r>
+              <a:rPr lang="en-US" baseline="0" dirty="0" smtClean="0"/>
+              <a:t>Visitor/Iterator pattern</a:t>
+            </a:r>
+          </a:p>
+          <a:p>
+            <a:r>
+              <a:rPr lang="en-US" dirty="0" smtClean="0"/>
+              <a:t>Return values where possible</a:t>
+            </a:r>
+            <a:endParaRPr lang="en-US" dirty="0"/>
           </a:p>
         </p:txBody>
       </p:sp>
     </p:spTree>
     <p:extLst>
       <p:ext uri="{BB962C8B-B14F-4D97-AF65-F5344CB8AC3E}">
-        <p14:creationId xmlns:p14="http://schemas.microsoft.com/office/powerpoint/2010/main" val="1589485030"/>
+        <p14:creationId xmlns:p14="http://schemas.microsoft.com/office/powerpoint/2010/main" val="1604626286"/>
       </p:ext>
     </p:extLst>
   </p:cSld>
   <p:clrMapOvr>
     <a:masterClrMapping/>
   </p:clrMapOvr>
+  <p:timing>
+    <p:tnLst>
+      <p:par>
+        <p:cTn id="1" dur="indefinite" restart="never" nodeType="tmRoot"/>
+      </p:par>
+    </p:tnLst>
+  </p:timing>
 </p:sld>
 </file>
 
@@ -7602,279 +7483,65 @@
           <a:p>
             <a:r>
               <a:rPr lang="en-US" dirty="0" smtClean="0"/>
-              <a:t>Lambdas</a:t>
+              <a:t>Separate data from functions</a:t>
+            </a:r>
+            <a:endParaRPr lang="en-US" dirty="0"/>
+          </a:p>
+        </p:txBody>
+      </p:sp>
+      <p:sp>
+        <p:nvSpPr>
+          <p:cNvPr id="3" name="Content Placeholder 2"/>
+          <p:cNvSpPr>
+            <a:spLocks noGrp="1"/>
+          </p:cNvSpPr>
+          <p:nvPr>
+            <p:ph idx="1"/>
+          </p:nvPr>
+        </p:nvSpPr>
+        <p:spPr/>
+        <p:txBody>
+          <a:bodyPr/>
+          <a:lstStyle/>
+          <a:p>
+            <a:r>
+              <a:rPr lang="en-US" dirty="0" smtClean="0"/>
+              <a:t>Forget “Objects</a:t>
             </a:r>
             <a:r>
               <a:rPr lang="en-US" baseline="0" dirty="0" smtClean="0"/>
-              <a:t> and Streams</a:t>
-            </a:r>
-            <a:endParaRPr lang="en-US" dirty="0"/>
-          </a:p>
-        </p:txBody>
-      </p:sp>
-      <p:sp>
-        <p:nvSpPr>
-          <p:cNvPr id="3" name="Content Placeholder 2"/>
-          <p:cNvSpPr>
-            <a:spLocks noGrp="1"/>
-          </p:cNvSpPr>
-          <p:nvPr>
-            <p:ph idx="1"/>
-          </p:nvPr>
-        </p:nvSpPr>
-        <p:spPr>
-          <a:xfrm>
-            <a:off x="1301431" y="2596660"/>
-            <a:ext cx="3594127" cy="2734995"/>
-          </a:xfrm>
-        </p:spPr>
-        <p:txBody>
-          <a:bodyPr>
-            <a:normAutofit/>
-          </a:bodyPr>
-          <a:lstStyle/>
-          <a:p>
-            <a:pPr marL="0" indent="0">
-              <a:buNone/>
-            </a:pPr>
-            <a:r>
-              <a:rPr lang="pt-BR" dirty="0" smtClean="0"/>
-              <a:t>Find the names of albums that have at least one track rated four or  higher,  sorted by  name, </a:t>
-            </a:r>
-            <a:r>
-              <a:rPr lang="pt-BR" i="1" dirty="0" smtClean="0"/>
-              <a:t>without state</a:t>
-            </a:r>
-            <a:r>
-              <a:rPr lang="pt-BR" dirty="0" smtClean="0"/>
-              <a:t>.</a:t>
-            </a:r>
-          </a:p>
-        </p:txBody>
-      </p:sp>
-      <p:sp>
-        <p:nvSpPr>
-          <p:cNvPr id="4" name="TextBox 3"/>
-          <p:cNvSpPr txBox="1"/>
-          <p:nvPr/>
-        </p:nvSpPr>
-        <p:spPr>
-          <a:xfrm>
-            <a:off x="5317588" y="2948494"/>
-            <a:ext cx="6513342" cy="2031325"/>
-          </a:xfrm>
-          <a:prstGeom prst="rect">
-            <a:avLst/>
-          </a:prstGeom>
-          <a:noFill/>
-        </p:spPr>
-        <p:txBody>
-          <a:bodyPr wrap="square" rtlCol="0">
-            <a:spAutoFit/>
-          </a:bodyPr>
-          <a:lstStyle/>
-          <a:p>
-            <a:r>
-              <a:rPr lang="pt-BR" dirty="0" smtClean="0">
-                <a:latin typeface="Courier New" panose="02070309020205020404" pitchFamily="49" charset="0"/>
-                <a:cs typeface="Courier New" panose="02070309020205020404" pitchFamily="49" charset="0"/>
-              </a:rPr>
-              <a:t>List&lt;Album&gt; sortedFavs = albums</a:t>
-            </a:r>
-          </a:p>
-          <a:p>
-            <a:pPr lvl="1"/>
-            <a:r>
-              <a:rPr lang="pt-BR" dirty="0" smtClean="0">
-                <a:latin typeface="Courier New" panose="02070309020205020404" pitchFamily="49" charset="0"/>
-                <a:cs typeface="Courier New" panose="02070309020205020404" pitchFamily="49" charset="0"/>
-              </a:rPr>
-              <a:t>.</a:t>
-            </a:r>
-            <a:r>
-              <a:rPr lang="pt-BR" b="1" dirty="0" smtClean="0">
-                <a:effectLst>
-                  <a:outerShdw blurRad="38100" dist="38100" dir="2700000" algn="tl">
-                    <a:srgbClr val="000000">
-                      <a:alpha val="43137"/>
-                    </a:srgbClr>
-                  </a:outerShdw>
-                </a:effectLst>
-                <a:latin typeface="Courier New" panose="02070309020205020404" pitchFamily="49" charset="0"/>
-                <a:cs typeface="Courier New" panose="02070309020205020404" pitchFamily="49" charset="0"/>
-              </a:rPr>
-              <a:t>stream </a:t>
-            </a:r>
-            <a:r>
-              <a:rPr lang="pt-BR" dirty="0" smtClean="0">
-                <a:latin typeface="Courier New" panose="02070309020205020404" pitchFamily="49" charset="0"/>
-                <a:cs typeface="Courier New" panose="02070309020205020404" pitchFamily="49" charset="0"/>
-              </a:rPr>
-              <a:t>()</a:t>
-            </a:r>
-            <a:endParaRPr lang="pt-BR" dirty="0">
-              <a:latin typeface="Courier New" panose="02070309020205020404" pitchFamily="49" charset="0"/>
-              <a:cs typeface="Courier New" panose="02070309020205020404" pitchFamily="49" charset="0"/>
-            </a:endParaRPr>
-          </a:p>
-          <a:p>
-            <a:pPr lvl="1"/>
-            <a:r>
-              <a:rPr lang="pt-BR" dirty="0" smtClean="0">
-                <a:latin typeface="Courier New" panose="02070309020205020404" pitchFamily="49" charset="0"/>
-                <a:cs typeface="Courier New" panose="02070309020205020404" pitchFamily="49" charset="0"/>
-              </a:rPr>
-              <a:t>.</a:t>
-            </a:r>
-            <a:r>
-              <a:rPr lang="pt-BR" b="1" dirty="0" smtClean="0">
-                <a:effectLst>
-                  <a:outerShdw blurRad="38100" dist="38100" dir="2700000" algn="tl">
-                    <a:srgbClr val="000000">
-                      <a:alpha val="43137"/>
-                    </a:srgbClr>
-                  </a:outerShdw>
-                </a:effectLst>
-                <a:latin typeface="Courier New" panose="02070309020205020404" pitchFamily="49" charset="0"/>
-                <a:cs typeface="Courier New" panose="02070309020205020404" pitchFamily="49" charset="0"/>
-              </a:rPr>
-              <a:t>filter </a:t>
-            </a:r>
-            <a:r>
-              <a:rPr lang="pt-BR" dirty="0" smtClean="0">
-                <a:latin typeface="Courier New" panose="02070309020205020404" pitchFamily="49" charset="0"/>
-                <a:cs typeface="Courier New" panose="02070309020205020404" pitchFamily="49" charset="0"/>
-              </a:rPr>
-              <a:t>( a-&gt;a.tracks</a:t>
-            </a:r>
-          </a:p>
-          <a:p>
-            <a:pPr lvl="4"/>
-            <a:r>
-              <a:rPr lang="pt-BR" dirty="0" smtClean="0">
-                <a:latin typeface="Courier New" panose="02070309020205020404" pitchFamily="49" charset="0"/>
-                <a:cs typeface="Courier New" panose="02070309020205020404" pitchFamily="49" charset="0"/>
-              </a:rPr>
-              <a:t>.stream()</a:t>
-            </a:r>
-          </a:p>
-          <a:p>
-            <a:pPr lvl="4"/>
-            <a:r>
-              <a:rPr lang="pt-BR" dirty="0" smtClean="0">
-                <a:latin typeface="Courier New" panose="02070309020205020404" pitchFamily="49" charset="0"/>
-                <a:cs typeface="Courier New" panose="02070309020205020404" pitchFamily="49" charset="0"/>
-              </a:rPr>
-              <a:t>.anyMatch(t-&gt; (t.rating &gt;= 4 )))</a:t>
-            </a:r>
-            <a:endParaRPr lang="pt-BR" dirty="0">
-              <a:latin typeface="Courier New" panose="02070309020205020404" pitchFamily="49" charset="0"/>
-              <a:cs typeface="Courier New" panose="02070309020205020404" pitchFamily="49" charset="0"/>
-            </a:endParaRPr>
-          </a:p>
-          <a:p>
-            <a:pPr lvl="1"/>
-            <a:r>
-              <a:rPr lang="pt-BR" dirty="0" smtClean="0">
-                <a:latin typeface="Courier New" panose="02070309020205020404" pitchFamily="49" charset="0"/>
-                <a:cs typeface="Courier New" panose="02070309020205020404" pitchFamily="49" charset="0"/>
-              </a:rPr>
-              <a:t>.</a:t>
-            </a:r>
-            <a:r>
-              <a:rPr lang="pt-BR" b="1" dirty="0" smtClean="0">
-                <a:effectLst>
-                  <a:outerShdw blurRad="38100" dist="38100" dir="2700000" algn="tl">
-                    <a:srgbClr val="000000">
-                      <a:alpha val="43137"/>
-                    </a:srgbClr>
-                  </a:outerShdw>
-                </a:effectLst>
-                <a:latin typeface="Courier New" panose="02070309020205020404" pitchFamily="49" charset="0"/>
-                <a:cs typeface="Courier New" panose="02070309020205020404" pitchFamily="49" charset="0"/>
-              </a:rPr>
-              <a:t>sorted</a:t>
-            </a:r>
-            <a:r>
-              <a:rPr lang="pt-BR" b="1" dirty="0" smtClean="0">
-                <a:latin typeface="Courier New" panose="02070309020205020404" pitchFamily="49" charset="0"/>
-                <a:cs typeface="Courier New" panose="02070309020205020404" pitchFamily="49" charset="0"/>
-              </a:rPr>
-              <a:t> </a:t>
-            </a:r>
-            <a:r>
-              <a:rPr lang="pt-BR" dirty="0" smtClean="0">
-                <a:latin typeface="Courier New" panose="02070309020205020404" pitchFamily="49" charset="0"/>
-                <a:cs typeface="Courier New" panose="02070309020205020404" pitchFamily="49" charset="0"/>
-              </a:rPr>
-              <a:t>(Comparator.comparing( a-&gt; a.name))</a:t>
-            </a:r>
-            <a:endParaRPr lang="pt-BR" dirty="0">
-              <a:latin typeface="Courier New" panose="02070309020205020404" pitchFamily="49" charset="0"/>
-              <a:cs typeface="Courier New" panose="02070309020205020404" pitchFamily="49" charset="0"/>
-            </a:endParaRPr>
-          </a:p>
-          <a:p>
-            <a:pPr lvl="1"/>
-            <a:r>
-              <a:rPr lang="pt-BR" dirty="0" smtClean="0">
-                <a:latin typeface="Courier New" panose="02070309020205020404" pitchFamily="49" charset="0"/>
-                <a:cs typeface="Courier New" panose="02070309020205020404" pitchFamily="49" charset="0"/>
-              </a:rPr>
-              <a:t>.</a:t>
-            </a:r>
-            <a:r>
-              <a:rPr lang="pt-BR" b="1" dirty="0" smtClean="0">
-                <a:effectLst>
-                  <a:outerShdw blurRad="38100" dist="38100" dir="2700000" algn="tl">
-                    <a:srgbClr val="000000">
-                      <a:alpha val="43137"/>
-                    </a:srgbClr>
-                  </a:outerShdw>
-                </a:effectLst>
-                <a:latin typeface="Courier New" panose="02070309020205020404" pitchFamily="49" charset="0"/>
-                <a:cs typeface="Courier New" panose="02070309020205020404" pitchFamily="49" charset="0"/>
-              </a:rPr>
-              <a:t>collect</a:t>
-            </a:r>
-            <a:r>
-              <a:rPr lang="pt-BR" dirty="0" smtClean="0">
-                <a:effectLst>
-                  <a:outerShdw blurRad="38100" dist="38100" dir="2700000" algn="tl">
-                    <a:srgbClr val="000000">
-                      <a:alpha val="43137"/>
-                    </a:srgbClr>
-                  </a:outerShdw>
-                </a:effectLst>
-                <a:latin typeface="Courier New" panose="02070309020205020404" pitchFamily="49" charset="0"/>
-                <a:cs typeface="Courier New" panose="02070309020205020404" pitchFamily="49" charset="0"/>
-              </a:rPr>
-              <a:t> </a:t>
-            </a:r>
-            <a:r>
-              <a:rPr lang="pt-BR" dirty="0" smtClean="0">
-                <a:latin typeface="Courier New" panose="02070309020205020404" pitchFamily="49" charset="0"/>
-                <a:cs typeface="Courier New" panose="02070309020205020404" pitchFamily="49" charset="0"/>
-              </a:rPr>
-              <a:t>(Collectors.toList());</a:t>
-            </a:r>
-            <a:endParaRPr lang="en-US" dirty="0">
-              <a:latin typeface="Courier New" panose="02070309020205020404" pitchFamily="49" charset="0"/>
-              <a:cs typeface="Courier New" panose="02070309020205020404" pitchFamily="49" charset="0"/>
-            </a:endParaRPr>
+              <a:t> should know how to  … for themselves”</a:t>
+            </a:r>
+          </a:p>
+          <a:p>
+            <a:r>
+              <a:rPr lang="en-US" dirty="0" smtClean="0"/>
+              <a:t>Use Strategy pattern to define algorithms outside</a:t>
+            </a:r>
+            <a:r>
+              <a:rPr lang="en-US" baseline="0" dirty="0" smtClean="0"/>
+              <a:t> the values they work on</a:t>
+            </a:r>
           </a:p>
         </p:txBody>
       </p:sp>
     </p:spTree>
     <p:extLst>
       <p:ext uri="{BB962C8B-B14F-4D97-AF65-F5344CB8AC3E}">
-        <p14:creationId xmlns:p14="http://schemas.microsoft.com/office/powerpoint/2010/main" val="3783412475"/>
+        <p14:creationId xmlns:p14="http://schemas.microsoft.com/office/powerpoint/2010/main" val="64466811"/>
       </p:ext>
     </p:extLst>
   </p:cSld>
   <p:clrMapOvr>
     <a:masterClrMapping/>
   </p:clrMapOvr>
+  <p:timing>
+    <p:tnLst>
+      <p:par>
+        <p:cTn id="1" dur="indefinite" restart="never" nodeType="tmRoot"/>
+      </p:par>
+    </p:tnLst>
+  </p:timing>
 </p:sld>
 </file>
 
@@ -7912,11 +7579,14 @@
           <a:p>
             <a:r>
               <a:rPr lang="en-US" dirty="0" smtClean="0"/>
-              <a:t>Demo – </a:t>
-            </a:r>
-            <a:r>
-              <a:rPr lang="en-US" dirty="0" err="1" smtClean="0"/>
-              <a:t>FunctionalDate</a:t>
+              <a:t>For loops and state</a:t>
+            </a:r>
+            <a:br>
+              <a:rPr lang="en-US" dirty="0" smtClean="0"/>
+            </a:br>
+            <a:r>
+              <a:rPr lang="en-US" dirty="0" smtClean="0"/>
+              <a:t>Iterators do not help</a:t>
             </a:r>
             <a:endParaRPr lang="en-US" dirty="0"/>
           </a:p>
@@ -7937,79 +7607,219 @@
           <a:bodyPr/>
           <a:lstStyle/>
           <a:p>
-            <a:r>
-              <a:rPr lang="en-US" dirty="0" smtClean="0"/>
-              <a:t>Value</a:t>
-            </a:r>
-          </a:p>
-          <a:p>
-            <a:r>
-              <a:rPr lang="en-US" dirty="0" smtClean="0"/>
-              <a:t>predicates</a:t>
-            </a:r>
-            <a:r>
-              <a:rPr lang="en-US" baseline="0" dirty="0" smtClean="0"/>
-              <a:t> – before, after – code to interface Comparable</a:t>
-            </a:r>
-          </a:p>
-          <a:p>
-            <a:pPr lvl="1"/>
-            <a:r>
-              <a:rPr lang="en-US" baseline="0" dirty="0" smtClean="0"/>
-              <a:t>Could be reused with all </a:t>
-            </a:r>
-            <a:r>
-              <a:rPr lang="en-US" baseline="0" dirty="0" err="1" smtClean="0"/>
-              <a:t>Comparables</a:t>
-            </a:r>
-            <a:endParaRPr lang="en-US" baseline="0" dirty="0" smtClean="0"/>
-          </a:p>
-          <a:p>
-            <a:r>
-              <a:rPr lang="en-US" dirty="0" smtClean="0"/>
-              <a:t>giving meaning -</a:t>
-            </a:r>
-            <a:r>
-              <a:rPr lang="en-US" baseline="0" dirty="0" smtClean="0"/>
+            <a:pPr marL="0" indent="0">
+              <a:buNone/>
+            </a:pPr>
+            <a:r>
+              <a:rPr lang="en-US" dirty="0" err="1">
+                <a:latin typeface="Courier New" panose="02070309020205020404" pitchFamily="49" charset="0"/>
+                <a:cs typeface="Courier New" panose="02070309020205020404" pitchFamily="49" charset="0"/>
+              </a:rPr>
+              <a:t>i</a:t>
+            </a:r>
+            <a:r>
+              <a:rPr lang="en-US" dirty="0" err="1" smtClean="0">
+                <a:latin typeface="Courier New" panose="02070309020205020404" pitchFamily="49" charset="0"/>
+                <a:cs typeface="Courier New" panose="02070309020205020404" pitchFamily="49" charset="0"/>
+              </a:rPr>
+              <a:t>nt</a:t>
+            </a:r>
+            <a:r>
+              <a:rPr lang="en-US" dirty="0" smtClean="0">
+                <a:latin typeface="Courier New" panose="02070309020205020404" pitchFamily="49" charset="0"/>
+                <a:cs typeface="Courier New" panose="02070309020205020404" pitchFamily="49" charset="0"/>
+              </a:rPr>
               <a:t> </a:t>
             </a:r>
             <a:r>
-              <a:rPr lang="en-US" dirty="0" smtClean="0"/>
-              <a:t>calendar – parse,</a:t>
-            </a:r>
-            <a:r>
-              <a:rPr lang="en-US" baseline="0" dirty="0" smtClean="0"/>
-              <a:t> format – strategy: value =&gt; value</a:t>
-            </a:r>
-          </a:p>
-          <a:p>
-            <a:pPr lvl="1"/>
-            <a:r>
-              <a:rPr lang="en-US" dirty="0" smtClean="0"/>
-              <a:t>Gregorian, Chinese, Hebrew, </a:t>
-            </a:r>
-            <a:r>
-              <a:rPr lang="en-US" dirty="0" err="1" smtClean="0"/>
-              <a:t>etc</a:t>
-            </a:r>
-            <a:endParaRPr lang="en-US" dirty="0" smtClean="0"/>
-          </a:p>
-          <a:p>
-            <a:pPr lvl="0"/>
-            <a:endParaRPr lang="en-US" dirty="0" smtClean="0"/>
+              <a:rPr lang="en-US" dirty="0" smtClean="0">
+                <a:solidFill>
+                  <a:srgbClr val="FF0000"/>
+                </a:solidFill>
+                <a:latin typeface="Courier New" panose="02070309020205020404" pitchFamily="49" charset="0"/>
+                <a:cs typeface="Courier New" panose="02070309020205020404" pitchFamily="49" charset="0"/>
+              </a:rPr>
+              <a:t>sum</a:t>
+            </a:r>
+            <a:r>
+              <a:rPr lang="en-US" dirty="0" smtClean="0">
+                <a:latin typeface="Courier New" panose="02070309020205020404" pitchFamily="49" charset="0"/>
+                <a:cs typeface="Courier New" panose="02070309020205020404" pitchFamily="49" charset="0"/>
+              </a:rPr>
+              <a:t> = 0;</a:t>
+            </a:r>
+          </a:p>
+          <a:p>
+            <a:pPr marL="0" indent="0">
+              <a:buNone/>
+            </a:pPr>
+            <a:r>
+              <a:rPr lang="en-US" dirty="0" smtClean="0">
+                <a:latin typeface="Courier New" panose="02070309020205020404" pitchFamily="49" charset="0"/>
+                <a:cs typeface="Courier New" panose="02070309020205020404" pitchFamily="49" charset="0"/>
+              </a:rPr>
+              <a:t>for(</a:t>
+            </a:r>
+            <a:r>
+              <a:rPr lang="en-US" dirty="0" err="1" smtClean="0">
+                <a:latin typeface="Courier New" panose="02070309020205020404" pitchFamily="49" charset="0"/>
+                <a:cs typeface="Courier New" panose="02070309020205020404" pitchFamily="49" charset="0"/>
+              </a:rPr>
+              <a:t>int</a:t>
+            </a:r>
+            <a:r>
+              <a:rPr lang="en-US" dirty="0" smtClean="0">
+                <a:latin typeface="Courier New" panose="02070309020205020404" pitchFamily="49" charset="0"/>
+                <a:cs typeface="Courier New" panose="02070309020205020404" pitchFamily="49" charset="0"/>
+              </a:rPr>
+              <a:t> </a:t>
+            </a:r>
+            <a:r>
+              <a:rPr lang="en-US" dirty="0" err="1" smtClean="0">
+                <a:solidFill>
+                  <a:srgbClr val="FF0000"/>
+                </a:solidFill>
+                <a:latin typeface="Courier New" panose="02070309020205020404" pitchFamily="49" charset="0"/>
+                <a:cs typeface="Courier New" panose="02070309020205020404" pitchFamily="49" charset="0"/>
+              </a:rPr>
+              <a:t>i</a:t>
+            </a:r>
+            <a:r>
+              <a:rPr lang="en-US" dirty="0" smtClean="0">
+                <a:latin typeface="Courier New" panose="02070309020205020404" pitchFamily="49" charset="0"/>
+                <a:cs typeface="Courier New" panose="02070309020205020404" pitchFamily="49" charset="0"/>
+              </a:rPr>
+              <a:t> = 0; </a:t>
+            </a:r>
+            <a:r>
+              <a:rPr lang="en-US" dirty="0" err="1" smtClean="0">
+                <a:solidFill>
+                  <a:srgbClr val="FF0000"/>
+                </a:solidFill>
+                <a:latin typeface="Courier New" panose="02070309020205020404" pitchFamily="49" charset="0"/>
+                <a:cs typeface="Courier New" panose="02070309020205020404" pitchFamily="49" charset="0"/>
+              </a:rPr>
+              <a:t>i</a:t>
+            </a:r>
+            <a:r>
+              <a:rPr lang="en-US" dirty="0" smtClean="0">
+                <a:latin typeface="Courier New" panose="02070309020205020404" pitchFamily="49" charset="0"/>
+                <a:cs typeface="Courier New" panose="02070309020205020404" pitchFamily="49" charset="0"/>
+              </a:rPr>
+              <a:t> &lt; 10 ; ++</a:t>
+            </a:r>
+            <a:r>
+              <a:rPr lang="en-US" dirty="0" err="1" smtClean="0">
+                <a:solidFill>
+                  <a:srgbClr val="FF0000"/>
+                </a:solidFill>
+                <a:latin typeface="Courier New" panose="02070309020205020404" pitchFamily="49" charset="0"/>
+                <a:cs typeface="Courier New" panose="02070309020205020404" pitchFamily="49" charset="0"/>
+              </a:rPr>
+              <a:t>i</a:t>
+            </a:r>
+            <a:r>
+              <a:rPr lang="en-US" dirty="0" smtClean="0">
+                <a:latin typeface="Courier New" panose="02070309020205020404" pitchFamily="49" charset="0"/>
+                <a:cs typeface="Courier New" panose="02070309020205020404" pitchFamily="49" charset="0"/>
+              </a:rPr>
+              <a:t>) {</a:t>
+            </a:r>
+          </a:p>
+          <a:p>
+            <a:pPr marL="0" indent="0">
+              <a:buNone/>
+            </a:pPr>
+            <a:r>
+              <a:rPr lang="en-US" dirty="0" smtClean="0">
+                <a:latin typeface="Courier New" panose="02070309020205020404" pitchFamily="49" charset="0"/>
+                <a:cs typeface="Courier New" panose="02070309020205020404" pitchFamily="49" charset="0"/>
+              </a:rPr>
+              <a:t>    if(</a:t>
+            </a:r>
+            <a:r>
+              <a:rPr lang="en-US" dirty="0" err="1" smtClean="0">
+                <a:solidFill>
+                  <a:srgbClr val="FF0000"/>
+                </a:solidFill>
+                <a:latin typeface="Courier New" panose="02070309020205020404" pitchFamily="49" charset="0"/>
+                <a:cs typeface="Courier New" panose="02070309020205020404" pitchFamily="49" charset="0"/>
+              </a:rPr>
+              <a:t>i</a:t>
+            </a:r>
+            <a:r>
+              <a:rPr lang="en-US" dirty="0" smtClean="0">
+                <a:latin typeface="Courier New" panose="02070309020205020404" pitchFamily="49" charset="0"/>
+                <a:cs typeface="Courier New" panose="02070309020205020404" pitchFamily="49" charset="0"/>
+              </a:rPr>
+              <a:t> % 2 == 0) </a:t>
+            </a:r>
+            <a:r>
+              <a:rPr lang="en-US" dirty="0" smtClean="0">
+                <a:solidFill>
+                  <a:srgbClr val="FF0000"/>
+                </a:solidFill>
+                <a:latin typeface="Courier New" panose="02070309020205020404" pitchFamily="49" charset="0"/>
+                <a:cs typeface="Courier New" panose="02070309020205020404" pitchFamily="49" charset="0"/>
+              </a:rPr>
+              <a:t>sum</a:t>
+            </a:r>
+            <a:r>
+              <a:rPr lang="en-US" dirty="0" smtClean="0">
+                <a:latin typeface="Courier New" panose="02070309020205020404" pitchFamily="49" charset="0"/>
+                <a:cs typeface="Courier New" panose="02070309020205020404" pitchFamily="49" charset="0"/>
+              </a:rPr>
+              <a:t> += </a:t>
+            </a:r>
+            <a:r>
+              <a:rPr lang="en-US" dirty="0" err="1" smtClean="0">
+                <a:solidFill>
+                  <a:srgbClr val="FF0000"/>
+                </a:solidFill>
+                <a:latin typeface="Courier New" panose="02070309020205020404" pitchFamily="49" charset="0"/>
+                <a:cs typeface="Courier New" panose="02070309020205020404" pitchFamily="49" charset="0"/>
+              </a:rPr>
+              <a:t>i</a:t>
+            </a:r>
+            <a:r>
+              <a:rPr lang="en-US" dirty="0" smtClean="0">
+                <a:latin typeface="Courier New" panose="02070309020205020404" pitchFamily="49" charset="0"/>
+                <a:cs typeface="Courier New" panose="02070309020205020404" pitchFamily="49" charset="0"/>
+              </a:rPr>
+              <a:t>;</a:t>
+            </a:r>
+          </a:p>
+          <a:p>
+            <a:pPr marL="0" indent="0">
+              <a:buNone/>
+            </a:pPr>
+            <a:r>
+              <a:rPr lang="en-US" dirty="0">
+                <a:latin typeface="Courier New" panose="02070309020205020404" pitchFamily="49" charset="0"/>
+                <a:cs typeface="Courier New" panose="02070309020205020404" pitchFamily="49" charset="0"/>
+              </a:rPr>
+              <a:t>}</a:t>
+            </a:r>
           </a:p>
         </p:txBody>
       </p:sp>
     </p:spTree>
     <p:extLst>
       <p:ext uri="{BB962C8B-B14F-4D97-AF65-F5344CB8AC3E}">
-        <p14:creationId xmlns:p14="http://schemas.microsoft.com/office/powerpoint/2010/main" val="3695196690"/>
+        <p14:creationId xmlns:p14="http://schemas.microsoft.com/office/powerpoint/2010/main" val="1589485030"/>
       </p:ext>
     </p:extLst>
   </p:cSld>
   <p:clrMapOvr>
     <a:masterClrMapping/>
   </p:clrMapOvr>
+  <p:timing>
+    <p:tnLst>
+      <p:par>
+        <p:cTn id="1" dur="indefinite" restart="never" nodeType="tmRoot"/>
+      </p:par>
+    </p:tnLst>
+  </p:timing>
 </p:sld>
 </file>
 
@@ -8047,7 +7857,11 @@
           <a:p>
             <a:r>
               <a:rPr lang="en-US" dirty="0" smtClean="0"/>
-              <a:t>The End</a:t>
+              <a:t>Lambdas</a:t>
+            </a:r>
+            <a:r>
+              <a:rPr lang="en-US" baseline="0" dirty="0" smtClean="0"/>
+              <a:t> and Streams</a:t>
             </a:r>
             <a:endParaRPr lang="en-US" dirty="0"/>
           </a:p>
@@ -8063,65 +7877,245 @@
             <p:ph idx="1"/>
           </p:nvPr>
         </p:nvSpPr>
-        <p:spPr/>
-        <p:txBody>
-          <a:bodyPr/>
-          <a:lstStyle/>
-          <a:p>
-            <a:r>
-              <a:rPr lang="en-US" dirty="0" smtClean="0">
-                <a:latin typeface="Arial" panose="020B0604020202020204" pitchFamily="34" charset="0"/>
-                <a:cs typeface="Arial" panose="020B0604020202020204" pitchFamily="34" charset="0"/>
-                <a:hlinkClick r:id="rId2"/>
+        <p:spPr>
+          <a:xfrm>
+            <a:off x="1301431" y="2596660"/>
+            <a:ext cx="3594127" cy="2734995"/>
+          </a:xfrm>
+        </p:spPr>
+        <p:txBody>
+          <a:bodyPr>
+            <a:normAutofit/>
+          </a:bodyPr>
+          <a:lstStyle/>
+          <a:p>
+            <a:pPr marL="0" indent="0">
+              <a:buNone/>
+            </a:pPr>
+            <a:r>
+              <a:rPr lang="pt-BR" dirty="0" smtClean="0"/>
+              <a:t>Find the names of albums that have at least one track rated four or  higher,  sorted by  name, </a:t>
+            </a:r>
+            <a:r>
+              <a:rPr lang="pt-BR" i="1" dirty="0" smtClean="0"/>
+              <a:t>without state</a:t>
+            </a:r>
+            <a:r>
+              <a:rPr lang="pt-BR" dirty="0" smtClean="0"/>
+              <a:t>.</a:t>
+            </a:r>
+          </a:p>
+        </p:txBody>
+      </p:sp>
+      <p:sp>
+        <p:nvSpPr>
+          <p:cNvPr id="4" name="TextBox 3"/>
+          <p:cNvSpPr txBox="1"/>
+          <p:nvPr/>
+        </p:nvSpPr>
+        <p:spPr>
+          <a:xfrm>
+            <a:off x="5317588" y="2948494"/>
+            <a:ext cx="6513342" cy="2031325"/>
+          </a:xfrm>
+          <a:prstGeom prst="rect">
+            <a:avLst/>
+          </a:prstGeom>
+          <a:noFill/>
+        </p:spPr>
+        <p:txBody>
+          <a:bodyPr wrap="square" rtlCol="0">
+            <a:spAutoFit/>
+          </a:bodyPr>
+          <a:lstStyle/>
+          <a:p>
+            <a:r>
+              <a:rPr lang="pt-BR" dirty="0" smtClean="0">
+                <a:latin typeface="Courier New" panose="02070309020205020404" pitchFamily="49" charset="0"/>
+                <a:cs typeface="Courier New" panose="02070309020205020404" pitchFamily="49" charset="0"/>
               </a:rPr>
-              <a:t>Design Patterns – Gang of Four Book</a:t>
-            </a:r>
-            <a:endParaRPr lang="en-US" dirty="0" smtClean="0">
-              <a:latin typeface="Arial" panose="020B0604020202020204" pitchFamily="34" charset="0"/>
-              <a:cs typeface="Arial" panose="020B0604020202020204" pitchFamily="34" charset="0"/>
+              <a:t>List&lt;Album&gt; sortedFavs = albums</a:t>
+            </a:r>
+          </a:p>
+          <a:p>
+            <a:pPr lvl="1"/>
+            <a:r>
+              <a:rPr lang="pt-BR" dirty="0" smtClean="0">
+                <a:latin typeface="Courier New" panose="02070309020205020404" pitchFamily="49" charset="0"/>
+                <a:cs typeface="Courier New" panose="02070309020205020404" pitchFamily="49" charset="0"/>
+              </a:rPr>
+              <a:t>.</a:t>
+            </a:r>
+            <a:r>
+              <a:rPr lang="pt-BR" b="1" dirty="0" smtClean="0">
+                <a:effectLst>
+                  <a:outerShdw blurRad="38100" dist="38100" dir="2700000" algn="tl">
+                    <a:srgbClr val="000000">
+                      <a:alpha val="43137"/>
+                    </a:srgbClr>
+                  </a:outerShdw>
+                </a:effectLst>
+                <a:latin typeface="Courier New" panose="02070309020205020404" pitchFamily="49" charset="0"/>
+                <a:cs typeface="Courier New" panose="02070309020205020404" pitchFamily="49" charset="0"/>
+              </a:rPr>
+              <a:t>stream </a:t>
+            </a:r>
+            <a:r>
+              <a:rPr lang="pt-BR" dirty="0" smtClean="0">
+                <a:latin typeface="Courier New" panose="02070309020205020404" pitchFamily="49" charset="0"/>
+                <a:cs typeface="Courier New" panose="02070309020205020404" pitchFamily="49" charset="0"/>
+              </a:rPr>
+              <a:t>()</a:t>
+            </a:r>
+            <a:endParaRPr lang="pt-BR" dirty="0">
+              <a:latin typeface="Courier New" panose="02070309020205020404" pitchFamily="49" charset="0"/>
+              <a:cs typeface="Courier New" panose="02070309020205020404" pitchFamily="49" charset="0"/>
             </a:endParaRPr>
           </a:p>
           <a:p>
-            <a:r>
-              <a:rPr lang="en-US" dirty="0" smtClean="0">
-                <a:latin typeface="Arial" panose="020B0604020202020204" pitchFamily="34" charset="0"/>
-                <a:cs typeface="Arial" panose="020B0604020202020204" pitchFamily="34" charset="0"/>
+            <a:pPr lvl="1"/>
+            <a:r>
+              <a:rPr lang="pt-BR" dirty="0" smtClean="0">
+                <a:latin typeface="Courier New" panose="02070309020205020404" pitchFamily="49" charset="0"/>
+                <a:cs typeface="Courier New" panose="02070309020205020404" pitchFamily="49" charset="0"/>
               </a:rPr>
-              <a:t>https://github.com/mperry/talk-java-lambdas/blob/master/Are-Lambdas-Great-in-Java-8.pdf</a:t>
-            </a:r>
-          </a:p>
-          <a:p>
-            <a:r>
-              <a:rPr lang="en-US" dirty="0" smtClean="0">
-                <a:latin typeface="Arial" panose="020B0604020202020204" pitchFamily="34" charset="0"/>
-                <a:cs typeface="Arial" panose="020B0604020202020204" pitchFamily="34" charset="0"/>
-                <a:hlinkClick r:id="rId3"/>
+              <a:t>.</a:t>
+            </a:r>
+            <a:r>
+              <a:rPr lang="pt-BR" b="1" dirty="0" smtClean="0">
+                <a:effectLst>
+                  <a:outerShdw blurRad="38100" dist="38100" dir="2700000" algn="tl">
+                    <a:srgbClr val="000000">
+                      <a:alpha val="43137"/>
+                    </a:srgbClr>
+                  </a:outerShdw>
+                </a:effectLst>
+                <a:latin typeface="Courier New" panose="02070309020205020404" pitchFamily="49" charset="0"/>
+                <a:cs typeface="Courier New" panose="02070309020205020404" pitchFamily="49" charset="0"/>
               </a:rPr>
-              <a:t>http://www.lispcast.com/java-learn-from-clojure</a:t>
-            </a:r>
-            <a:endParaRPr lang="en-US" dirty="0" smtClean="0">
-              <a:latin typeface="Arial" panose="020B0604020202020204" pitchFamily="34" charset="0"/>
-              <a:cs typeface="Arial" panose="020B0604020202020204" pitchFamily="34" charset="0"/>
+              <a:t>filter </a:t>
+            </a:r>
+            <a:r>
+              <a:rPr lang="pt-BR" dirty="0" smtClean="0">
+                <a:latin typeface="Courier New" panose="02070309020205020404" pitchFamily="49" charset="0"/>
+                <a:cs typeface="Courier New" panose="02070309020205020404" pitchFamily="49" charset="0"/>
+              </a:rPr>
+              <a:t>( a-&gt;a.tracks</a:t>
+            </a:r>
+          </a:p>
+          <a:p>
+            <a:pPr lvl="4"/>
+            <a:r>
+              <a:rPr lang="pt-BR" dirty="0" smtClean="0">
+                <a:latin typeface="Courier New" panose="02070309020205020404" pitchFamily="49" charset="0"/>
+                <a:cs typeface="Courier New" panose="02070309020205020404" pitchFamily="49" charset="0"/>
+              </a:rPr>
+              <a:t>.stream()</a:t>
+            </a:r>
+          </a:p>
+          <a:p>
+            <a:pPr lvl="4"/>
+            <a:r>
+              <a:rPr lang="pt-BR" dirty="0" smtClean="0">
+                <a:latin typeface="Courier New" panose="02070309020205020404" pitchFamily="49" charset="0"/>
+                <a:cs typeface="Courier New" panose="02070309020205020404" pitchFamily="49" charset="0"/>
+              </a:rPr>
+              <a:t>.anyMatch(t-&gt; (t.rating &gt;= 4 )))</a:t>
+            </a:r>
+            <a:endParaRPr lang="pt-BR" dirty="0">
+              <a:latin typeface="Courier New" panose="02070309020205020404" pitchFamily="49" charset="0"/>
+              <a:cs typeface="Courier New" panose="02070309020205020404" pitchFamily="49" charset="0"/>
             </a:endParaRPr>
           </a:p>
           <a:p>
-            <a:r>
-              <a:rPr lang="en-US" dirty="0">
-                <a:latin typeface="Arial" panose="020B0604020202020204" pitchFamily="34" charset="0"/>
-                <a:cs typeface="Arial" panose="020B0604020202020204" pitchFamily="34" charset="0"/>
+            <a:pPr lvl="1"/>
+            <a:r>
+              <a:rPr lang="pt-BR" dirty="0" smtClean="0">
+                <a:latin typeface="Courier New" panose="02070309020205020404" pitchFamily="49" charset="0"/>
+                <a:cs typeface="Courier New" panose="02070309020205020404" pitchFamily="49" charset="0"/>
               </a:rPr>
-              <a:t>https://</a:t>
-            </a:r>
-            <a:r>
-              <a:rPr lang="en-US" dirty="0" smtClean="0">
-                <a:latin typeface="Arial" panose="020B0604020202020204" pitchFamily="34" charset="0"/>
-                <a:cs typeface="Arial" panose="020B0604020202020204" pitchFamily="34" charset="0"/>
+              <a:t>.</a:t>
+            </a:r>
+            <a:r>
+              <a:rPr lang="pt-BR" b="1" dirty="0" smtClean="0">
+                <a:effectLst>
+                  <a:outerShdw blurRad="38100" dist="38100" dir="2700000" algn="tl">
+                    <a:srgbClr val="000000">
+                      <a:alpha val="43137"/>
+                    </a:srgbClr>
+                  </a:outerShdw>
+                </a:effectLst>
+                <a:latin typeface="Courier New" panose="02070309020205020404" pitchFamily="49" charset="0"/>
+                <a:cs typeface="Courier New" panose="02070309020205020404" pitchFamily="49" charset="0"/>
               </a:rPr>
-              <a:t>github.com/m0smith/presentations/tree/master/FunctionalProgrammingForJavaDevelopers</a:t>
+              <a:t>sorted</a:t>
+            </a:r>
+            <a:r>
+              <a:rPr lang="pt-BR" b="1" dirty="0" smtClean="0">
+                <a:latin typeface="Courier New" panose="02070309020205020404" pitchFamily="49" charset="0"/>
+                <a:cs typeface="Courier New" panose="02070309020205020404" pitchFamily="49" charset="0"/>
+              </a:rPr>
+              <a:t> </a:t>
+            </a:r>
+            <a:r>
+              <a:rPr lang="pt-BR" dirty="0" smtClean="0">
+                <a:latin typeface="Courier New" panose="02070309020205020404" pitchFamily="49" charset="0"/>
+                <a:cs typeface="Courier New" panose="02070309020205020404" pitchFamily="49" charset="0"/>
+              </a:rPr>
+              <a:t>(Comparator.comparing( a-&gt; a.name))</a:t>
+            </a:r>
+            <a:endParaRPr lang="pt-BR" dirty="0">
+              <a:latin typeface="Courier New" panose="02070309020205020404" pitchFamily="49" charset="0"/>
+              <a:cs typeface="Courier New" panose="02070309020205020404" pitchFamily="49" charset="0"/>
+            </a:endParaRPr>
+          </a:p>
+          <a:p>
+            <a:pPr lvl="1"/>
+            <a:r>
+              <a:rPr lang="pt-BR" dirty="0" smtClean="0">
+                <a:latin typeface="Courier New" panose="02070309020205020404" pitchFamily="49" charset="0"/>
+                <a:cs typeface="Courier New" panose="02070309020205020404" pitchFamily="49" charset="0"/>
+              </a:rPr>
+              <a:t>.</a:t>
+            </a:r>
+            <a:r>
+              <a:rPr lang="pt-BR" b="1" dirty="0" smtClean="0">
+                <a:effectLst>
+                  <a:outerShdw blurRad="38100" dist="38100" dir="2700000" algn="tl">
+                    <a:srgbClr val="000000">
+                      <a:alpha val="43137"/>
+                    </a:srgbClr>
+                  </a:outerShdw>
+                </a:effectLst>
+                <a:latin typeface="Courier New" panose="02070309020205020404" pitchFamily="49" charset="0"/>
+                <a:cs typeface="Courier New" panose="02070309020205020404" pitchFamily="49" charset="0"/>
+              </a:rPr>
+              <a:t>collect</a:t>
+            </a:r>
+            <a:r>
+              <a:rPr lang="pt-BR" dirty="0" smtClean="0">
+                <a:effectLst>
+                  <a:outerShdw blurRad="38100" dist="38100" dir="2700000" algn="tl">
+                    <a:srgbClr val="000000">
+                      <a:alpha val="43137"/>
+                    </a:srgbClr>
+                  </a:outerShdw>
+                </a:effectLst>
+                <a:latin typeface="Courier New" panose="02070309020205020404" pitchFamily="49" charset="0"/>
+                <a:cs typeface="Courier New" panose="02070309020205020404" pitchFamily="49" charset="0"/>
+              </a:rPr>
+              <a:t> </a:t>
+            </a:r>
+            <a:r>
+              <a:rPr lang="pt-BR" dirty="0" smtClean="0">
+                <a:latin typeface="Courier New" panose="02070309020205020404" pitchFamily="49" charset="0"/>
+                <a:cs typeface="Courier New" panose="02070309020205020404" pitchFamily="49" charset="0"/>
+              </a:rPr>
+              <a:t>(Collectors.toList());</a:t>
             </a:r>
             <a:endParaRPr lang="en-US" dirty="0">
-              <a:latin typeface="Arial" panose="020B0604020202020204" pitchFamily="34" charset="0"/>
-              <a:cs typeface="Arial" panose="020B0604020202020204" pitchFamily="34" charset="0"/>
+              <a:latin typeface="Courier New" panose="02070309020205020404" pitchFamily="49" charset="0"/>
+              <a:cs typeface="Courier New" panose="02070309020205020404" pitchFamily="49" charset="0"/>
             </a:endParaRPr>
           </a:p>
         </p:txBody>
@@ -8129,13 +8123,20 @@
     </p:spTree>
     <p:extLst>
       <p:ext uri="{BB962C8B-B14F-4D97-AF65-F5344CB8AC3E}">
-        <p14:creationId xmlns:p14="http://schemas.microsoft.com/office/powerpoint/2010/main" val="1185054517"/>
+        <p14:creationId xmlns:p14="http://schemas.microsoft.com/office/powerpoint/2010/main" val="3783412475"/>
       </p:ext>
     </p:extLst>
   </p:cSld>
   <p:clrMapOvr>
     <a:masterClrMapping/>
   </p:clrMapOvr>
+  <p:timing>
+    <p:tnLst>
+      <p:par>
+        <p:cTn id="1" dur="indefinite" restart="never" nodeType="tmRoot"/>
+      </p:par>
+    </p:tnLst>
+  </p:timing>
 </p:sld>
 </file>
 
@@ -8163,79 +8164,61 @@
             <a:spLocks noGrp="1"/>
           </p:cNvSpPr>
           <p:nvPr>
-            <p:ph type="title"/>
+            <p:ph type="ctrTitle"/>
+          </p:nvPr>
+        </p:nvSpPr>
+        <p:spPr>
+          <a:xfrm>
+            <a:off x="2928401" y="902208"/>
+            <a:ext cx="8574622" cy="3094059"/>
+          </a:xfrm>
+        </p:spPr>
+        <p:txBody>
+          <a:bodyPr>
+            <a:normAutofit/>
+          </a:bodyPr>
+          <a:lstStyle/>
+          <a:p>
+            <a:r>
+              <a:rPr lang="en-US" dirty="0" smtClean="0"/>
+              <a:t>Functional Programming for Object-Oriented Developers</a:t>
+            </a:r>
+            <a:endParaRPr lang="en-US" dirty="0"/>
+          </a:p>
+        </p:txBody>
+      </p:sp>
+      <p:sp>
+        <p:nvSpPr>
+          <p:cNvPr id="3" name="Subtitle 2"/>
+          <p:cNvSpPr>
+            <a:spLocks noGrp="1"/>
+          </p:cNvSpPr>
+          <p:nvPr>
+            <p:ph type="subTitle" idx="1"/>
           </p:nvPr>
         </p:nvSpPr>
         <p:spPr/>
         <p:txBody>
-          <a:bodyPr/>
+          <a:bodyPr>
+            <a:normAutofit/>
+          </a:bodyPr>
           <a:lstStyle/>
           <a:p>
             <a:r>
               <a:rPr lang="en-US" dirty="0" smtClean="0"/>
-              <a:t>Overview</a:t>
-            </a:r>
-            <a:endParaRPr lang="en-US" dirty="0"/>
-          </a:p>
-        </p:txBody>
-      </p:sp>
-      <p:sp>
-        <p:nvSpPr>
-          <p:cNvPr id="3" name="Content Placeholder 2"/>
-          <p:cNvSpPr>
-            <a:spLocks noGrp="1"/>
-          </p:cNvSpPr>
-          <p:nvPr>
-            <p:ph idx="1"/>
-          </p:nvPr>
-        </p:nvSpPr>
-        <p:spPr/>
-        <p:txBody>
-          <a:bodyPr numCol="2"/>
-          <a:lstStyle/>
+              <a:t>Matthew O. Smith</a:t>
+            </a:r>
+          </a:p>
           <a:p>
             <a:r>
               <a:rPr lang="en-US" dirty="0" smtClean="0"/>
-              <a:t>Who am I</a:t>
+              <a:t>Lambda Lounge</a:t>
             </a:r>
           </a:p>
           <a:p>
             <a:r>
               <a:rPr lang="en-US" dirty="0" smtClean="0"/>
-              <a:t>State and Value</a:t>
-            </a:r>
-          </a:p>
-          <a:p>
-            <a:r>
-              <a:rPr lang="en-US" dirty="0" smtClean="0"/>
-              <a:t>Pure Functions</a:t>
-            </a:r>
-          </a:p>
-          <a:p>
-            <a:r>
-              <a:rPr lang="en-US" dirty="0" smtClean="0"/>
-              <a:t>Immutability</a:t>
-            </a:r>
-          </a:p>
-          <a:p>
-            <a:r>
-              <a:rPr lang="en-US" dirty="0" smtClean="0"/>
-              <a:t>Lambda</a:t>
-            </a:r>
-          </a:p>
-          <a:p>
-            <a:endParaRPr lang="en-US" dirty="0" smtClean="0"/>
-          </a:p>
-          <a:p>
-            <a:endParaRPr lang="en-US" dirty="0" smtClean="0"/>
-          </a:p>
-          <a:p>
-            <a:pPr marL="0" indent="0">
-              <a:buNone/>
-            </a:pPr>
-            <a:r>
-              <a:rPr lang="en-US" i="1" dirty="0" smtClean="0"/>
-              <a:t>Unlearn what you have learned</a:t>
+              <a:t>June 10, 2014</a:t>
             </a:r>
           </a:p>
         </p:txBody>
@@ -8243,13 +8226,295 @@
     </p:spTree>
     <p:extLst>
       <p:ext uri="{BB962C8B-B14F-4D97-AF65-F5344CB8AC3E}">
-        <p14:creationId xmlns:p14="http://schemas.microsoft.com/office/powerpoint/2010/main" val="4104161213"/>
+        <p14:creationId xmlns:p14="http://schemas.microsoft.com/office/powerpoint/2010/main" val="1437985170"/>
       </p:ext>
     </p:extLst>
   </p:cSld>
   <p:clrMapOvr>
     <a:masterClrMapping/>
   </p:clrMapOvr>
+  <p:timing>
+    <p:tnLst>
+      <p:par>
+        <p:cTn id="1" dur="indefinite" restart="never" nodeType="tmRoot"/>
+      </p:par>
+    </p:tnLst>
+  </p:timing>
+</p:sld>
+</file>
+
+<file path=ppt/slides/slide20.xml><?xml version="1.0" encoding="utf-8"?>
+<p:sld xmlns:a="http://schemas.openxmlformats.org/drawingml/2006/main" xmlns:r="http://schemas.openxmlformats.org/officeDocument/2006/relationships" xmlns:p="http://schemas.openxmlformats.org/presentationml/2006/main">
+  <p:cSld>
+    <p:spTree>
+      <p:nvGrpSpPr>
+        <p:cNvPr id="1" name=""/>
+        <p:cNvGrpSpPr/>
+        <p:nvPr/>
+      </p:nvGrpSpPr>
+      <p:grpSpPr>
+        <a:xfrm>
+          <a:off x="0" y="0"/>
+          <a:ext cx="0" cy="0"/>
+          <a:chOff x="0" y="0"/>
+          <a:chExt cx="0" cy="0"/>
+        </a:xfrm>
+      </p:grpSpPr>
+      <p:sp>
+        <p:nvSpPr>
+          <p:cNvPr id="2" name="Title 1"/>
+          <p:cNvSpPr>
+            <a:spLocks noGrp="1"/>
+          </p:cNvSpPr>
+          <p:nvPr>
+            <p:ph type="title"/>
+          </p:nvPr>
+        </p:nvSpPr>
+        <p:spPr/>
+        <p:txBody>
+          <a:bodyPr/>
+          <a:lstStyle/>
+          <a:p>
+            <a:r>
+              <a:rPr lang="en-US" dirty="0" smtClean="0"/>
+              <a:t>Demo – </a:t>
+            </a:r>
+            <a:r>
+              <a:rPr lang="en-US" dirty="0" err="1" smtClean="0"/>
+              <a:t>FunctionalDate</a:t>
+            </a:r>
+            <a:endParaRPr lang="en-US" dirty="0"/>
+          </a:p>
+        </p:txBody>
+      </p:sp>
+      <p:sp>
+        <p:nvSpPr>
+          <p:cNvPr id="3" name="Content Placeholder 2"/>
+          <p:cNvSpPr>
+            <a:spLocks noGrp="1"/>
+          </p:cNvSpPr>
+          <p:nvPr>
+            <p:ph idx="1"/>
+          </p:nvPr>
+        </p:nvSpPr>
+        <p:spPr/>
+        <p:txBody>
+          <a:bodyPr/>
+          <a:lstStyle/>
+          <a:p>
+            <a:r>
+              <a:rPr lang="en-US" dirty="0" smtClean="0"/>
+              <a:t>Value</a:t>
+            </a:r>
+          </a:p>
+          <a:p>
+            <a:r>
+              <a:rPr lang="en-US" dirty="0" smtClean="0"/>
+              <a:t>predicates</a:t>
+            </a:r>
+            <a:r>
+              <a:rPr lang="en-US" baseline="0" dirty="0" smtClean="0"/>
+              <a:t> – before, after – code to interface Comparable</a:t>
+            </a:r>
+          </a:p>
+          <a:p>
+            <a:pPr lvl="1"/>
+            <a:r>
+              <a:rPr lang="en-US" baseline="0" dirty="0" smtClean="0"/>
+              <a:t>Could be reused with all </a:t>
+            </a:r>
+            <a:r>
+              <a:rPr lang="en-US" baseline="0" dirty="0" err="1" smtClean="0"/>
+              <a:t>Comparables</a:t>
+            </a:r>
+            <a:endParaRPr lang="en-US" baseline="0" dirty="0" smtClean="0"/>
+          </a:p>
+          <a:p>
+            <a:r>
+              <a:rPr lang="en-US" dirty="0" smtClean="0"/>
+              <a:t>giving meaning -</a:t>
+            </a:r>
+            <a:r>
+              <a:rPr lang="en-US" baseline="0" dirty="0" smtClean="0"/>
+              <a:t> </a:t>
+            </a:r>
+            <a:r>
+              <a:rPr lang="en-US" dirty="0" smtClean="0"/>
+              <a:t>calendar – parse,</a:t>
+            </a:r>
+            <a:r>
+              <a:rPr lang="en-US" baseline="0" dirty="0" smtClean="0"/>
+              <a:t> format – strategy: value =&gt; value</a:t>
+            </a:r>
+          </a:p>
+          <a:p>
+            <a:pPr lvl="1"/>
+            <a:r>
+              <a:rPr lang="en-US" dirty="0" smtClean="0"/>
+              <a:t>Gregorian, Chinese, Hebrew, </a:t>
+            </a:r>
+            <a:r>
+              <a:rPr lang="en-US" dirty="0" err="1" smtClean="0"/>
+              <a:t>etc</a:t>
+            </a:r>
+            <a:endParaRPr lang="en-US" dirty="0" smtClean="0"/>
+          </a:p>
+          <a:p>
+            <a:pPr lvl="0"/>
+            <a:endParaRPr lang="en-US" dirty="0" smtClean="0"/>
+          </a:p>
+        </p:txBody>
+      </p:sp>
+    </p:spTree>
+    <p:extLst>
+      <p:ext uri="{BB962C8B-B14F-4D97-AF65-F5344CB8AC3E}">
+        <p14:creationId xmlns:p14="http://schemas.microsoft.com/office/powerpoint/2010/main" val="3695196690"/>
+      </p:ext>
+    </p:extLst>
+  </p:cSld>
+  <p:clrMapOvr>
+    <a:masterClrMapping/>
+  </p:clrMapOvr>
+  <p:timing>
+    <p:tnLst>
+      <p:par>
+        <p:cTn id="1" dur="indefinite" restart="never" nodeType="tmRoot"/>
+      </p:par>
+    </p:tnLst>
+  </p:timing>
+</p:sld>
+</file>
+
+<file path=ppt/slides/slide21.xml><?xml version="1.0" encoding="utf-8"?>
+<p:sld xmlns:a="http://schemas.openxmlformats.org/drawingml/2006/main" xmlns:r="http://schemas.openxmlformats.org/officeDocument/2006/relationships" xmlns:p="http://schemas.openxmlformats.org/presentationml/2006/main">
+  <p:cSld>
+    <p:spTree>
+      <p:nvGrpSpPr>
+        <p:cNvPr id="1" name=""/>
+        <p:cNvGrpSpPr/>
+        <p:nvPr/>
+      </p:nvGrpSpPr>
+      <p:grpSpPr>
+        <a:xfrm>
+          <a:off x="0" y="0"/>
+          <a:ext cx="0" cy="0"/>
+          <a:chOff x="0" y="0"/>
+          <a:chExt cx="0" cy="0"/>
+        </a:xfrm>
+      </p:grpSpPr>
+      <p:sp>
+        <p:nvSpPr>
+          <p:cNvPr id="2" name="Title 1"/>
+          <p:cNvSpPr>
+            <a:spLocks noGrp="1"/>
+          </p:cNvSpPr>
+          <p:nvPr>
+            <p:ph type="title"/>
+          </p:nvPr>
+        </p:nvSpPr>
+        <p:spPr/>
+        <p:txBody>
+          <a:bodyPr/>
+          <a:lstStyle/>
+          <a:p>
+            <a:r>
+              <a:rPr lang="en-US" dirty="0" smtClean="0"/>
+              <a:t>The End</a:t>
+            </a:r>
+            <a:endParaRPr lang="en-US" dirty="0"/>
+          </a:p>
+        </p:txBody>
+      </p:sp>
+      <p:sp>
+        <p:nvSpPr>
+          <p:cNvPr id="3" name="Content Placeholder 2"/>
+          <p:cNvSpPr>
+            <a:spLocks noGrp="1"/>
+          </p:cNvSpPr>
+          <p:nvPr>
+            <p:ph idx="1"/>
+          </p:nvPr>
+        </p:nvSpPr>
+        <p:spPr/>
+        <p:txBody>
+          <a:bodyPr/>
+          <a:lstStyle/>
+          <a:p>
+            <a:r>
+              <a:rPr lang="en-US" dirty="0" smtClean="0">
+                <a:latin typeface="Arial" panose="020B0604020202020204" pitchFamily="34" charset="0"/>
+                <a:cs typeface="Arial" panose="020B0604020202020204" pitchFamily="34" charset="0"/>
+                <a:hlinkClick r:id="rId2"/>
+              </a:rPr>
+              <a:t>Design Patterns – Gang of Four Book</a:t>
+            </a:r>
+            <a:endParaRPr lang="en-US" dirty="0" smtClean="0">
+              <a:latin typeface="Arial" panose="020B0604020202020204" pitchFamily="34" charset="0"/>
+              <a:cs typeface="Arial" panose="020B0604020202020204" pitchFamily="34" charset="0"/>
+            </a:endParaRPr>
+          </a:p>
+          <a:p>
+            <a:r>
+              <a:rPr lang="en-US" dirty="0" smtClean="0">
+                <a:latin typeface="Arial" panose="020B0604020202020204" pitchFamily="34" charset="0"/>
+                <a:cs typeface="Arial" panose="020B0604020202020204" pitchFamily="34" charset="0"/>
+              </a:rPr>
+              <a:t>https://github.com/mperry/talk-java-lambdas/blob/master/Are-Lambdas-Great-in-Java-8.pdf</a:t>
+            </a:r>
+          </a:p>
+          <a:p>
+            <a:r>
+              <a:rPr lang="en-US" dirty="0" smtClean="0">
+                <a:latin typeface="Arial" panose="020B0604020202020204" pitchFamily="34" charset="0"/>
+                <a:cs typeface="Arial" panose="020B0604020202020204" pitchFamily="34" charset="0"/>
+                <a:hlinkClick r:id="rId3"/>
+              </a:rPr>
+              <a:t>http://www.lispcast.com/java-learn-from-clojure</a:t>
+            </a:r>
+            <a:endParaRPr lang="en-US" dirty="0" smtClean="0">
+              <a:latin typeface="Arial" panose="020B0604020202020204" pitchFamily="34" charset="0"/>
+              <a:cs typeface="Arial" panose="020B0604020202020204" pitchFamily="34" charset="0"/>
+            </a:endParaRPr>
+          </a:p>
+          <a:p>
+            <a:r>
+              <a:rPr lang="en-US" dirty="0">
+                <a:latin typeface="Arial" panose="020B0604020202020204" pitchFamily="34" charset="0"/>
+                <a:cs typeface="Arial" panose="020B0604020202020204" pitchFamily="34" charset="0"/>
+              </a:rPr>
+              <a:t>https://</a:t>
+            </a:r>
+            <a:r>
+              <a:rPr lang="en-US" dirty="0" smtClean="0">
+                <a:latin typeface="Arial" panose="020B0604020202020204" pitchFamily="34" charset="0"/>
+                <a:cs typeface="Arial" panose="020B0604020202020204" pitchFamily="34" charset="0"/>
+              </a:rPr>
+              <a:t>github.com/m0smith/presentations/tree/master/FunctionalProgrammingForJavaDevelopers</a:t>
+            </a:r>
+            <a:endParaRPr lang="en-US" dirty="0">
+              <a:latin typeface="Arial" panose="020B0604020202020204" pitchFamily="34" charset="0"/>
+              <a:cs typeface="Arial" panose="020B0604020202020204" pitchFamily="34" charset="0"/>
+            </a:endParaRPr>
+          </a:p>
+        </p:txBody>
+      </p:sp>
+    </p:spTree>
+    <p:extLst>
+      <p:ext uri="{BB962C8B-B14F-4D97-AF65-F5344CB8AC3E}">
+        <p14:creationId xmlns:p14="http://schemas.microsoft.com/office/powerpoint/2010/main" val="1185054517"/>
+      </p:ext>
+    </p:extLst>
+  </p:cSld>
+  <p:clrMapOvr>
+    <a:masterClrMapping/>
+  </p:clrMapOvr>
+  <p:timing>
+    <p:tnLst>
+      <p:par>
+        <p:cTn id="1" dur="indefinite" restart="never" nodeType="tmRoot"/>
+      </p:par>
+    </p:tnLst>
+  </p:timing>
 </p:sld>
 </file>
 
@@ -8287,7 +8552,7 @@
           <a:p>
             <a:r>
               <a:rPr lang="en-US" dirty="0" smtClean="0"/>
-              <a:t>Who am I ?</a:t>
+              <a:t>Overview</a:t>
             </a:r>
             <a:endParaRPr lang="en-US" dirty="0"/>
           </a:p>
@@ -8305,55 +8570,72 @@
         </p:nvSpPr>
         <p:spPr/>
         <p:txBody>
-          <a:bodyPr/>
+          <a:bodyPr numCol="2"/>
           <a:lstStyle/>
           <a:p>
             <a:r>
               <a:rPr lang="en-US" dirty="0" smtClean="0"/>
-              <a:t>CS</a:t>
-            </a:r>
-            <a:r>
-              <a:rPr lang="en-US" baseline="0" dirty="0" smtClean="0"/>
-              <a:t> from the U of U</a:t>
-            </a:r>
-          </a:p>
-          <a:p>
-            <a:r>
-              <a:rPr lang="en-US" baseline="0" dirty="0" smtClean="0"/>
-              <a:t>Accidental Author – Ferocious Flirting: Making Marriage Wonderful</a:t>
-            </a:r>
-          </a:p>
-          <a:p>
-            <a:r>
-              <a:rPr lang="en-US" baseline="0" dirty="0" smtClean="0"/>
-              <a:t>Java Programmer since before Swing</a:t>
-            </a:r>
-          </a:p>
-          <a:p>
-            <a:r>
-              <a:rPr lang="en-US" baseline="0" dirty="0" smtClean="0"/>
-              <a:t>Functional Programmer even longer</a:t>
-            </a:r>
-          </a:p>
-          <a:p>
-            <a:r>
-              <a:rPr lang="en-US" baseline="0" dirty="0" smtClean="0"/>
-              <a:t>Supervisor of Software Engineers at Intermountain Healthcare</a:t>
-            </a:r>
-            <a:endParaRPr lang="en-US" dirty="0"/>
+              <a:t>Who am I</a:t>
+            </a:r>
+          </a:p>
+          <a:p>
+            <a:r>
+              <a:rPr lang="en-US" dirty="0" smtClean="0"/>
+              <a:t>State and Value</a:t>
+            </a:r>
+          </a:p>
+          <a:p>
+            <a:r>
+              <a:rPr lang="en-US" dirty="0" smtClean="0"/>
+              <a:t>Pure Functions</a:t>
+            </a:r>
+          </a:p>
+          <a:p>
+            <a:r>
+              <a:rPr lang="en-US" dirty="0" smtClean="0"/>
+              <a:t>Immutability</a:t>
+            </a:r>
+          </a:p>
+          <a:p>
+            <a:r>
+              <a:rPr lang="en-US" dirty="0" smtClean="0"/>
+              <a:t>Lambda</a:t>
+            </a:r>
+          </a:p>
+          <a:p>
+            <a:endParaRPr lang="en-US" dirty="0" smtClean="0"/>
+          </a:p>
+          <a:p>
+            <a:endParaRPr lang="en-US" dirty="0" smtClean="0"/>
+          </a:p>
+          <a:p>
+            <a:pPr marL="0" indent="0">
+              <a:buNone/>
+            </a:pPr>
+            <a:r>
+              <a:rPr lang="en-US" i="1" dirty="0" smtClean="0"/>
+              <a:t>Unlearn what you have learned</a:t>
+            </a:r>
           </a:p>
         </p:txBody>
       </p:sp>
     </p:spTree>
     <p:extLst>
       <p:ext uri="{BB962C8B-B14F-4D97-AF65-F5344CB8AC3E}">
-        <p14:creationId xmlns:p14="http://schemas.microsoft.com/office/powerpoint/2010/main" val="1785902693"/>
+        <p14:creationId xmlns:p14="http://schemas.microsoft.com/office/powerpoint/2010/main" val="4104161213"/>
       </p:ext>
     </p:extLst>
   </p:cSld>
   <p:clrMapOvr>
     <a:masterClrMapping/>
   </p:clrMapOvr>
+  <p:timing>
+    <p:tnLst>
+      <p:par>
+        <p:cTn id="1" dur="indefinite" restart="never" nodeType="tmRoot"/>
+      </p:par>
+    </p:tnLst>
+  </p:timing>
 </p:sld>
 </file>
 
@@ -8391,70 +8673,80 @@
           <a:p>
             <a:r>
               <a:rPr lang="en-US" dirty="0" smtClean="0"/>
-              <a:t>State</a:t>
+              <a:t>Who am I ?</a:t>
+            </a:r>
+            <a:endParaRPr lang="en-US" dirty="0"/>
+          </a:p>
+        </p:txBody>
+      </p:sp>
+      <p:sp>
+        <p:nvSpPr>
+          <p:cNvPr id="3" name="Content Placeholder 2"/>
+          <p:cNvSpPr>
+            <a:spLocks noGrp="1"/>
+          </p:cNvSpPr>
+          <p:nvPr>
+            <p:ph idx="1"/>
+          </p:nvPr>
+        </p:nvSpPr>
+        <p:spPr/>
+        <p:txBody>
+          <a:bodyPr/>
+          <a:lstStyle/>
+          <a:p>
+            <a:r>
+              <a:rPr lang="en-US" dirty="0" smtClean="0"/>
+              <a:t>CS</a:t>
             </a:r>
             <a:r>
               <a:rPr lang="en-US" baseline="0" dirty="0" smtClean="0"/>
-              <a:t> and Value</a:t>
-            </a:r>
-            <a:endParaRPr lang="en-US" dirty="0"/>
-          </a:p>
-        </p:txBody>
-      </p:sp>
-      <p:sp>
-        <p:nvSpPr>
-          <p:cNvPr id="3" name="Content Placeholder 2"/>
-          <p:cNvSpPr>
-            <a:spLocks noGrp="1"/>
-          </p:cNvSpPr>
-          <p:nvPr>
-            <p:ph idx="1"/>
-          </p:nvPr>
-        </p:nvSpPr>
-        <p:spPr/>
-        <p:txBody>
-          <a:bodyPr/>
-          <a:lstStyle/>
-          <a:p>
-            <a:r>
-              <a:rPr lang="en-US" dirty="0" smtClean="0">
-                <a:solidFill>
-                  <a:srgbClr val="00B050"/>
-                </a:solidFill>
-              </a:rPr>
-              <a:t>Value</a:t>
-            </a:r>
+              <a:t> from the U of U</a:t>
+            </a:r>
+          </a:p>
+          <a:p>
             <a:r>
               <a:rPr lang="en-US" baseline="0" dirty="0" smtClean="0"/>
-              <a:t> – fixed over time</a:t>
-            </a:r>
-          </a:p>
-          <a:p>
-            <a:r>
-              <a:rPr lang="en-US" baseline="0" dirty="0" smtClean="0">
-                <a:solidFill>
-                  <a:srgbClr val="FF0000"/>
-                </a:solidFill>
-              </a:rPr>
-              <a:t>State</a:t>
-            </a:r>
+              <a:t>Accidental Author – Ferocious Flirting: Making Marriage Wonderful</a:t>
+            </a:r>
+          </a:p>
+          <a:p>
             <a:r>
               <a:rPr lang="en-US" baseline="0" dirty="0" smtClean="0"/>
-              <a:t> – varies over time</a:t>
-            </a:r>
+              <a:t>Java Programmer since before Swing</a:t>
+            </a:r>
+          </a:p>
+          <a:p>
+            <a:r>
+              <a:rPr lang="en-US" baseline="0" dirty="0" smtClean="0"/>
+              <a:t>Functional Programmer even longer</a:t>
+            </a:r>
+          </a:p>
+          <a:p>
+            <a:r>
+              <a:rPr lang="en-US" baseline="0" dirty="0" smtClean="0"/>
+              <a:t>Supervisor of Software Engineers at Intermountain Healthcare</a:t>
+            </a:r>
+            <a:endParaRPr lang="en-US" dirty="0"/>
           </a:p>
         </p:txBody>
       </p:sp>
     </p:spTree>
     <p:extLst>
       <p:ext uri="{BB962C8B-B14F-4D97-AF65-F5344CB8AC3E}">
-        <p14:creationId xmlns:p14="http://schemas.microsoft.com/office/powerpoint/2010/main" val="770722518"/>
+        <p14:creationId xmlns:p14="http://schemas.microsoft.com/office/powerpoint/2010/main" val="1785902693"/>
       </p:ext>
     </p:extLst>
   </p:cSld>
   <p:clrMapOvr>
     <a:masterClrMapping/>
   </p:clrMapOvr>
+  <p:timing>
+    <p:tnLst>
+      <p:par>
+        <p:cTn id="1" dur="indefinite" restart="never" nodeType="tmRoot"/>
+      </p:par>
+    </p:tnLst>
+  </p:timing>
 </p:sld>
 </file>
 
@@ -8492,6 +8784,114 @@
           <a:p>
             <a:r>
               <a:rPr lang="en-US" dirty="0" smtClean="0"/>
+              <a:t>State</a:t>
+            </a:r>
+            <a:r>
+              <a:rPr lang="en-US" baseline="0" dirty="0" smtClean="0"/>
+              <a:t> and Value</a:t>
+            </a:r>
+            <a:endParaRPr lang="en-US" dirty="0"/>
+          </a:p>
+        </p:txBody>
+      </p:sp>
+      <p:sp>
+        <p:nvSpPr>
+          <p:cNvPr id="3" name="Content Placeholder 2"/>
+          <p:cNvSpPr>
+            <a:spLocks noGrp="1"/>
+          </p:cNvSpPr>
+          <p:nvPr>
+            <p:ph idx="1"/>
+          </p:nvPr>
+        </p:nvSpPr>
+        <p:spPr/>
+        <p:txBody>
+          <a:bodyPr/>
+          <a:lstStyle/>
+          <a:p>
+            <a:r>
+              <a:rPr lang="en-US" dirty="0" smtClean="0">
+                <a:solidFill>
+                  <a:srgbClr val="00B050"/>
+                </a:solidFill>
+              </a:rPr>
+              <a:t>Value</a:t>
+            </a:r>
+            <a:r>
+              <a:rPr lang="en-US" baseline="0" dirty="0" smtClean="0"/>
+              <a:t> – fixed over time</a:t>
+            </a:r>
+          </a:p>
+          <a:p>
+            <a:r>
+              <a:rPr lang="en-US" baseline="0" dirty="0" smtClean="0">
+                <a:solidFill>
+                  <a:srgbClr val="FF0000"/>
+                </a:solidFill>
+              </a:rPr>
+              <a:t>State</a:t>
+            </a:r>
+            <a:r>
+              <a:rPr lang="en-US" baseline="0" dirty="0" smtClean="0"/>
+              <a:t> – varies over time</a:t>
+            </a:r>
+          </a:p>
+        </p:txBody>
+      </p:sp>
+    </p:spTree>
+    <p:extLst>
+      <p:ext uri="{BB962C8B-B14F-4D97-AF65-F5344CB8AC3E}">
+        <p14:creationId xmlns:p14="http://schemas.microsoft.com/office/powerpoint/2010/main" val="770722518"/>
+      </p:ext>
+    </p:extLst>
+  </p:cSld>
+  <p:clrMapOvr>
+    <a:masterClrMapping/>
+  </p:clrMapOvr>
+  <p:timing>
+    <p:tnLst>
+      <p:par>
+        <p:cTn id="1" dur="indefinite" restart="never" nodeType="tmRoot"/>
+      </p:par>
+    </p:tnLst>
+  </p:timing>
+</p:sld>
+</file>
+
+<file path=ppt/slides/slide6.xml><?xml version="1.0" encoding="utf-8"?>
+<p:sld xmlns:a="http://schemas.openxmlformats.org/drawingml/2006/main" xmlns:r="http://schemas.openxmlformats.org/officeDocument/2006/relationships" xmlns:p="http://schemas.openxmlformats.org/presentationml/2006/main">
+  <p:cSld>
+    <p:spTree>
+      <p:nvGrpSpPr>
+        <p:cNvPr id="1" name=""/>
+        <p:cNvGrpSpPr/>
+        <p:nvPr/>
+      </p:nvGrpSpPr>
+      <p:grpSpPr>
+        <a:xfrm>
+          <a:off x="0" y="0"/>
+          <a:ext cx="0" cy="0"/>
+          <a:chOff x="0" y="0"/>
+          <a:chExt cx="0" cy="0"/>
+        </a:xfrm>
+      </p:grpSpPr>
+      <p:sp>
+        <p:nvSpPr>
+          <p:cNvPr id="2" name="Title 1"/>
+          <p:cNvSpPr>
+            <a:spLocks noGrp="1"/>
+          </p:cNvSpPr>
+          <p:nvPr>
+            <p:ph type="title"/>
+          </p:nvPr>
+        </p:nvSpPr>
+        <p:spPr/>
+        <p:txBody>
+          <a:bodyPr/>
+          <a:lstStyle/>
+          <a:p>
+            <a:r>
+              <a:rPr lang="en-US" dirty="0" smtClean="0"/>
               <a:t>Examples</a:t>
             </a:r>
             <a:r>
@@ -8856,10 +9256,17 @@
   <p:clrMapOvr>
     <a:masterClrMapping/>
   </p:clrMapOvr>
+  <p:timing>
+    <p:tnLst>
+      <p:par>
+        <p:cTn id="1" dur="indefinite" restart="never" nodeType="tmRoot"/>
+      </p:par>
+    </p:tnLst>
+  </p:timing>
 </p:sld>
 </file>
 
-<file path=ppt/slides/slide6.xml><?xml version="1.0" encoding="utf-8"?>
+<file path=ppt/slides/slide7.xml><?xml version="1.0" encoding="utf-8"?>
 <p:sld xmlns:a="http://schemas.openxmlformats.org/drawingml/2006/main" xmlns:r="http://schemas.openxmlformats.org/officeDocument/2006/relationships" xmlns:p="http://schemas.openxmlformats.org/presentationml/2006/main">
   <p:cSld>
     <p:spTree>
@@ -8995,104 +9402,13 @@
   <p:clrMapOvr>
     <a:masterClrMapping/>
   </p:clrMapOvr>
-</p:sld>
-</file>
-
-<file path=ppt/slides/slide7.xml><?xml version="1.0" encoding="utf-8"?>
-<p:sld xmlns:a="http://schemas.openxmlformats.org/drawingml/2006/main" xmlns:r="http://schemas.openxmlformats.org/officeDocument/2006/relationships" xmlns:p="http://schemas.openxmlformats.org/presentationml/2006/main">
-  <p:cSld>
-    <p:spTree>
-      <p:nvGrpSpPr>
-        <p:cNvPr id="1" name=""/>
-        <p:cNvGrpSpPr/>
-        <p:nvPr/>
-      </p:nvGrpSpPr>
-      <p:grpSpPr>
-        <a:xfrm>
-          <a:off x="0" y="0"/>
-          <a:ext cx="0" cy="0"/>
-          <a:chOff x="0" y="0"/>
-          <a:chExt cx="0" cy="0"/>
-        </a:xfrm>
-      </p:grpSpPr>
-      <p:sp>
-        <p:nvSpPr>
-          <p:cNvPr id="2" name="Title 1"/>
-          <p:cNvSpPr>
-            <a:spLocks noGrp="1"/>
-          </p:cNvSpPr>
-          <p:nvPr>
-            <p:ph type="title"/>
-          </p:nvPr>
-        </p:nvSpPr>
-        <p:spPr/>
-        <p:txBody>
-          <a:bodyPr/>
-          <a:lstStyle/>
-          <a:p>
-            <a:r>
-              <a:rPr lang="en-US" dirty="0" smtClean="0"/>
-              <a:t>State</a:t>
-            </a:r>
-            <a:r>
-              <a:rPr lang="en-US" baseline="0" dirty="0" smtClean="0"/>
-              <a:t> is everywhere</a:t>
-            </a:r>
-            <a:endParaRPr lang="en-US" dirty="0"/>
-          </a:p>
-        </p:txBody>
-      </p:sp>
-      <p:sp>
-        <p:nvSpPr>
-          <p:cNvPr id="3" name="Content Placeholder 2"/>
-          <p:cNvSpPr>
-            <a:spLocks noGrp="1"/>
-          </p:cNvSpPr>
-          <p:nvPr>
-            <p:ph idx="1"/>
-          </p:nvPr>
-        </p:nvSpPr>
-        <p:spPr/>
-        <p:txBody>
-          <a:bodyPr/>
-          <a:lstStyle/>
-          <a:p>
-            <a:pPr lvl="0"/>
-            <a:r>
-              <a:rPr lang="en-US" dirty="0" smtClean="0"/>
-              <a:t>Date</a:t>
-            </a:r>
-          </a:p>
-          <a:p>
-            <a:r>
-              <a:rPr lang="en-US" dirty="0" smtClean="0"/>
-              <a:t>beans</a:t>
-            </a:r>
-          </a:p>
-          <a:p>
-            <a:r>
-              <a:rPr lang="en-US" dirty="0" smtClean="0"/>
-              <a:t>Collections</a:t>
-            </a:r>
-          </a:p>
-          <a:p>
-            <a:r>
-              <a:rPr lang="en-US" dirty="0" smtClean="0"/>
-              <a:t>Arrays</a:t>
-            </a:r>
-          </a:p>
-        </p:txBody>
-      </p:sp>
-    </p:spTree>
-    <p:extLst>
-      <p:ext uri="{BB962C8B-B14F-4D97-AF65-F5344CB8AC3E}">
-        <p14:creationId xmlns:p14="http://schemas.microsoft.com/office/powerpoint/2010/main" val="1043613967"/>
-      </p:ext>
-    </p:extLst>
-  </p:cSld>
-  <p:clrMapOvr>
-    <a:masterClrMapping/>
-  </p:clrMapOvr>
+  <p:timing>
+    <p:tnLst>
+      <p:par>
+        <p:cTn id="1" dur="indefinite" restart="never" nodeType="tmRoot"/>
+      </p:par>
+    </p:tnLst>
+  </p:timing>
 </p:sld>
 </file>
 
@@ -9130,11 +9446,11 @@
           <a:p>
             <a:r>
               <a:rPr lang="en-US" dirty="0" smtClean="0"/>
-              <a:t>Ways to use</a:t>
+              <a:t>State</a:t>
             </a:r>
             <a:r>
               <a:rPr lang="en-US" baseline="0" dirty="0" smtClean="0"/>
-              <a:t> minimize state</a:t>
+              <a:t> is everywhere</a:t>
             </a:r>
             <a:endParaRPr lang="en-US" dirty="0"/>
           </a:p>
@@ -9152,63 +9468,52 @@
         </p:nvSpPr>
         <p:spPr/>
         <p:txBody>
-          <a:bodyPr numCol="2"/>
-          <a:lstStyle/>
-          <a:p>
+          <a:bodyPr/>
+          <a:lstStyle/>
+          <a:p>
+            <a:pPr lvl="0"/>
             <a:r>
               <a:rPr lang="en-US" dirty="0" smtClean="0"/>
-              <a:t>Create immutable objects</a:t>
+              <a:t>Date</a:t>
             </a:r>
           </a:p>
           <a:p>
             <a:r>
               <a:rPr lang="en-US" dirty="0" smtClean="0"/>
-              <a:t>Use Factories and Builders</a:t>
+              <a:t>beans</a:t>
             </a:r>
           </a:p>
           <a:p>
             <a:r>
               <a:rPr lang="en-US" dirty="0" smtClean="0"/>
-              <a:t>Talk to abstractions</a:t>
-            </a:r>
-          </a:p>
-          <a:p>
-            <a:pPr marL="0" indent="0">
-              <a:buNone/>
-            </a:pPr>
-            <a:endParaRPr lang="en-US" baseline="0" dirty="0" smtClean="0"/>
-          </a:p>
-          <a:p>
-            <a:endParaRPr lang="en-US" baseline="0" dirty="0" smtClean="0"/>
-          </a:p>
-          <a:p>
-            <a:endParaRPr lang="en-US" baseline="0" dirty="0" smtClean="0"/>
-          </a:p>
-          <a:p>
-            <a:endParaRPr lang="en-US" baseline="0" dirty="0" smtClean="0"/>
-          </a:p>
-          <a:p>
-            <a:pPr marL="0" indent="0">
-              <a:buNone/>
-            </a:pPr>
-            <a:r>
-              <a:rPr lang="en-US" i="1" baseline="0" dirty="0" smtClean="0"/>
-              <a:t>It is a conscious decision and work in Java</a:t>
-            </a:r>
-            <a:endParaRPr lang="en-US" i="1" dirty="0"/>
+              <a:t>Collections</a:t>
+            </a:r>
+          </a:p>
+          <a:p>
+            <a:r>
+              <a:rPr lang="en-US" dirty="0" smtClean="0"/>
+              <a:t>Arrays</a:t>
+            </a:r>
           </a:p>
         </p:txBody>
       </p:sp>
     </p:spTree>
     <p:extLst>
       <p:ext uri="{BB962C8B-B14F-4D97-AF65-F5344CB8AC3E}">
-        <p14:creationId xmlns:p14="http://schemas.microsoft.com/office/powerpoint/2010/main" val="3354480763"/>
+        <p14:creationId xmlns:p14="http://schemas.microsoft.com/office/powerpoint/2010/main" val="1043613967"/>
       </p:ext>
     </p:extLst>
   </p:cSld>
   <p:clrMapOvr>
     <a:masterClrMapping/>
   </p:clrMapOvr>
+  <p:timing>
+    <p:tnLst>
+      <p:par>
+        <p:cTn id="1" dur="indefinite" restart="never" nodeType="tmRoot"/>
+      </p:par>
+    </p:tnLst>
+  </p:timing>
 </p:sld>
 </file>
 
@@ -9246,7 +9551,11 @@
           <a:p>
             <a:r>
               <a:rPr lang="en-US" dirty="0" smtClean="0"/>
-              <a:t>Immutable is hard</a:t>
+              <a:t>Ways to use</a:t>
+            </a:r>
+            <a:r>
+              <a:rPr lang="en-US" baseline="0" dirty="0" smtClean="0"/>
+              <a:t> minimize state</a:t>
             </a:r>
             <a:endParaRPr lang="en-US" dirty="0"/>
           </a:p>
@@ -9264,26 +9573,70 @@
         </p:nvSpPr>
         <p:spPr/>
         <p:txBody>
-          <a:bodyPr/>
-          <a:lstStyle/>
-          <a:p>
-            <a:r>
-              <a:rPr lang="en-US" dirty="0"/>
-              <a:t>http://codereview.stackexchange.com/questions/66629/immutable-objects-in-java</a:t>
-            </a:r>
+          <a:bodyPr numCol="2"/>
+          <a:lstStyle/>
+          <a:p>
+            <a:r>
+              <a:rPr lang="en-US" dirty="0" smtClean="0"/>
+              <a:t>Create immutable objects</a:t>
+            </a:r>
+          </a:p>
+          <a:p>
+            <a:r>
+              <a:rPr lang="en-US" dirty="0" smtClean="0"/>
+              <a:t>Use Factories and Builders</a:t>
+            </a:r>
+          </a:p>
+          <a:p>
+            <a:r>
+              <a:rPr lang="en-US" dirty="0" smtClean="0"/>
+              <a:t>Talk to abstractions</a:t>
+            </a:r>
+          </a:p>
+          <a:p>
+            <a:pPr marL="0" indent="0">
+              <a:buNone/>
+            </a:pPr>
+            <a:endParaRPr lang="en-US" baseline="0" dirty="0" smtClean="0"/>
+          </a:p>
+          <a:p>
+            <a:endParaRPr lang="en-US" baseline="0" dirty="0" smtClean="0"/>
+          </a:p>
+          <a:p>
+            <a:endParaRPr lang="en-US" baseline="0" dirty="0" smtClean="0"/>
+          </a:p>
+          <a:p>
+            <a:endParaRPr lang="en-US" baseline="0" dirty="0" smtClean="0"/>
+          </a:p>
+          <a:p>
+            <a:pPr marL="0" indent="0">
+              <a:buNone/>
+            </a:pPr>
+            <a:r>
+              <a:rPr lang="en-US" i="1" baseline="0" dirty="0" smtClean="0"/>
+              <a:t>It is a conscious decision and work in Java</a:t>
+            </a:r>
+            <a:endParaRPr lang="en-US" i="1" dirty="0"/>
           </a:p>
         </p:txBody>
       </p:sp>
     </p:spTree>
     <p:extLst>
       <p:ext uri="{BB962C8B-B14F-4D97-AF65-F5344CB8AC3E}">
-        <p14:creationId xmlns:p14="http://schemas.microsoft.com/office/powerpoint/2010/main" val="3167892073"/>
+        <p14:creationId xmlns:p14="http://schemas.microsoft.com/office/powerpoint/2010/main" val="3354480763"/>
       </p:ext>
     </p:extLst>
   </p:cSld>
   <p:clrMapOvr>
     <a:masterClrMapping/>
   </p:clrMapOvr>
+  <p:timing>
+    <p:tnLst>
+      <p:par>
+        <p:cTn id="1" dur="indefinite" restart="never" nodeType="tmRoot"/>
+      </p:par>
+    </p:tnLst>
+  </p:timing>
 </p:sld>
 </file>
 
@@ -9537,7 +9890,7 @@
   <a:extraClrSchemeLst/>
   <a:extLst>
     <a:ext uri="{05A4C25C-085E-4340-85A3-A5531E510DB2}">
-      <thm15:themeFamily xmlns:thm15="http://schemas.microsoft.com/office/thememl/2012/main" name="Parallax" id="{3388167B-A2EB-4685-9635-1831D9AEF8C4}" vid="{4F7A876A-7598-49CA-AFC8-8EDA2551E4A7}"/>
+      <thm15:themeFamily xmlns:thm15="http://schemas.microsoft.com/office/thememl/2012/main" xmlns="" name="Parallax" id="{3388167B-A2EB-4685-9635-1831D9AEF8C4}" vid="{4F7A876A-7598-49CA-AFC8-8EDA2551E4A7}"/>
     </a:ext>
   </a:extLst>
 </a:theme>
@@ -9798,7 +10151,7 @@
   <a:extraClrSchemeLst/>
   <a:extLst>
     <a:ext uri="{05A4C25C-085E-4340-85A3-A5531E510DB2}">
-      <thm15:themeFamily xmlns:thm15="http://schemas.microsoft.com/office/thememl/2012/main" name="Office Theme" id="{62F939B6-93AF-4DB8-9C6B-D6C7DFDC589F}" vid="{4A3C46E8-61CC-4603-A589-7422A47A8E4A}"/>
+      <thm15:themeFamily xmlns:thm15="http://schemas.microsoft.com/office/thememl/2012/main" xmlns="" name="Office Theme" id="{62F939B6-93AF-4DB8-9C6B-D6C7DFDC589F}" vid="{4A3C46E8-61CC-4603-A589-7422A47A8E4A}"/>
     </a:ext>
   </a:extLst>
 </a:theme>
